--- a/Bhajan/B397 - येशू कस्तो प्यारो मित्र.pptx
+++ b/Bhajan/B397 - येशू कस्तो प्यारो मित्र.pptx
@@ -7,11 +7,17 @@
   <p:sldIdLst>
     <p:sldId id="275" r:id="rId2"/>
     <p:sldId id="276" r:id="rId3"/>
-    <p:sldId id="285" r:id="rId4"/>
-    <p:sldId id="286" r:id="rId5"/>
-    <p:sldId id="287" r:id="rId6"/>
-    <p:sldId id="288" r:id="rId7"/>
-    <p:sldId id="289" r:id="rId8"/>
+    <p:sldId id="290" r:id="rId4"/>
+    <p:sldId id="285" r:id="rId5"/>
+    <p:sldId id="291" r:id="rId6"/>
+    <p:sldId id="286" r:id="rId7"/>
+    <p:sldId id="292" r:id="rId8"/>
+    <p:sldId id="287" r:id="rId9"/>
+    <p:sldId id="293" r:id="rId10"/>
+    <p:sldId id="288" r:id="rId11"/>
+    <p:sldId id="294" r:id="rId12"/>
+    <p:sldId id="289" r:id="rId13"/>
+    <p:sldId id="295" r:id="rId14"/>
   </p:sldIdLst>
   <p:sldSz cx="12192000" cy="6858000"/>
   <p:notesSz cx="6858000" cy="9144000"/>
@@ -249,7 +255,7 @@
           <a:p>
             <a:fld id="{5256441D-FA9E-43D4-8BA7-A70091F914B6}" type="datetimeFigureOut">
               <a:rPr lang="en-US" smtClean="0"/>
-              <a:t>9/2/2018</a:t>
+              <a:t>6/16/2019</a:t>
             </a:fld>
             <a:endParaRPr lang="en-US"/>
           </a:p>
@@ -419,7 +425,7 @@
           <a:p>
             <a:fld id="{5256441D-FA9E-43D4-8BA7-A70091F914B6}" type="datetimeFigureOut">
               <a:rPr lang="en-US" smtClean="0"/>
-              <a:t>9/2/2018</a:t>
+              <a:t>6/16/2019</a:t>
             </a:fld>
             <a:endParaRPr lang="en-US"/>
           </a:p>
@@ -599,7 +605,7 @@
           <a:p>
             <a:fld id="{5256441D-FA9E-43D4-8BA7-A70091F914B6}" type="datetimeFigureOut">
               <a:rPr lang="en-US" smtClean="0"/>
-              <a:t>9/2/2018</a:t>
+              <a:t>6/16/2019</a:t>
             </a:fld>
             <a:endParaRPr lang="en-US"/>
           </a:p>
@@ -842,7 +848,7 @@
           <a:p>
             <a:fld id="{5256441D-FA9E-43D4-8BA7-A70091F914B6}" type="datetimeFigureOut">
               <a:rPr lang="en-US" smtClean="0"/>
-              <a:t>9/2/2018</a:t>
+              <a:t>6/16/2019</a:t>
             </a:fld>
             <a:endParaRPr lang="en-US"/>
           </a:p>
@@ -1088,7 +1094,7 @@
           <a:p>
             <a:fld id="{5256441D-FA9E-43D4-8BA7-A70091F914B6}" type="datetimeFigureOut">
               <a:rPr lang="en-US" smtClean="0"/>
-              <a:t>9/2/2018</a:t>
+              <a:t>6/16/2019</a:t>
             </a:fld>
             <a:endParaRPr lang="en-US"/>
           </a:p>
@@ -1320,7 +1326,7 @@
           <a:p>
             <a:fld id="{5256441D-FA9E-43D4-8BA7-A70091F914B6}" type="datetimeFigureOut">
               <a:rPr lang="en-US" smtClean="0"/>
-              <a:t>9/2/2018</a:t>
+              <a:t>6/16/2019</a:t>
             </a:fld>
             <a:endParaRPr lang="en-US"/>
           </a:p>
@@ -1687,7 +1693,7 @@
           <a:p>
             <a:fld id="{5256441D-FA9E-43D4-8BA7-A70091F914B6}" type="datetimeFigureOut">
               <a:rPr lang="en-US" smtClean="0"/>
-              <a:t>9/2/2018</a:t>
+              <a:t>6/16/2019</a:t>
             </a:fld>
             <a:endParaRPr lang="en-US"/>
           </a:p>
@@ -1805,7 +1811,7 @@
           <a:p>
             <a:fld id="{5256441D-FA9E-43D4-8BA7-A70091F914B6}" type="datetimeFigureOut">
               <a:rPr lang="en-US" smtClean="0"/>
-              <a:t>9/2/2018</a:t>
+              <a:t>6/16/2019</a:t>
             </a:fld>
             <a:endParaRPr lang="en-US"/>
           </a:p>
@@ -1900,7 +1906,7 @@
           <a:p>
             <a:fld id="{5256441D-FA9E-43D4-8BA7-A70091F914B6}" type="datetimeFigureOut">
               <a:rPr lang="en-US" smtClean="0"/>
-              <a:t>9/2/2018</a:t>
+              <a:t>6/16/2019</a:t>
             </a:fld>
             <a:endParaRPr lang="en-US"/>
           </a:p>
@@ -2177,7 +2183,7 @@
           <a:p>
             <a:fld id="{5256441D-FA9E-43D4-8BA7-A70091F914B6}" type="datetimeFigureOut">
               <a:rPr lang="en-US" smtClean="0"/>
-              <a:t>9/2/2018</a:t>
+              <a:t>6/16/2019</a:t>
             </a:fld>
             <a:endParaRPr lang="en-US"/>
           </a:p>
@@ -2434,7 +2440,7 @@
           <a:p>
             <a:fld id="{5256441D-FA9E-43D4-8BA7-A70091F914B6}" type="datetimeFigureOut">
               <a:rPr lang="en-US" smtClean="0"/>
-              <a:t>9/2/2018</a:t>
+              <a:t>6/16/2019</a:t>
             </a:fld>
             <a:endParaRPr lang="en-US"/>
           </a:p>
@@ -2647,7 +2653,7 @@
           <a:p>
             <a:fld id="{5256441D-FA9E-43D4-8BA7-A70091F914B6}" type="datetimeFigureOut">
               <a:rPr lang="en-US" smtClean="0"/>
-              <a:t>9/2/2018</a:t>
+              <a:t>6/16/2019</a:t>
             </a:fld>
             <a:endParaRPr lang="en-US"/>
           </a:p>
@@ -3072,7 +3078,7 @@
           </a:ln>
           <a:extLst>
             <a:ext uri="{C572A759-6A51-4108-AA02-DFA0A04FC94B}">
-              <ma14:wrappingTextBoxFlag xmlns:ma14="http://schemas.microsoft.com/office/mac/drawingml/2011/main" xmlns="" val="1"/>
+              <ma14:wrappingTextBoxFlag xmlns="" xmlns:ma14="http://schemas.microsoft.com/office/mac/drawingml/2011/main" val="1"/>
             </a:ext>
           </a:extLst>
         </p:spPr>
@@ -3119,6 +3125,1181 @@
         </p:txBody>
       </p:sp>
     </p:spTree>
+  </p:cSld>
+  <p:clrMapOvr>
+    <a:masterClrMapping/>
+  </p:clrMapOvr>
+  <mc:AlternateContent xmlns:mc="http://schemas.openxmlformats.org/markup-compatibility/2006" xmlns:p14="http://schemas.microsoft.com/office/powerpoint/2010/main">
+    <mc:Choice Requires="p14">
+      <p:transition>
+        <p:wipe dir="d"/>
+      </p:transition>
+    </mc:Choice>
+    <mc:Fallback xmlns="">
+      <p:transition spd="fast">
+        <p:fade/>
+      </p:transition>
+    </mc:Fallback>
+  </mc:AlternateContent>
+</p:sld>
+</file>
+
+<file path=ppt/slides/slide10.xml><?xml version="1.0" encoding="utf-8"?>
+<p:sld xmlns:a="http://schemas.openxmlformats.org/drawingml/2006/main" xmlns:r="http://schemas.openxmlformats.org/officeDocument/2006/relationships" xmlns:p="http://schemas.openxmlformats.org/presentationml/2006/main">
+  <p:cSld>
+    <p:spTree>
+      <p:nvGrpSpPr>
+        <p:cNvPr id="1" name=""/>
+        <p:cNvGrpSpPr/>
+        <p:nvPr/>
+      </p:nvGrpSpPr>
+      <p:grpSpPr>
+        <a:xfrm>
+          <a:off x="0" y="0"/>
+          <a:ext cx="0" cy="0"/>
+          <a:chOff x="0" y="0"/>
+          <a:chExt cx="0" cy="0"/>
+        </a:xfrm>
+      </p:grpSpPr>
+      <p:sp>
+        <p:nvSpPr>
+          <p:cNvPr id="290" name="Shape 290"/>
+          <p:cNvSpPr/>
+          <p:nvPr/>
+        </p:nvSpPr>
+        <p:spPr>
+          <a:xfrm>
+            <a:off x="1193215" y="1592439"/>
+            <a:ext cx="9805569" cy="3673121"/>
+          </a:xfrm>
+          <a:prstGeom prst="rect">
+            <a:avLst/>
+          </a:prstGeom>
+          <a:ln w="12700">
+            <a:miter lim="400000"/>
+          </a:ln>
+          <a:extLst>
+            <a:ext uri="{C572A759-6A51-4108-AA02-DFA0A04FC94B}">
+              <ma14:wrappingTextBoxFlag xmlns="" xmlns:ma14="http://schemas.microsoft.com/office/mac/drawingml/2011/main" val="1"/>
+            </a:ext>
+          </a:extLst>
+        </p:spPr>
+        <p:txBody>
+          <a:bodyPr wrap="none" lIns="35719" tIns="35719" rIns="35719" bIns="35719" anchor="ctr">
+            <a:spAutoFit/>
+          </a:bodyPr>
+          <a:lstStyle/>
+          <a:p>
+            <a:pPr lvl="0" algn="ctr" defTabSz="914400" eaLnBrk="0" fontAlgn="base" hangingPunct="0">
+              <a:spcBef>
+                <a:spcPct val="0"/>
+              </a:spcBef>
+              <a:spcAft>
+                <a:spcPct val="0"/>
+              </a:spcAft>
+            </a:pPr>
+            <a:r>
+              <a:rPr lang="hi-IN" altLang="en-US" sz="5400" b="1" dirty="0">
+                <a:latin typeface="Arial Unicode MS"/>
+                <a:cs typeface="+mj-cs"/>
+              </a:rPr>
+              <a:t>हामी छौँ कि निर्बल</a:t>
+            </a:r>
+            <a:r>
+              <a:rPr lang="en-US" altLang="en-US" sz="5400" b="1" dirty="0">
+                <a:latin typeface="Arial Unicode MS"/>
+                <a:cs typeface="+mj-cs"/>
+              </a:rPr>
+              <a:t>, </a:t>
+            </a:r>
+            <a:r>
+              <a:rPr lang="hi-IN" altLang="en-US" sz="5400" b="1" dirty="0">
+                <a:latin typeface="Arial Unicode MS"/>
+                <a:cs typeface="+mj-cs"/>
+              </a:rPr>
+              <a:t>दुःखित</a:t>
+            </a:r>
+            <a:r>
+              <a:rPr lang="en-US" altLang="en-US" sz="5400" b="1" dirty="0">
+                <a:latin typeface="Arial Unicode MS"/>
+                <a:cs typeface="+mj-cs"/>
+              </a:rPr>
+              <a:t>, </a:t>
+            </a:r>
+          </a:p>
+          <a:p>
+            <a:pPr lvl="0" algn="ctr" defTabSz="914400" eaLnBrk="0" fontAlgn="base" hangingPunct="0">
+              <a:spcBef>
+                <a:spcPct val="0"/>
+              </a:spcBef>
+              <a:spcAft>
+                <a:spcPct val="0"/>
+              </a:spcAft>
+            </a:pPr>
+            <a:r>
+              <a:rPr lang="hi-IN" altLang="en-US" sz="5400" b="1" dirty="0">
+                <a:latin typeface="Arial Unicode MS"/>
+                <a:cs typeface="+mj-cs"/>
+              </a:rPr>
+              <a:t>चिन्ता</a:t>
+            </a:r>
+            <a:r>
+              <a:rPr lang="en-US" altLang="en-US" sz="5400" b="1" dirty="0">
+                <a:latin typeface="Arial Unicode MS"/>
+                <a:cs typeface="+mj-cs"/>
+              </a:rPr>
+              <a:t>, </a:t>
+            </a:r>
+            <a:r>
+              <a:rPr lang="hi-IN" altLang="en-US" sz="5400" b="1" dirty="0">
+                <a:latin typeface="Arial Unicode MS"/>
+                <a:cs typeface="+mj-cs"/>
+              </a:rPr>
+              <a:t>बोझले लादिएका </a:t>
+            </a:r>
+            <a:r>
+              <a:rPr lang="en-US" altLang="en-US" sz="5400" b="1" dirty="0">
+                <a:latin typeface="Arial Unicode MS"/>
+                <a:cs typeface="+mj-cs"/>
+              </a:rPr>
+              <a:t>? </a:t>
+            </a:r>
+          </a:p>
+          <a:p>
+            <a:pPr algn="ctr"/>
+            <a:endParaRPr lang="en-US" b="1" i="1" dirty="0">
+              <a:latin typeface="Arial" panose="020B0604020202020204" pitchFamily="34" charset="0"/>
+              <a:cs typeface="Arial" panose="020B0604020202020204" pitchFamily="34" charset="0"/>
+            </a:endParaRPr>
+          </a:p>
+          <a:p>
+            <a:pPr algn="ctr"/>
+            <a:r>
+              <a:rPr lang="en-US" sz="5400" b="1" dirty="0" err="1">
+                <a:solidFill>
+                  <a:srgbClr val="FFFF00"/>
+                </a:solidFill>
+                <a:latin typeface="Arial" panose="020B0604020202020204" pitchFamily="34" charset="0"/>
+                <a:cs typeface="Arial" panose="020B0604020202020204" pitchFamily="34" charset="0"/>
+              </a:rPr>
+              <a:t>haami</a:t>
+            </a:r>
+            <a:r>
+              <a:rPr lang="en-US" sz="5400" b="1" dirty="0">
+                <a:solidFill>
+                  <a:srgbClr val="FFFF00"/>
+                </a:solidFill>
+                <a:latin typeface="Arial" panose="020B0604020202020204" pitchFamily="34" charset="0"/>
+                <a:cs typeface="Arial" panose="020B0604020202020204" pitchFamily="34" charset="0"/>
+              </a:rPr>
+              <a:t> </a:t>
+            </a:r>
+            <a:r>
+              <a:rPr lang="en-US" sz="5400" b="1" dirty="0" err="1">
+                <a:solidFill>
+                  <a:srgbClr val="FFFF00"/>
+                </a:solidFill>
+                <a:latin typeface="Arial" panose="020B0604020202020204" pitchFamily="34" charset="0"/>
+                <a:cs typeface="Arial" panose="020B0604020202020204" pitchFamily="34" charset="0"/>
+              </a:rPr>
+              <a:t>chauň</a:t>
+            </a:r>
+            <a:r>
+              <a:rPr lang="en-US" sz="5400" b="1" dirty="0">
+                <a:solidFill>
+                  <a:srgbClr val="FFFF00"/>
+                </a:solidFill>
+                <a:latin typeface="Arial" panose="020B0604020202020204" pitchFamily="34" charset="0"/>
+                <a:cs typeface="Arial" panose="020B0604020202020204" pitchFamily="34" charset="0"/>
+              </a:rPr>
+              <a:t> </a:t>
+            </a:r>
+            <a:r>
+              <a:rPr lang="en-US" sz="5400" b="1" dirty="0" err="1">
+                <a:solidFill>
+                  <a:srgbClr val="FFFF00"/>
+                </a:solidFill>
+                <a:latin typeface="Arial" panose="020B0604020202020204" pitchFamily="34" charset="0"/>
+                <a:cs typeface="Arial" panose="020B0604020202020204" pitchFamily="34" charset="0"/>
+              </a:rPr>
+              <a:t>ki</a:t>
+            </a:r>
+            <a:r>
+              <a:rPr lang="en-US" sz="5400" b="1" dirty="0">
+                <a:solidFill>
+                  <a:srgbClr val="FFFF00"/>
+                </a:solidFill>
+                <a:latin typeface="Arial" panose="020B0604020202020204" pitchFamily="34" charset="0"/>
+                <a:cs typeface="Arial" panose="020B0604020202020204" pitchFamily="34" charset="0"/>
+              </a:rPr>
+              <a:t> </a:t>
+            </a:r>
+            <a:r>
+              <a:rPr lang="en-US" sz="5400" b="1" dirty="0" err="1">
+                <a:solidFill>
+                  <a:srgbClr val="FFFF00"/>
+                </a:solidFill>
+                <a:latin typeface="Arial" panose="020B0604020202020204" pitchFamily="34" charset="0"/>
+                <a:cs typeface="Arial" panose="020B0604020202020204" pitchFamily="34" charset="0"/>
+              </a:rPr>
+              <a:t>nirbal</a:t>
+            </a:r>
+            <a:r>
+              <a:rPr lang="en-US" sz="5400" b="1" dirty="0">
+                <a:solidFill>
+                  <a:srgbClr val="FFFF00"/>
+                </a:solidFill>
+                <a:latin typeface="Arial" panose="020B0604020202020204" pitchFamily="34" charset="0"/>
+                <a:cs typeface="Arial" panose="020B0604020202020204" pitchFamily="34" charset="0"/>
+              </a:rPr>
+              <a:t>, </a:t>
+            </a:r>
+            <a:r>
+              <a:rPr lang="en-US" sz="5400" b="1" dirty="0" err="1">
+                <a:solidFill>
+                  <a:srgbClr val="FFFF00"/>
+                </a:solidFill>
+                <a:latin typeface="Arial" panose="020B0604020202020204" pitchFamily="34" charset="0"/>
+                <a:cs typeface="Arial" panose="020B0604020202020204" pitchFamily="34" charset="0"/>
+              </a:rPr>
+              <a:t>dukhit</a:t>
+            </a:r>
+            <a:r>
+              <a:rPr lang="en-US" sz="5400" b="1" dirty="0">
+                <a:solidFill>
+                  <a:srgbClr val="FFFF00"/>
+                </a:solidFill>
+                <a:latin typeface="Arial" panose="020B0604020202020204" pitchFamily="34" charset="0"/>
+                <a:cs typeface="Arial" panose="020B0604020202020204" pitchFamily="34" charset="0"/>
+              </a:rPr>
+              <a:t>,</a:t>
+            </a:r>
+          </a:p>
+          <a:p>
+            <a:pPr algn="ctr"/>
+            <a:r>
+              <a:rPr lang="en-US" sz="5400" b="1" dirty="0">
+                <a:solidFill>
+                  <a:srgbClr val="FFFF00"/>
+                </a:solidFill>
+                <a:latin typeface="Arial" panose="020B0604020202020204" pitchFamily="34" charset="0"/>
+                <a:cs typeface="Arial" panose="020B0604020202020204" pitchFamily="34" charset="0"/>
+              </a:rPr>
+              <a:t> </a:t>
+            </a:r>
+            <a:r>
+              <a:rPr lang="en-US" sz="5400" b="1" dirty="0" err="1">
+                <a:solidFill>
+                  <a:srgbClr val="FFFF00"/>
+                </a:solidFill>
+                <a:latin typeface="Arial" panose="020B0604020202020204" pitchFamily="34" charset="0"/>
+                <a:cs typeface="Arial" panose="020B0604020202020204" pitchFamily="34" charset="0"/>
+              </a:rPr>
+              <a:t>cintaa</a:t>
+            </a:r>
+            <a:r>
+              <a:rPr lang="en-US" sz="5400" b="1" dirty="0">
+                <a:solidFill>
+                  <a:srgbClr val="FFFF00"/>
+                </a:solidFill>
+                <a:latin typeface="Arial" panose="020B0604020202020204" pitchFamily="34" charset="0"/>
+                <a:cs typeface="Arial" panose="020B0604020202020204" pitchFamily="34" charset="0"/>
+              </a:rPr>
+              <a:t>, </a:t>
+            </a:r>
+            <a:r>
+              <a:rPr lang="en-US" sz="5400" b="1" dirty="0" err="1">
+                <a:solidFill>
+                  <a:srgbClr val="FFFF00"/>
+                </a:solidFill>
+                <a:latin typeface="Arial" panose="020B0604020202020204" pitchFamily="34" charset="0"/>
+                <a:cs typeface="Arial" panose="020B0604020202020204" pitchFamily="34" charset="0"/>
+              </a:rPr>
+              <a:t>bojh</a:t>
+            </a:r>
+            <a:r>
+              <a:rPr lang="en-US" sz="5400" b="1" dirty="0">
+                <a:solidFill>
+                  <a:srgbClr val="FFFF00"/>
+                </a:solidFill>
+                <a:latin typeface="Arial" panose="020B0604020202020204" pitchFamily="34" charset="0"/>
+                <a:cs typeface="Arial" panose="020B0604020202020204" pitchFamily="34" charset="0"/>
+              </a:rPr>
+              <a:t>-le </a:t>
+            </a:r>
+            <a:r>
+              <a:rPr lang="en-US" sz="5400" b="1" dirty="0" err="1">
+                <a:solidFill>
+                  <a:srgbClr val="FFFF00"/>
+                </a:solidFill>
+                <a:latin typeface="Arial" panose="020B0604020202020204" pitchFamily="34" charset="0"/>
+                <a:cs typeface="Arial" panose="020B0604020202020204" pitchFamily="34" charset="0"/>
+              </a:rPr>
+              <a:t>laad'yekaa</a:t>
+            </a:r>
+            <a:r>
+              <a:rPr lang="en-US" sz="5400" b="1" dirty="0">
+                <a:solidFill>
+                  <a:srgbClr val="FFFF00"/>
+                </a:solidFill>
+                <a:latin typeface="Arial" panose="020B0604020202020204" pitchFamily="34" charset="0"/>
+                <a:cs typeface="Arial" panose="020B0604020202020204" pitchFamily="34" charset="0"/>
+              </a:rPr>
+              <a:t>?</a:t>
+            </a:r>
+          </a:p>
+        </p:txBody>
+      </p:sp>
+    </p:spTree>
+    <p:extLst>
+      <p:ext uri="{BB962C8B-B14F-4D97-AF65-F5344CB8AC3E}">
+        <p14:creationId xmlns:p14="http://schemas.microsoft.com/office/powerpoint/2010/main" val="3679296511"/>
+      </p:ext>
+    </p:extLst>
+  </p:cSld>
+  <p:clrMapOvr>
+    <a:masterClrMapping/>
+  </p:clrMapOvr>
+  <mc:AlternateContent xmlns:mc="http://schemas.openxmlformats.org/markup-compatibility/2006" xmlns:p14="http://schemas.microsoft.com/office/powerpoint/2010/main">
+    <mc:Choice Requires="p14">
+      <p:transition>
+        <p:wipe dir="d"/>
+      </p:transition>
+    </mc:Choice>
+    <mc:Fallback xmlns="">
+      <p:transition spd="fast">
+        <p:fade/>
+      </p:transition>
+    </mc:Fallback>
+  </mc:AlternateContent>
+</p:sld>
+</file>
+
+<file path=ppt/slides/slide11.xml><?xml version="1.0" encoding="utf-8"?>
+<p:sld xmlns:a="http://schemas.openxmlformats.org/drawingml/2006/main" xmlns:r="http://schemas.openxmlformats.org/officeDocument/2006/relationships" xmlns:p="http://schemas.openxmlformats.org/presentationml/2006/main">
+  <p:cSld>
+    <p:spTree>
+      <p:nvGrpSpPr>
+        <p:cNvPr id="1" name=""/>
+        <p:cNvGrpSpPr/>
+        <p:nvPr/>
+      </p:nvGrpSpPr>
+      <p:grpSpPr>
+        <a:xfrm>
+          <a:off x="0" y="0"/>
+          <a:ext cx="0" cy="0"/>
+          <a:chOff x="0" y="0"/>
+          <a:chExt cx="0" cy="0"/>
+        </a:xfrm>
+      </p:grpSpPr>
+      <p:sp>
+        <p:nvSpPr>
+          <p:cNvPr id="290" name="Shape 290"/>
+          <p:cNvSpPr/>
+          <p:nvPr/>
+        </p:nvSpPr>
+        <p:spPr>
+          <a:xfrm>
+            <a:off x="225674" y="1592439"/>
+            <a:ext cx="11740651" cy="3673121"/>
+          </a:xfrm>
+          <a:prstGeom prst="rect">
+            <a:avLst/>
+          </a:prstGeom>
+          <a:ln w="12700">
+            <a:miter lim="400000"/>
+          </a:ln>
+          <a:extLst>
+            <a:ext uri="{C572A759-6A51-4108-AA02-DFA0A04FC94B}">
+              <ma14:wrappingTextBoxFlag xmlns="" xmlns:ma14="http://schemas.microsoft.com/office/mac/drawingml/2011/main" val="1"/>
+            </a:ext>
+          </a:extLst>
+        </p:spPr>
+        <p:txBody>
+          <a:bodyPr wrap="none" lIns="35719" tIns="35719" rIns="35719" bIns="35719" anchor="ctr">
+            <a:spAutoFit/>
+          </a:bodyPr>
+          <a:lstStyle/>
+          <a:p>
+            <a:pPr lvl="0" algn="ctr" defTabSz="914400" eaLnBrk="0" fontAlgn="base" hangingPunct="0">
+              <a:spcBef>
+                <a:spcPct val="0"/>
+              </a:spcBef>
+              <a:spcAft>
+                <a:spcPct val="0"/>
+              </a:spcAft>
+            </a:pPr>
+            <a:r>
+              <a:rPr lang="hi-IN" altLang="en-US" sz="5400" b="1" dirty="0">
+                <a:latin typeface="Arial Unicode MS"/>
+                <a:cs typeface="+mj-cs"/>
+              </a:rPr>
+              <a:t>हाम्रो आश्रय खालि येशू </a:t>
+            </a:r>
+            <a:endParaRPr lang="en-US" altLang="en-US" sz="5400" b="1" dirty="0">
+              <a:latin typeface="Arial Unicode MS"/>
+              <a:cs typeface="+mj-cs"/>
+            </a:endParaRPr>
+          </a:p>
+          <a:p>
+            <a:pPr lvl="0" algn="ctr" defTabSz="914400" eaLnBrk="0" fontAlgn="base" hangingPunct="0">
+              <a:spcBef>
+                <a:spcPct val="0"/>
+              </a:spcBef>
+              <a:spcAft>
+                <a:spcPct val="0"/>
+              </a:spcAft>
+            </a:pPr>
+            <a:r>
+              <a:rPr lang="hi-IN" altLang="en-US" sz="5400" b="1" dirty="0">
+                <a:latin typeface="Arial Unicode MS"/>
+                <a:cs typeface="+mj-cs"/>
+              </a:rPr>
+              <a:t>ख्रीष्टलाई भनौँ प्रार्थनामा</a:t>
+            </a:r>
+            <a:r>
+              <a:rPr lang="en-US" altLang="en-US" sz="5400" b="1" dirty="0">
+                <a:latin typeface="Arial Unicode MS"/>
+                <a:cs typeface="+mj-cs"/>
+              </a:rPr>
+              <a:t>,</a:t>
+            </a:r>
+            <a:r>
+              <a:rPr lang="en-US" altLang="en-US" sz="5400" b="1" dirty="0">
+                <a:cs typeface="+mj-cs"/>
+              </a:rPr>
+              <a:t> </a:t>
+            </a:r>
+            <a:endParaRPr lang="en-US" altLang="en-US" sz="5400" b="1" dirty="0">
+              <a:latin typeface="Arial" panose="020B0604020202020204" pitchFamily="34" charset="0"/>
+              <a:cs typeface="+mj-cs"/>
+            </a:endParaRPr>
+          </a:p>
+          <a:p>
+            <a:pPr algn="ctr"/>
+            <a:endParaRPr lang="en-US" b="1" i="1" dirty="0">
+              <a:latin typeface="Arial" panose="020B0604020202020204" pitchFamily="34" charset="0"/>
+              <a:cs typeface="Arial" panose="020B0604020202020204" pitchFamily="34" charset="0"/>
+            </a:endParaRPr>
+          </a:p>
+          <a:p>
+            <a:pPr algn="ctr"/>
+            <a:r>
+              <a:rPr lang="en-US" sz="5400" b="1" dirty="0" err="1">
+                <a:solidFill>
+                  <a:srgbClr val="FFFF00"/>
+                </a:solidFill>
+                <a:latin typeface="Arial" panose="020B0604020202020204" pitchFamily="34" charset="0"/>
+                <a:cs typeface="Arial" panose="020B0604020202020204" pitchFamily="34" charset="0"/>
+              </a:rPr>
+              <a:t>haamro</a:t>
+            </a:r>
+            <a:r>
+              <a:rPr lang="en-US" sz="5400" b="1" dirty="0">
+                <a:solidFill>
+                  <a:srgbClr val="FFFF00"/>
+                </a:solidFill>
+                <a:latin typeface="Arial" panose="020B0604020202020204" pitchFamily="34" charset="0"/>
+                <a:cs typeface="Arial" panose="020B0604020202020204" pitchFamily="34" charset="0"/>
+              </a:rPr>
+              <a:t> </a:t>
+            </a:r>
+            <a:r>
+              <a:rPr lang="en-US" sz="5400" b="1" dirty="0" err="1">
+                <a:solidFill>
+                  <a:srgbClr val="FFFF00"/>
+                </a:solidFill>
+                <a:latin typeface="Arial" panose="020B0604020202020204" pitchFamily="34" charset="0"/>
+                <a:cs typeface="Arial" panose="020B0604020202020204" pitchFamily="34" charset="0"/>
+              </a:rPr>
+              <a:t>aashrai</a:t>
+            </a:r>
+            <a:r>
+              <a:rPr lang="en-US" sz="5400" b="1" dirty="0">
+                <a:solidFill>
+                  <a:srgbClr val="FFFF00"/>
+                </a:solidFill>
+                <a:latin typeface="Arial" panose="020B0604020202020204" pitchFamily="34" charset="0"/>
+                <a:cs typeface="Arial" panose="020B0604020202020204" pitchFamily="34" charset="0"/>
+              </a:rPr>
+              <a:t> </a:t>
+            </a:r>
+            <a:r>
+              <a:rPr lang="en-US" sz="5400" b="1" dirty="0" err="1">
+                <a:solidFill>
+                  <a:srgbClr val="FFFF00"/>
+                </a:solidFill>
+                <a:latin typeface="Arial" panose="020B0604020202020204" pitchFamily="34" charset="0"/>
+                <a:cs typeface="Arial" panose="020B0604020202020204" pitchFamily="34" charset="0"/>
+              </a:rPr>
+              <a:t>khaali</a:t>
+            </a:r>
+            <a:r>
+              <a:rPr lang="en-US" sz="5400" b="1" dirty="0">
+                <a:solidFill>
+                  <a:srgbClr val="FFFF00"/>
+                </a:solidFill>
+                <a:latin typeface="Arial" panose="020B0604020202020204" pitchFamily="34" charset="0"/>
+                <a:cs typeface="Arial" panose="020B0604020202020204" pitchFamily="34" charset="0"/>
+              </a:rPr>
+              <a:t> </a:t>
+            </a:r>
+            <a:r>
+              <a:rPr lang="en-US" sz="5400" b="1" dirty="0" err="1">
+                <a:solidFill>
+                  <a:srgbClr val="FFFF00"/>
+                </a:solidFill>
+                <a:latin typeface="Arial" panose="020B0604020202020204" pitchFamily="34" charset="0"/>
+                <a:cs typeface="Arial" panose="020B0604020202020204" pitchFamily="34" charset="0"/>
+              </a:rPr>
+              <a:t>yeshu</a:t>
+            </a:r>
+            <a:endParaRPr lang="en-US" sz="5400" b="1" dirty="0">
+              <a:solidFill>
+                <a:srgbClr val="FFFF00"/>
+              </a:solidFill>
+              <a:latin typeface="Arial" panose="020B0604020202020204" pitchFamily="34" charset="0"/>
+              <a:cs typeface="Arial" panose="020B0604020202020204" pitchFamily="34" charset="0"/>
+            </a:endParaRPr>
+          </a:p>
+          <a:p>
+            <a:pPr algn="ctr"/>
+            <a:r>
+              <a:rPr lang="en-US" sz="5400" b="1" dirty="0">
+                <a:solidFill>
+                  <a:srgbClr val="FFFF00"/>
+                </a:solidFill>
+                <a:latin typeface="Arial" panose="020B0604020202020204" pitchFamily="34" charset="0"/>
+                <a:cs typeface="Arial" panose="020B0604020202020204" pitchFamily="34" charset="0"/>
+              </a:rPr>
+              <a:t> </a:t>
+            </a:r>
+            <a:r>
+              <a:rPr lang="en-US" sz="5400" b="1" dirty="0" err="1">
+                <a:solidFill>
+                  <a:srgbClr val="FFFF00"/>
+                </a:solidFill>
+                <a:latin typeface="Arial" panose="020B0604020202020204" pitchFamily="34" charset="0"/>
+                <a:cs typeface="Arial" panose="020B0604020202020204" pitchFamily="34" charset="0"/>
+              </a:rPr>
+              <a:t>khrisT-laai</a:t>
+            </a:r>
+            <a:r>
+              <a:rPr lang="en-US" sz="5400" b="1" dirty="0">
+                <a:solidFill>
+                  <a:srgbClr val="FFFF00"/>
+                </a:solidFill>
+                <a:latin typeface="Arial" panose="020B0604020202020204" pitchFamily="34" charset="0"/>
+                <a:cs typeface="Arial" panose="020B0604020202020204" pitchFamily="34" charset="0"/>
+              </a:rPr>
+              <a:t> </a:t>
+            </a:r>
+            <a:r>
+              <a:rPr lang="en-US" sz="5400" b="1" dirty="0" err="1">
+                <a:solidFill>
+                  <a:srgbClr val="FFFF00"/>
+                </a:solidFill>
+                <a:latin typeface="Arial" panose="020B0604020202020204" pitchFamily="34" charset="0"/>
+                <a:cs typeface="Arial" panose="020B0604020202020204" pitchFamily="34" charset="0"/>
+              </a:rPr>
+              <a:t>bhanauň</a:t>
+            </a:r>
+            <a:r>
+              <a:rPr lang="en-US" sz="5400" b="1" dirty="0">
+                <a:solidFill>
+                  <a:srgbClr val="FFFF00"/>
+                </a:solidFill>
+                <a:latin typeface="Arial" panose="020B0604020202020204" pitchFamily="34" charset="0"/>
+                <a:cs typeface="Arial" panose="020B0604020202020204" pitchFamily="34" charset="0"/>
+              </a:rPr>
+              <a:t> </a:t>
+            </a:r>
+            <a:r>
+              <a:rPr lang="en-US" sz="5400" b="1" dirty="0" err="1">
+                <a:solidFill>
+                  <a:srgbClr val="FFFF00"/>
+                </a:solidFill>
+                <a:latin typeface="Arial" panose="020B0604020202020204" pitchFamily="34" charset="0"/>
+                <a:cs typeface="Arial" panose="020B0604020202020204" pitchFamily="34" charset="0"/>
+              </a:rPr>
+              <a:t>prarth'na</a:t>
+            </a:r>
+            <a:r>
+              <a:rPr lang="en-US" sz="5400" b="1" dirty="0">
+                <a:solidFill>
+                  <a:srgbClr val="FFFF00"/>
+                </a:solidFill>
+                <a:latin typeface="Arial" panose="020B0604020202020204" pitchFamily="34" charset="0"/>
+                <a:cs typeface="Arial" panose="020B0604020202020204" pitchFamily="34" charset="0"/>
+              </a:rPr>
+              <a:t>-ma.</a:t>
+            </a:r>
+          </a:p>
+        </p:txBody>
+      </p:sp>
+    </p:spTree>
+    <p:extLst>
+      <p:ext uri="{BB962C8B-B14F-4D97-AF65-F5344CB8AC3E}">
+        <p14:creationId xmlns:p14="http://schemas.microsoft.com/office/powerpoint/2010/main" val="664771882"/>
+      </p:ext>
+    </p:extLst>
+  </p:cSld>
+  <p:clrMapOvr>
+    <a:masterClrMapping/>
+  </p:clrMapOvr>
+  <mc:AlternateContent xmlns:mc="http://schemas.openxmlformats.org/markup-compatibility/2006" xmlns:p14="http://schemas.microsoft.com/office/powerpoint/2010/main">
+    <mc:Choice Requires="p14">
+      <p:transition>
+        <p:wipe dir="d"/>
+      </p:transition>
+    </mc:Choice>
+    <mc:Fallback xmlns="">
+      <p:transition spd="fast">
+        <p:fade/>
+      </p:transition>
+    </mc:Fallback>
+  </mc:AlternateContent>
+</p:sld>
+</file>
+
+<file path=ppt/slides/slide12.xml><?xml version="1.0" encoding="utf-8"?>
+<p:sld xmlns:a="http://schemas.openxmlformats.org/drawingml/2006/main" xmlns:r="http://schemas.openxmlformats.org/officeDocument/2006/relationships" xmlns:p="http://schemas.openxmlformats.org/presentationml/2006/main">
+  <p:cSld>
+    <p:spTree>
+      <p:nvGrpSpPr>
+        <p:cNvPr id="1" name=""/>
+        <p:cNvGrpSpPr/>
+        <p:nvPr/>
+      </p:nvGrpSpPr>
+      <p:grpSpPr>
+        <a:xfrm>
+          <a:off x="0" y="0"/>
+          <a:ext cx="0" cy="0"/>
+          <a:chOff x="0" y="0"/>
+          <a:chExt cx="0" cy="0"/>
+        </a:xfrm>
+      </p:grpSpPr>
+      <p:sp>
+        <p:nvSpPr>
+          <p:cNvPr id="290" name="Shape 290"/>
+          <p:cNvSpPr/>
+          <p:nvPr/>
+        </p:nvSpPr>
+        <p:spPr>
+          <a:xfrm>
+            <a:off x="418036" y="1592439"/>
+            <a:ext cx="11355930" cy="3673121"/>
+          </a:xfrm>
+          <a:prstGeom prst="rect">
+            <a:avLst/>
+          </a:prstGeom>
+          <a:ln w="12700">
+            <a:miter lim="400000"/>
+          </a:ln>
+          <a:extLst>
+            <a:ext uri="{C572A759-6A51-4108-AA02-DFA0A04FC94B}">
+              <ma14:wrappingTextBoxFlag xmlns="" xmlns:ma14="http://schemas.microsoft.com/office/mac/drawingml/2011/main" val="1"/>
+            </a:ext>
+          </a:extLst>
+        </p:spPr>
+        <p:txBody>
+          <a:bodyPr wrap="none" lIns="35719" tIns="35719" rIns="35719" bIns="35719" anchor="ctr">
+            <a:spAutoFit/>
+          </a:bodyPr>
+          <a:lstStyle/>
+          <a:p>
+            <a:pPr lvl="0" algn="ctr" defTabSz="914400" eaLnBrk="0" fontAlgn="base" hangingPunct="0">
+              <a:spcBef>
+                <a:spcPct val="0"/>
+              </a:spcBef>
+              <a:spcAft>
+                <a:spcPct val="0"/>
+              </a:spcAft>
+            </a:pPr>
+            <a:r>
+              <a:rPr lang="hi-IN" altLang="en-US" sz="5400" b="1" dirty="0">
+                <a:latin typeface="Arial Unicode MS"/>
+              </a:rPr>
+              <a:t>साथीले के गर्छन्‌ हेला </a:t>
+            </a:r>
+            <a:r>
+              <a:rPr lang="en-US" altLang="en-US" sz="5400" b="1" dirty="0">
+                <a:latin typeface="Arial Unicode MS"/>
+                <a:cs typeface="Mangal" panose="02040503050203030202" pitchFamily="18" charset="0"/>
+              </a:rPr>
+              <a:t>? </a:t>
+            </a:r>
+          </a:p>
+          <a:p>
+            <a:pPr lvl="0" algn="ctr" defTabSz="914400" eaLnBrk="0" fontAlgn="base" hangingPunct="0">
+              <a:spcBef>
+                <a:spcPct val="0"/>
+              </a:spcBef>
+              <a:spcAft>
+                <a:spcPct val="0"/>
+              </a:spcAft>
+            </a:pPr>
+            <a:r>
+              <a:rPr lang="hi-IN" altLang="en-US" sz="5400" b="1" dirty="0">
+                <a:latin typeface="Arial Unicode MS"/>
+              </a:rPr>
+              <a:t>ख्रीष्टलाई भनौँ प्रार्थनामा </a:t>
+            </a:r>
+            <a:endParaRPr lang="en-US" altLang="en-US" sz="5400" b="1" dirty="0">
+              <a:latin typeface="Arial Unicode MS"/>
+            </a:endParaRPr>
+          </a:p>
+          <a:p>
+            <a:pPr algn="ctr"/>
+            <a:endParaRPr lang="en-US" b="1" i="1" dirty="0">
+              <a:latin typeface="Arial" panose="020B0604020202020204" pitchFamily="34" charset="0"/>
+              <a:cs typeface="Arial" panose="020B0604020202020204" pitchFamily="34" charset="0"/>
+            </a:endParaRPr>
+          </a:p>
+          <a:p>
+            <a:pPr algn="ctr"/>
+            <a:r>
+              <a:rPr lang="en-US" sz="5400" b="1" dirty="0" err="1">
+                <a:solidFill>
+                  <a:srgbClr val="FFFF00"/>
+                </a:solidFill>
+                <a:latin typeface="Arial" panose="020B0604020202020204" pitchFamily="34" charset="0"/>
+                <a:cs typeface="Arial" panose="020B0604020202020204" pitchFamily="34" charset="0"/>
+              </a:rPr>
+              <a:t>saathi</a:t>
+            </a:r>
+            <a:r>
+              <a:rPr lang="en-US" sz="5400" b="1" dirty="0">
+                <a:solidFill>
+                  <a:srgbClr val="FFFF00"/>
+                </a:solidFill>
+                <a:latin typeface="Arial" panose="020B0604020202020204" pitchFamily="34" charset="0"/>
+                <a:cs typeface="Arial" panose="020B0604020202020204" pitchFamily="34" charset="0"/>
+              </a:rPr>
+              <a:t>-le </a:t>
+            </a:r>
+            <a:r>
+              <a:rPr lang="en-US" sz="5400" b="1" dirty="0" err="1">
+                <a:solidFill>
+                  <a:srgbClr val="FFFF00"/>
+                </a:solidFill>
+                <a:latin typeface="Arial" panose="020B0604020202020204" pitchFamily="34" charset="0"/>
+                <a:cs typeface="Arial" panose="020B0604020202020204" pitchFamily="34" charset="0"/>
+              </a:rPr>
+              <a:t>ke</a:t>
+            </a:r>
+            <a:r>
+              <a:rPr lang="en-US" sz="5400" b="1" dirty="0">
+                <a:solidFill>
+                  <a:srgbClr val="FFFF00"/>
+                </a:solidFill>
+                <a:latin typeface="Arial" panose="020B0604020202020204" pitchFamily="34" charset="0"/>
+                <a:cs typeface="Arial" panose="020B0604020202020204" pitchFamily="34" charset="0"/>
+              </a:rPr>
+              <a:t> </a:t>
+            </a:r>
+            <a:r>
+              <a:rPr lang="en-US" sz="5400" b="1" dirty="0" err="1">
+                <a:solidFill>
+                  <a:srgbClr val="FFFF00"/>
+                </a:solidFill>
+                <a:latin typeface="Arial" panose="020B0604020202020204" pitchFamily="34" charset="0"/>
+                <a:cs typeface="Arial" panose="020B0604020202020204" pitchFamily="34" charset="0"/>
+              </a:rPr>
+              <a:t>garchan</a:t>
+            </a:r>
+            <a:r>
+              <a:rPr lang="en-US" sz="5400" b="1" dirty="0">
+                <a:solidFill>
+                  <a:srgbClr val="FFFF00"/>
+                </a:solidFill>
+                <a:latin typeface="Arial" panose="020B0604020202020204" pitchFamily="34" charset="0"/>
+                <a:cs typeface="Arial" panose="020B0604020202020204" pitchFamily="34" charset="0"/>
+              </a:rPr>
+              <a:t> </a:t>
+            </a:r>
+            <a:r>
+              <a:rPr lang="en-US" sz="5400" b="1" dirty="0" err="1">
+                <a:solidFill>
+                  <a:srgbClr val="FFFF00"/>
+                </a:solidFill>
+                <a:latin typeface="Arial" panose="020B0604020202020204" pitchFamily="34" charset="0"/>
+                <a:cs typeface="Arial" panose="020B0604020202020204" pitchFamily="34" charset="0"/>
+              </a:rPr>
+              <a:t>helaa</a:t>
+            </a:r>
+            <a:r>
+              <a:rPr lang="en-US" sz="5400" b="1" dirty="0">
+                <a:solidFill>
+                  <a:srgbClr val="FFFF00"/>
+                </a:solidFill>
+                <a:latin typeface="Arial" panose="020B0604020202020204" pitchFamily="34" charset="0"/>
+                <a:cs typeface="Arial" panose="020B0604020202020204" pitchFamily="34" charset="0"/>
+              </a:rPr>
+              <a:t>?</a:t>
+            </a:r>
+          </a:p>
+          <a:p>
+            <a:pPr algn="ctr"/>
+            <a:r>
+              <a:rPr lang="en-US" sz="5400" b="1" dirty="0">
+                <a:solidFill>
+                  <a:srgbClr val="FFFF00"/>
+                </a:solidFill>
+                <a:latin typeface="Arial" panose="020B0604020202020204" pitchFamily="34" charset="0"/>
+                <a:cs typeface="Arial" panose="020B0604020202020204" pitchFamily="34" charset="0"/>
+              </a:rPr>
+              <a:t> </a:t>
+            </a:r>
+            <a:r>
+              <a:rPr lang="en-US" sz="5400" b="1" dirty="0" err="1">
+                <a:solidFill>
+                  <a:srgbClr val="FFFF00"/>
+                </a:solidFill>
+                <a:latin typeface="Arial" panose="020B0604020202020204" pitchFamily="34" charset="0"/>
+                <a:cs typeface="Arial" panose="020B0604020202020204" pitchFamily="34" charset="0"/>
+              </a:rPr>
+              <a:t>khrisT-laai</a:t>
+            </a:r>
+            <a:r>
+              <a:rPr lang="en-US" sz="5400" b="1" dirty="0">
+                <a:solidFill>
+                  <a:srgbClr val="FFFF00"/>
+                </a:solidFill>
+                <a:latin typeface="Arial" panose="020B0604020202020204" pitchFamily="34" charset="0"/>
+                <a:cs typeface="Arial" panose="020B0604020202020204" pitchFamily="34" charset="0"/>
+              </a:rPr>
+              <a:t> </a:t>
+            </a:r>
+            <a:r>
+              <a:rPr lang="en-US" sz="5400" b="1" dirty="0" err="1">
+                <a:solidFill>
+                  <a:srgbClr val="FFFF00"/>
+                </a:solidFill>
+                <a:latin typeface="Arial" panose="020B0604020202020204" pitchFamily="34" charset="0"/>
+                <a:cs typeface="Arial" panose="020B0604020202020204" pitchFamily="34" charset="0"/>
+              </a:rPr>
+              <a:t>bhanauň</a:t>
+            </a:r>
+            <a:r>
+              <a:rPr lang="en-US" sz="5400" b="1" dirty="0">
+                <a:solidFill>
+                  <a:srgbClr val="FFFF00"/>
+                </a:solidFill>
+                <a:latin typeface="Arial" panose="020B0604020202020204" pitchFamily="34" charset="0"/>
+                <a:cs typeface="Arial" panose="020B0604020202020204" pitchFamily="34" charset="0"/>
+              </a:rPr>
+              <a:t> </a:t>
+            </a:r>
+            <a:r>
+              <a:rPr lang="en-US" sz="5400" b="1" dirty="0" err="1">
+                <a:solidFill>
+                  <a:srgbClr val="FFFF00"/>
+                </a:solidFill>
+                <a:latin typeface="Arial" panose="020B0604020202020204" pitchFamily="34" charset="0"/>
+                <a:cs typeface="Arial" panose="020B0604020202020204" pitchFamily="34" charset="0"/>
+              </a:rPr>
+              <a:t>prarth'na</a:t>
+            </a:r>
+            <a:r>
+              <a:rPr lang="en-US" sz="5400" b="1" dirty="0">
+                <a:solidFill>
+                  <a:srgbClr val="FFFF00"/>
+                </a:solidFill>
+                <a:latin typeface="Arial" panose="020B0604020202020204" pitchFamily="34" charset="0"/>
+                <a:cs typeface="Arial" panose="020B0604020202020204" pitchFamily="34" charset="0"/>
+              </a:rPr>
+              <a:t>-ma.</a:t>
+            </a:r>
+          </a:p>
+        </p:txBody>
+      </p:sp>
+    </p:spTree>
+    <p:extLst>
+      <p:ext uri="{BB962C8B-B14F-4D97-AF65-F5344CB8AC3E}">
+        <p14:creationId xmlns:p14="http://schemas.microsoft.com/office/powerpoint/2010/main" val="3840373887"/>
+      </p:ext>
+    </p:extLst>
+  </p:cSld>
+  <p:clrMapOvr>
+    <a:masterClrMapping/>
+  </p:clrMapOvr>
+  <mc:AlternateContent xmlns:mc="http://schemas.openxmlformats.org/markup-compatibility/2006" xmlns:p14="http://schemas.microsoft.com/office/powerpoint/2010/main">
+    <mc:Choice Requires="p14">
+      <p:transition>
+        <p:wipe dir="d"/>
+      </p:transition>
+    </mc:Choice>
+    <mc:Fallback xmlns="">
+      <p:transition spd="fast">
+        <p:fade/>
+      </p:transition>
+    </mc:Fallback>
+  </mc:AlternateContent>
+</p:sld>
+</file>
+
+<file path=ppt/slides/slide13.xml><?xml version="1.0" encoding="utf-8"?>
+<p:sld xmlns:a="http://schemas.openxmlformats.org/drawingml/2006/main" xmlns:r="http://schemas.openxmlformats.org/officeDocument/2006/relationships" xmlns:p="http://schemas.openxmlformats.org/presentationml/2006/main">
+  <p:cSld>
+    <p:spTree>
+      <p:nvGrpSpPr>
+        <p:cNvPr id="1" name=""/>
+        <p:cNvGrpSpPr/>
+        <p:nvPr/>
+      </p:nvGrpSpPr>
+      <p:grpSpPr>
+        <a:xfrm>
+          <a:off x="0" y="0"/>
+          <a:ext cx="0" cy="0"/>
+          <a:chOff x="0" y="0"/>
+          <a:chExt cx="0" cy="0"/>
+        </a:xfrm>
+      </p:grpSpPr>
+      <p:sp>
+        <p:nvSpPr>
+          <p:cNvPr id="290" name="Shape 290"/>
+          <p:cNvSpPr/>
+          <p:nvPr/>
+        </p:nvSpPr>
+        <p:spPr>
+          <a:xfrm>
+            <a:off x="308358" y="1592439"/>
+            <a:ext cx="11575285" cy="3673121"/>
+          </a:xfrm>
+          <a:prstGeom prst="rect">
+            <a:avLst/>
+          </a:prstGeom>
+          <a:ln w="12700">
+            <a:miter lim="400000"/>
+          </a:ln>
+          <a:extLst>
+            <a:ext uri="{C572A759-6A51-4108-AA02-DFA0A04FC94B}">
+              <ma14:wrappingTextBoxFlag xmlns="" xmlns:ma14="http://schemas.microsoft.com/office/mac/drawingml/2011/main" val="1"/>
+            </a:ext>
+          </a:extLst>
+        </p:spPr>
+        <p:txBody>
+          <a:bodyPr wrap="none" lIns="35719" tIns="35719" rIns="35719" bIns="35719" anchor="ctr">
+            <a:spAutoFit/>
+          </a:bodyPr>
+          <a:lstStyle/>
+          <a:p>
+            <a:pPr lvl="0" algn="ctr" defTabSz="914400" eaLnBrk="0" fontAlgn="base" hangingPunct="0">
+              <a:spcBef>
+                <a:spcPct val="0"/>
+              </a:spcBef>
+              <a:spcAft>
+                <a:spcPct val="0"/>
+              </a:spcAft>
+            </a:pPr>
+            <a:r>
+              <a:rPr lang="hi-IN" altLang="en-US" sz="5400" b="1" dirty="0">
+                <a:latin typeface="Arial Unicode MS"/>
+              </a:rPr>
+              <a:t>उनले रक्षा गर्छन्‌ हाम्रो</a:t>
+            </a:r>
+            <a:r>
+              <a:rPr lang="en-US" altLang="en-US" sz="5400" b="1" dirty="0">
+                <a:latin typeface="Arial Unicode MS"/>
+                <a:cs typeface="Mangal" panose="02040503050203030202" pitchFamily="18" charset="0"/>
+              </a:rPr>
+              <a:t>, </a:t>
+            </a:r>
+          </a:p>
+          <a:p>
+            <a:pPr lvl="0" algn="ctr" defTabSz="914400" eaLnBrk="0" fontAlgn="base" hangingPunct="0">
+              <a:spcBef>
+                <a:spcPct val="0"/>
+              </a:spcBef>
+              <a:spcAft>
+                <a:spcPct val="0"/>
+              </a:spcAft>
+            </a:pPr>
+            <a:r>
+              <a:rPr lang="hi-IN" altLang="en-US" sz="5400" b="1" dirty="0">
+                <a:latin typeface="Arial Unicode MS"/>
+              </a:rPr>
+              <a:t>उनमा पाउँछौँ सान्त्वना ।</a:t>
+            </a:r>
+            <a:r>
+              <a:rPr lang="en-US" altLang="en-US" sz="5400" b="1" dirty="0"/>
+              <a:t> </a:t>
+            </a:r>
+            <a:endParaRPr lang="en-US" altLang="en-US" sz="5400" b="1" dirty="0">
+              <a:latin typeface="Arial" panose="020B0604020202020204" pitchFamily="34" charset="0"/>
+            </a:endParaRPr>
+          </a:p>
+          <a:p>
+            <a:pPr algn="ctr"/>
+            <a:endParaRPr lang="en-US" b="1" i="1" dirty="0">
+              <a:latin typeface="Arial" panose="020B0604020202020204" pitchFamily="34" charset="0"/>
+              <a:cs typeface="Arial" panose="020B0604020202020204" pitchFamily="34" charset="0"/>
+            </a:endParaRPr>
+          </a:p>
+          <a:p>
+            <a:pPr algn="ctr"/>
+            <a:r>
+              <a:rPr lang="en-US" sz="5400" b="1" dirty="0">
+                <a:solidFill>
+                  <a:srgbClr val="FFFF00"/>
+                </a:solidFill>
+                <a:latin typeface="Arial" panose="020B0604020202020204" pitchFamily="34" charset="0"/>
+                <a:cs typeface="Arial" panose="020B0604020202020204" pitchFamily="34" charset="0"/>
+              </a:rPr>
+              <a:t>un-le </a:t>
+            </a:r>
+            <a:r>
+              <a:rPr lang="en-US" sz="5400" b="1" dirty="0" err="1">
+                <a:solidFill>
+                  <a:srgbClr val="FFFF00"/>
+                </a:solidFill>
+                <a:latin typeface="Arial" panose="020B0604020202020204" pitchFamily="34" charset="0"/>
+                <a:cs typeface="Arial" panose="020B0604020202020204" pitchFamily="34" charset="0"/>
+              </a:rPr>
+              <a:t>rakchyaa</a:t>
+            </a:r>
+            <a:r>
+              <a:rPr lang="en-US" sz="5400" b="1" dirty="0">
+                <a:solidFill>
+                  <a:srgbClr val="FFFF00"/>
+                </a:solidFill>
+                <a:latin typeface="Arial" panose="020B0604020202020204" pitchFamily="34" charset="0"/>
+                <a:cs typeface="Arial" panose="020B0604020202020204" pitchFamily="34" charset="0"/>
+              </a:rPr>
+              <a:t> </a:t>
+            </a:r>
+            <a:r>
+              <a:rPr lang="en-US" sz="5400" b="1" dirty="0" err="1">
+                <a:solidFill>
+                  <a:srgbClr val="FFFF00"/>
+                </a:solidFill>
+                <a:latin typeface="Arial" panose="020B0604020202020204" pitchFamily="34" charset="0"/>
+                <a:cs typeface="Arial" panose="020B0604020202020204" pitchFamily="34" charset="0"/>
+              </a:rPr>
+              <a:t>garchan</a:t>
+            </a:r>
+            <a:r>
+              <a:rPr lang="en-US" sz="5400" b="1" dirty="0">
+                <a:solidFill>
+                  <a:srgbClr val="FFFF00"/>
+                </a:solidFill>
+                <a:latin typeface="Arial" panose="020B0604020202020204" pitchFamily="34" charset="0"/>
+                <a:cs typeface="Arial" panose="020B0604020202020204" pitchFamily="34" charset="0"/>
+              </a:rPr>
+              <a:t> </a:t>
+            </a:r>
+            <a:r>
+              <a:rPr lang="en-US" sz="5400" b="1" dirty="0" err="1">
+                <a:solidFill>
+                  <a:srgbClr val="FFFF00"/>
+                </a:solidFill>
+                <a:latin typeface="Arial" panose="020B0604020202020204" pitchFamily="34" charset="0"/>
+                <a:cs typeface="Arial" panose="020B0604020202020204" pitchFamily="34" charset="0"/>
+              </a:rPr>
+              <a:t>haamro</a:t>
+            </a:r>
+            <a:r>
+              <a:rPr lang="en-US" sz="5400" b="1" dirty="0">
+                <a:solidFill>
+                  <a:srgbClr val="FFFF00"/>
+                </a:solidFill>
+                <a:latin typeface="Arial" panose="020B0604020202020204" pitchFamily="34" charset="0"/>
+                <a:cs typeface="Arial" panose="020B0604020202020204" pitchFamily="34" charset="0"/>
+              </a:rPr>
+              <a:t>,</a:t>
+            </a:r>
+          </a:p>
+          <a:p>
+            <a:pPr algn="ctr"/>
+            <a:r>
+              <a:rPr lang="en-US" sz="5400" b="1" dirty="0">
+                <a:solidFill>
+                  <a:srgbClr val="FFFF00"/>
+                </a:solidFill>
+                <a:latin typeface="Arial" panose="020B0604020202020204" pitchFamily="34" charset="0"/>
+                <a:cs typeface="Arial" panose="020B0604020202020204" pitchFamily="34" charset="0"/>
+              </a:rPr>
+              <a:t> un-</a:t>
+            </a:r>
+            <a:r>
+              <a:rPr lang="en-US" sz="5400" b="1" dirty="0" err="1">
+                <a:solidFill>
+                  <a:srgbClr val="FFFF00"/>
+                </a:solidFill>
+                <a:latin typeface="Arial" panose="020B0604020202020204" pitchFamily="34" charset="0"/>
+                <a:cs typeface="Arial" panose="020B0604020202020204" pitchFamily="34" charset="0"/>
+              </a:rPr>
+              <a:t>maa</a:t>
+            </a:r>
+            <a:r>
+              <a:rPr lang="en-US" sz="5400" b="1" dirty="0">
+                <a:solidFill>
+                  <a:srgbClr val="FFFF00"/>
+                </a:solidFill>
+                <a:latin typeface="Arial" panose="020B0604020202020204" pitchFamily="34" charset="0"/>
+                <a:cs typeface="Arial" panose="020B0604020202020204" pitchFamily="34" charset="0"/>
+              </a:rPr>
+              <a:t> </a:t>
+            </a:r>
+            <a:r>
+              <a:rPr lang="en-US" sz="5400" b="1" dirty="0" err="1">
+                <a:solidFill>
+                  <a:srgbClr val="FFFF00"/>
+                </a:solidFill>
+                <a:latin typeface="Arial" panose="020B0604020202020204" pitchFamily="34" charset="0"/>
+                <a:cs typeface="Arial" panose="020B0604020202020204" pitchFamily="34" charset="0"/>
+              </a:rPr>
+              <a:t>paauň-chauň</a:t>
+            </a:r>
+            <a:r>
+              <a:rPr lang="en-US" sz="5400" b="1" dirty="0">
+                <a:solidFill>
+                  <a:srgbClr val="FFFF00"/>
+                </a:solidFill>
+                <a:latin typeface="Arial" panose="020B0604020202020204" pitchFamily="34" charset="0"/>
+                <a:cs typeface="Arial" panose="020B0604020202020204" pitchFamily="34" charset="0"/>
+              </a:rPr>
+              <a:t> </a:t>
+            </a:r>
+            <a:r>
+              <a:rPr lang="en-US" sz="5400" b="1" dirty="0" err="1">
+                <a:solidFill>
+                  <a:srgbClr val="FFFF00"/>
+                </a:solidFill>
+                <a:latin typeface="Arial" panose="020B0604020202020204" pitchFamily="34" charset="0"/>
+                <a:cs typeface="Arial" panose="020B0604020202020204" pitchFamily="34" charset="0"/>
+              </a:rPr>
+              <a:t>saantwonaa</a:t>
+            </a:r>
+            <a:r>
+              <a:rPr lang="en-US" sz="5400" b="1" dirty="0">
+                <a:solidFill>
+                  <a:srgbClr val="FFFF00"/>
+                </a:solidFill>
+                <a:latin typeface="Arial" panose="020B0604020202020204" pitchFamily="34" charset="0"/>
+                <a:cs typeface="Arial" panose="020B0604020202020204" pitchFamily="34" charset="0"/>
+              </a:rPr>
+              <a:t>.</a:t>
+            </a:r>
+            <a:endParaRPr sz="5400" b="1" i="1" dirty="0">
+              <a:solidFill>
+                <a:srgbClr val="FFFF00"/>
+              </a:solidFill>
+              <a:latin typeface="Arial" panose="020B0604020202020204" pitchFamily="34" charset="0"/>
+              <a:ea typeface="Arial Narrow"/>
+              <a:cs typeface="Arial" panose="020B0604020202020204" pitchFamily="34" charset="0"/>
+              <a:sym typeface="Arial Narrow"/>
+            </a:endParaRPr>
+          </a:p>
+        </p:txBody>
+      </p:sp>
+    </p:spTree>
+    <p:extLst>
+      <p:ext uri="{BB962C8B-B14F-4D97-AF65-F5344CB8AC3E}">
+        <p14:creationId xmlns:p14="http://schemas.microsoft.com/office/powerpoint/2010/main" val="2855508535"/>
+      </p:ext>
+    </p:extLst>
   </p:cSld>
   <p:clrMapOvr>
     <a:masterClrMapping/>
@@ -3163,8 +4344,8 @@
         </p:nvSpPr>
         <p:spPr>
           <a:xfrm>
-            <a:off x="2201696" y="901285"/>
-            <a:ext cx="8587287" cy="5519781"/>
+            <a:off x="1097035" y="1592439"/>
+            <a:ext cx="9997930" cy="3673121"/>
           </a:xfrm>
           <a:prstGeom prst="rect">
             <a:avLst/>
@@ -3174,7 +4355,7 @@
           </a:ln>
           <a:extLst>
             <a:ext uri="{C572A759-6A51-4108-AA02-DFA0A04FC94B}">
-              <ma14:wrappingTextBoxFlag xmlns:ma14="http://schemas.microsoft.com/office/mac/drawingml/2011/main" xmlns="" val="1"/>
+              <ma14:wrappingTextBoxFlag xmlns="" xmlns:ma14="http://schemas.microsoft.com/office/mac/drawingml/2011/main" val="1"/>
             </a:ext>
           </a:extLst>
         </p:spPr>
@@ -3186,32 +4367,25 @@
           <a:p>
             <a:pPr algn="ctr"/>
             <a:r>
-              <a:rPr lang="en-US" i="1" dirty="0"/>
-              <a:t>Verse 1:</a:t>
-            </a:r>
-          </a:p>
-          <a:p>
-            <a:pPr algn="ctr"/>
-            <a:r>
-              <a:rPr lang="hi-IN" altLang="en-US" sz="4000" b="1" dirty="0">
+              <a:rPr lang="hi-IN" altLang="en-US" sz="5400" b="1" dirty="0">
                 <a:latin typeface="Mangal (body)"/>
               </a:rPr>
               <a:t>येशू कस्तो प्यारो मित्र </a:t>
             </a:r>
-            <a:endParaRPr lang="en-US" altLang="en-US" sz="4000" b="1" dirty="0">
+            <a:endParaRPr lang="en-US" altLang="en-US" sz="5400" b="1" dirty="0">
               <a:latin typeface="Mangal (body)"/>
             </a:endParaRPr>
           </a:p>
           <a:p>
             <a:pPr algn="ctr"/>
             <a:r>
-              <a:rPr lang="hi-IN" altLang="en-US" sz="4000" b="1" dirty="0">
+              <a:rPr lang="hi-IN" altLang="en-US" sz="5400" b="1" dirty="0">
                 <a:latin typeface="Mangal (body)"/>
               </a:rPr>
               <a:t>पापको भार उठाउनुभो</a:t>
             </a:r>
             <a:r>
-              <a:rPr lang="en-US" altLang="en-US" sz="4000" b="1" dirty="0">
+              <a:rPr lang="en-US" altLang="en-US" sz="5400" b="1" dirty="0">
                 <a:latin typeface="Mangal (body)"/>
                 <a:cs typeface="Mangal" panose="02040503050203030202" pitchFamily="18" charset="0"/>
               </a:rPr>
@@ -3220,71 +4394,127 @@
           </a:p>
           <a:p>
             <a:pPr algn="ctr"/>
-            <a:r>
-              <a:rPr lang="hi-IN" altLang="en-US" sz="4000" b="1" dirty="0">
-                <a:latin typeface="Mangal (body)"/>
-              </a:rPr>
-              <a:t>दुःख</a:t>
-            </a:r>
-            <a:r>
-              <a:rPr lang="en-US" altLang="en-US" sz="4000" b="1" dirty="0">
-                <a:latin typeface="Mangal (body)"/>
-                <a:cs typeface="Mangal" panose="02040503050203030202" pitchFamily="18" charset="0"/>
-              </a:rPr>
-              <a:t>-</a:t>
-            </a:r>
-            <a:r>
-              <a:rPr lang="hi-IN" altLang="en-US" sz="4000" b="1" dirty="0">
-                <a:latin typeface="Mangal (body)"/>
-              </a:rPr>
-              <a:t>सुख ईश्वरकहाँ ल्याउनु </a:t>
-            </a:r>
-            <a:endParaRPr lang="en-US" altLang="en-US" sz="4000" b="1" dirty="0">
-              <a:latin typeface="Mangal (body)"/>
-            </a:endParaRPr>
+            <a:endParaRPr lang="en-US" i="1" dirty="0"/>
           </a:p>
           <a:p>
             <a:pPr algn="ctr"/>
             <a:r>
-              <a:rPr lang="hi-IN" altLang="en-US" sz="4000" b="1" dirty="0">
-                <a:latin typeface="Mangal (body)"/>
-              </a:rPr>
-              <a:t>हामीलाई वरदान कत्रो </a:t>
-            </a:r>
-            <a:r>
-              <a:rPr lang="en-US" altLang="en-US" sz="4000" b="1" dirty="0">
-                <a:latin typeface="Mangal (body)"/>
-                <a:cs typeface="Mangal" panose="02040503050203030202" pitchFamily="18" charset="0"/>
-              </a:rPr>
-              <a:t>?</a:t>
-            </a:r>
-            <a:r>
-              <a:rPr lang="en-US" altLang="en-US" sz="4000" b="1" dirty="0">
-                <a:latin typeface="Mangal (body)"/>
+              <a:rPr lang="en-US" sz="5400" b="1" dirty="0" err="1">
+                <a:solidFill>
+                  <a:srgbClr val="FFFF00"/>
+                </a:solidFill>
+                <a:latin typeface="Arial" panose="020B0604020202020204" pitchFamily="34" charset="0"/>
+                <a:cs typeface="Arial" panose="020B0604020202020204" pitchFamily="34" charset="0"/>
+              </a:rPr>
+              <a:t>yeshu</a:t>
+            </a:r>
+            <a:r>
+              <a:rPr lang="en-US" sz="5400" b="1" dirty="0">
+                <a:solidFill>
+                  <a:srgbClr val="FFFF00"/>
+                </a:solidFill>
+                <a:latin typeface="Arial" panose="020B0604020202020204" pitchFamily="34" charset="0"/>
+                <a:cs typeface="Arial" panose="020B0604020202020204" pitchFamily="34" charset="0"/>
               </a:rPr>
               <a:t> </a:t>
             </a:r>
+            <a:r>
+              <a:rPr lang="en-US" sz="5400" b="1" dirty="0" err="1">
+                <a:solidFill>
+                  <a:srgbClr val="FFFF00"/>
+                </a:solidFill>
+                <a:latin typeface="Arial" panose="020B0604020202020204" pitchFamily="34" charset="0"/>
+                <a:cs typeface="Arial" panose="020B0604020202020204" pitchFamily="34" charset="0"/>
+              </a:rPr>
+              <a:t>kasto</a:t>
+            </a:r>
+            <a:r>
+              <a:rPr lang="en-US" sz="5400" b="1" dirty="0">
+                <a:solidFill>
+                  <a:srgbClr val="FFFF00"/>
+                </a:solidFill>
+                <a:latin typeface="Arial" panose="020B0604020202020204" pitchFamily="34" charset="0"/>
+                <a:cs typeface="Arial" panose="020B0604020202020204" pitchFamily="34" charset="0"/>
+              </a:rPr>
+              <a:t> </a:t>
+            </a:r>
+            <a:r>
+              <a:rPr lang="en-US" sz="5400" b="1" dirty="0" err="1">
+                <a:solidFill>
+                  <a:srgbClr val="FFFF00"/>
+                </a:solidFill>
+                <a:latin typeface="Arial" panose="020B0604020202020204" pitchFamily="34" charset="0"/>
+                <a:cs typeface="Arial" panose="020B0604020202020204" pitchFamily="34" charset="0"/>
+              </a:rPr>
+              <a:t>pyaaro</a:t>
+            </a:r>
+            <a:r>
+              <a:rPr lang="en-US" sz="5400" b="1" dirty="0">
+                <a:solidFill>
+                  <a:srgbClr val="FFFF00"/>
+                </a:solidFill>
+                <a:latin typeface="Arial" panose="020B0604020202020204" pitchFamily="34" charset="0"/>
+                <a:cs typeface="Arial" panose="020B0604020202020204" pitchFamily="34" charset="0"/>
+              </a:rPr>
+              <a:t> </a:t>
+            </a:r>
+            <a:r>
+              <a:rPr lang="en-US" sz="5400" b="1" dirty="0" err="1">
+                <a:solidFill>
+                  <a:srgbClr val="FFFF00"/>
+                </a:solidFill>
+                <a:latin typeface="Arial" panose="020B0604020202020204" pitchFamily="34" charset="0"/>
+                <a:cs typeface="Arial" panose="020B0604020202020204" pitchFamily="34" charset="0"/>
+              </a:rPr>
+              <a:t>mitr</a:t>
+            </a:r>
+            <a:r>
+              <a:rPr lang="en-US" sz="5400" b="1" dirty="0">
+                <a:solidFill>
+                  <a:srgbClr val="FFFF00"/>
+                </a:solidFill>
+                <a:latin typeface="Arial" panose="020B0604020202020204" pitchFamily="34" charset="0"/>
+                <a:cs typeface="Arial" panose="020B0604020202020204" pitchFamily="34" charset="0"/>
+              </a:rPr>
+              <a:t> a</a:t>
+            </a:r>
           </a:p>
           <a:p>
             <a:pPr algn="ctr"/>
-            <a:endParaRPr lang="en-US" i="1" dirty="0"/>
-          </a:p>
-          <a:p>
-            <a:pPr algn="ctr"/>
-            <a:r>
-              <a:rPr lang="en-US" sz="3950" b="1" dirty="0" err="1">
-                <a:solidFill>
-                  <a:srgbClr val="66FFFF"/>
-                </a:solidFill>
-                <a:latin typeface="Arial" panose="020B0604020202020204" pitchFamily="34" charset="0"/>
-                <a:cs typeface="Arial" panose="020B0604020202020204" pitchFamily="34" charset="0"/>
-              </a:rPr>
-              <a:t>yeshu</a:t>
-            </a:r>
-            <a:r>
-              <a:rPr lang="en-US" sz="3950" b="1" dirty="0">
-                <a:solidFill>
-                  <a:srgbClr val="66FFFF"/>
+            <a:r>
+              <a:rPr lang="en-US" sz="5400" b="1" dirty="0" err="1">
+                <a:solidFill>
+                  <a:srgbClr val="FFFF00"/>
+                </a:solidFill>
+                <a:latin typeface="Arial" panose="020B0604020202020204" pitchFamily="34" charset="0"/>
+                <a:cs typeface="Arial" panose="020B0604020202020204" pitchFamily="34" charset="0"/>
+              </a:rPr>
+              <a:t>paap</a:t>
+            </a:r>
+            <a:r>
+              <a:rPr lang="en-US" sz="5400" b="1" dirty="0">
+                <a:solidFill>
+                  <a:srgbClr val="FFFF00"/>
+                </a:solidFill>
+                <a:latin typeface="Arial" panose="020B0604020202020204" pitchFamily="34" charset="0"/>
+                <a:cs typeface="Arial" panose="020B0604020202020204" pitchFamily="34" charset="0"/>
+              </a:rPr>
+              <a:t>-ko </a:t>
+            </a:r>
+            <a:r>
+              <a:rPr lang="en-US" sz="5400" b="1" dirty="0" err="1">
+                <a:solidFill>
+                  <a:srgbClr val="FFFF00"/>
+                </a:solidFill>
+                <a:latin typeface="Arial" panose="020B0604020202020204" pitchFamily="34" charset="0"/>
+                <a:cs typeface="Arial" panose="020B0604020202020204" pitchFamily="34" charset="0"/>
+              </a:rPr>
+              <a:t>bhaar</a:t>
+            </a:r>
+            <a:r>
+              <a:rPr lang="en-US" sz="5400" b="1" dirty="0">
+                <a:solidFill>
+                  <a:srgbClr val="FFFF00"/>
                 </a:solidFill>
                 <a:latin typeface="Arial" panose="020B0604020202020204" pitchFamily="34" charset="0"/>
                 <a:cs typeface="Arial" panose="020B0604020202020204" pitchFamily="34" charset="0"/>
@@ -3292,112 +4522,9 @@
               <a:t> </a:t>
             </a:r>
             <a:r>
-              <a:rPr lang="en-US" sz="3950" b="1" dirty="0" err="1">
-                <a:solidFill>
-                  <a:srgbClr val="66FFFF"/>
-                </a:solidFill>
-                <a:latin typeface="Arial" panose="020B0604020202020204" pitchFamily="34" charset="0"/>
-                <a:cs typeface="Arial" panose="020B0604020202020204" pitchFamily="34" charset="0"/>
-              </a:rPr>
-              <a:t>kasto</a:t>
-            </a:r>
-            <a:r>
-              <a:rPr lang="en-US" sz="3950" b="1" dirty="0">
-                <a:solidFill>
-                  <a:srgbClr val="66FFFF"/>
-                </a:solidFill>
-                <a:latin typeface="Arial" panose="020B0604020202020204" pitchFamily="34" charset="0"/>
-                <a:cs typeface="Arial" panose="020B0604020202020204" pitchFamily="34" charset="0"/>
-              </a:rPr>
-              <a:t> </a:t>
-            </a:r>
-            <a:r>
-              <a:rPr lang="en-US" sz="3950" b="1" dirty="0" err="1">
-                <a:solidFill>
-                  <a:srgbClr val="66FFFF"/>
-                </a:solidFill>
-                <a:latin typeface="Arial" panose="020B0604020202020204" pitchFamily="34" charset="0"/>
-                <a:cs typeface="Arial" panose="020B0604020202020204" pitchFamily="34" charset="0"/>
-              </a:rPr>
-              <a:t>pyaaro</a:t>
-            </a:r>
-            <a:r>
-              <a:rPr lang="en-US" sz="3950" b="1" dirty="0">
-                <a:solidFill>
-                  <a:srgbClr val="66FFFF"/>
-                </a:solidFill>
-                <a:latin typeface="Arial" panose="020B0604020202020204" pitchFamily="34" charset="0"/>
-                <a:cs typeface="Arial" panose="020B0604020202020204" pitchFamily="34" charset="0"/>
-              </a:rPr>
-              <a:t> </a:t>
-            </a:r>
-            <a:r>
-              <a:rPr lang="en-US" sz="3950" b="1" dirty="0" err="1">
-                <a:solidFill>
-                  <a:srgbClr val="66FFFF"/>
-                </a:solidFill>
-                <a:latin typeface="Arial" panose="020B0604020202020204" pitchFamily="34" charset="0"/>
-                <a:cs typeface="Arial" panose="020B0604020202020204" pitchFamily="34" charset="0"/>
-              </a:rPr>
-              <a:t>mitr</a:t>
-            </a:r>
-            <a:r>
-              <a:rPr lang="en-US" sz="3950" b="1" dirty="0">
-                <a:solidFill>
-                  <a:srgbClr val="66FFFF"/>
-                </a:solidFill>
-                <a:latin typeface="Arial" panose="020B0604020202020204" pitchFamily="34" charset="0"/>
-                <a:cs typeface="Arial" panose="020B0604020202020204" pitchFamily="34" charset="0"/>
-              </a:rPr>
-              <a:t> a</a:t>
-            </a:r>
-          </a:p>
-          <a:p>
-            <a:pPr algn="ctr"/>
-            <a:r>
-              <a:rPr lang="en-US" sz="3950" b="1" dirty="0" err="1">
-                <a:solidFill>
-                  <a:srgbClr val="66FFFF"/>
-                </a:solidFill>
-                <a:latin typeface="Arial" panose="020B0604020202020204" pitchFamily="34" charset="0"/>
-                <a:cs typeface="Arial" panose="020B0604020202020204" pitchFamily="34" charset="0"/>
-              </a:rPr>
-              <a:t>paap</a:t>
-            </a:r>
-            <a:r>
-              <a:rPr lang="en-US" sz="3950" b="1" dirty="0">
-                <a:solidFill>
-                  <a:srgbClr val="66FFFF"/>
-                </a:solidFill>
-                <a:latin typeface="Arial" panose="020B0604020202020204" pitchFamily="34" charset="0"/>
-                <a:cs typeface="Arial" panose="020B0604020202020204" pitchFamily="34" charset="0"/>
-              </a:rPr>
-              <a:t>-ko </a:t>
-            </a:r>
-            <a:r>
-              <a:rPr lang="en-US" sz="3950" b="1" dirty="0" err="1">
-                <a:solidFill>
-                  <a:srgbClr val="66FFFF"/>
-                </a:solidFill>
-                <a:latin typeface="Arial" panose="020B0604020202020204" pitchFamily="34" charset="0"/>
-                <a:cs typeface="Arial" panose="020B0604020202020204" pitchFamily="34" charset="0"/>
-              </a:rPr>
-              <a:t>bhaar</a:t>
-            </a:r>
-            <a:r>
-              <a:rPr lang="en-US" sz="3950" b="1" dirty="0">
-                <a:solidFill>
-                  <a:srgbClr val="66FFFF"/>
-                </a:solidFill>
-                <a:latin typeface="Arial" panose="020B0604020202020204" pitchFamily="34" charset="0"/>
-                <a:cs typeface="Arial" panose="020B0604020202020204" pitchFamily="34" charset="0"/>
-              </a:rPr>
-              <a:t> </a:t>
-            </a:r>
-            <a:r>
-              <a:rPr lang="en-US" sz="3950" b="1" dirty="0" err="1">
-                <a:solidFill>
-                  <a:srgbClr val="66FFFF"/>
+              <a:rPr lang="en-US" sz="5400" b="1" dirty="0" err="1">
+                <a:solidFill>
+                  <a:srgbClr val="FFFF00"/>
                 </a:solidFill>
                 <a:latin typeface="Arial" panose="020B0604020202020204" pitchFamily="34" charset="0"/>
                 <a:cs typeface="Arial" panose="020B0604020202020204" pitchFamily="34" charset="0"/>
@@ -3405,9 +4532,9 @@
               <a:t>uThaau</a:t>
             </a:r>
             <a:r>
-              <a:rPr lang="en-US" sz="3950" b="1" dirty="0">
-                <a:solidFill>
-                  <a:srgbClr val="66FFFF"/>
+              <a:rPr lang="en-US" sz="5400" b="1" dirty="0">
+                <a:solidFill>
+                  <a:srgbClr val="FFFF00"/>
                 </a:solidFill>
                 <a:latin typeface="Arial" panose="020B0604020202020204" pitchFamily="34" charset="0"/>
                 <a:cs typeface="Arial" panose="020B0604020202020204" pitchFamily="34" charset="0"/>
@@ -3415,173 +4542,21 @@
               <a:t>-nu </a:t>
             </a:r>
             <a:r>
-              <a:rPr lang="en-US" sz="3950" b="1" dirty="0" err="1">
-                <a:solidFill>
-                  <a:srgbClr val="66FFFF"/>
+              <a:rPr lang="en-US" sz="5400" b="1" dirty="0" err="1">
+                <a:solidFill>
+                  <a:srgbClr val="FFFF00"/>
                 </a:solidFill>
                 <a:latin typeface="Arial" panose="020B0604020202020204" pitchFamily="34" charset="0"/>
                 <a:cs typeface="Arial" panose="020B0604020202020204" pitchFamily="34" charset="0"/>
               </a:rPr>
               <a:t>bho</a:t>
             </a:r>
-            <a:endParaRPr lang="en-US" sz="3950" b="1" dirty="0">
+            <a:endParaRPr lang="en-US" sz="5400" b="1" dirty="0">
               <a:solidFill>
-                <a:srgbClr val="66FFFF"/>
+                <a:srgbClr val="FFFF00"/>
               </a:solidFill>
               <a:latin typeface="Arial" panose="020B0604020202020204" pitchFamily="34" charset="0"/>
               <a:cs typeface="Arial" panose="020B0604020202020204" pitchFamily="34" charset="0"/>
-            </a:endParaRPr>
-          </a:p>
-          <a:p>
-            <a:pPr algn="ctr"/>
-            <a:r>
-              <a:rPr lang="en-US" sz="3950" b="1" dirty="0" err="1">
-                <a:solidFill>
-                  <a:srgbClr val="66FFFF"/>
-                </a:solidFill>
-                <a:latin typeface="Arial" panose="020B0604020202020204" pitchFamily="34" charset="0"/>
-                <a:cs typeface="Arial" panose="020B0604020202020204" pitchFamily="34" charset="0"/>
-              </a:rPr>
-              <a:t>dukha-sukha</a:t>
-            </a:r>
-            <a:r>
-              <a:rPr lang="en-US" sz="3950" b="1" dirty="0">
-                <a:solidFill>
-                  <a:srgbClr val="66FFFF"/>
-                </a:solidFill>
-                <a:latin typeface="Arial" panose="020B0604020202020204" pitchFamily="34" charset="0"/>
-                <a:cs typeface="Arial" panose="020B0604020202020204" pitchFamily="34" charset="0"/>
-              </a:rPr>
-              <a:t> </a:t>
-            </a:r>
-            <a:r>
-              <a:rPr lang="en-US" sz="3950" b="1" dirty="0" err="1">
-                <a:solidFill>
-                  <a:srgbClr val="66FFFF"/>
-                </a:solidFill>
-                <a:latin typeface="Arial" panose="020B0604020202020204" pitchFamily="34" charset="0"/>
-                <a:cs typeface="Arial" panose="020B0604020202020204" pitchFamily="34" charset="0"/>
-              </a:rPr>
-              <a:t>ishwor-ka'aaň</a:t>
-            </a:r>
-            <a:r>
-              <a:rPr lang="en-US" sz="3950" b="1" dirty="0">
-                <a:solidFill>
-                  <a:srgbClr val="66FFFF"/>
-                </a:solidFill>
-                <a:latin typeface="Arial" panose="020B0604020202020204" pitchFamily="34" charset="0"/>
-                <a:cs typeface="Arial" panose="020B0604020202020204" pitchFamily="34" charset="0"/>
-              </a:rPr>
-              <a:t> </a:t>
-            </a:r>
-            <a:r>
-              <a:rPr lang="en-US" sz="3950" b="1" dirty="0" err="1">
-                <a:solidFill>
-                  <a:srgbClr val="66FFFF"/>
-                </a:solidFill>
-                <a:latin typeface="Arial" panose="020B0604020202020204" pitchFamily="34" charset="0"/>
-                <a:cs typeface="Arial" panose="020B0604020202020204" pitchFamily="34" charset="0"/>
-              </a:rPr>
-              <a:t>lya</a:t>
-            </a:r>
-            <a:r>
-              <a:rPr lang="en-US" sz="3950" b="1" dirty="0">
-                <a:solidFill>
-                  <a:srgbClr val="66FFFF"/>
-                </a:solidFill>
-                <a:latin typeface="Arial" panose="020B0604020202020204" pitchFamily="34" charset="0"/>
-                <a:cs typeface="Arial" panose="020B0604020202020204" pitchFamily="34" charset="0"/>
-              </a:rPr>
-              <a:t> </a:t>
-            </a:r>
-            <a:r>
-              <a:rPr lang="en-US" sz="3950" b="1" dirty="0" err="1">
-                <a:solidFill>
-                  <a:srgbClr val="66FFFF"/>
-                </a:solidFill>
-                <a:latin typeface="Arial" panose="020B0604020202020204" pitchFamily="34" charset="0"/>
-                <a:cs typeface="Arial" panose="020B0604020202020204" pitchFamily="34" charset="0"/>
-              </a:rPr>
-              <a:t>aoň</a:t>
-            </a:r>
-            <a:endParaRPr lang="en-US" sz="3950" b="1" dirty="0">
-              <a:solidFill>
-                <a:srgbClr val="66FFFF"/>
-              </a:solidFill>
-              <a:latin typeface="Arial" panose="020B0604020202020204" pitchFamily="34" charset="0"/>
-              <a:cs typeface="Arial" panose="020B0604020202020204" pitchFamily="34" charset="0"/>
-            </a:endParaRPr>
-          </a:p>
-          <a:p>
-            <a:pPr algn="ctr"/>
-            <a:r>
-              <a:rPr lang="en-US" sz="3950" b="1" dirty="0" err="1">
-                <a:solidFill>
-                  <a:srgbClr val="66FFFF"/>
-                </a:solidFill>
-                <a:latin typeface="Arial" panose="020B0604020202020204" pitchFamily="34" charset="0"/>
-                <a:cs typeface="Arial" panose="020B0604020202020204" pitchFamily="34" charset="0"/>
-              </a:rPr>
-              <a:t>haami-laai</a:t>
-            </a:r>
-            <a:r>
-              <a:rPr lang="en-US" sz="3950" b="1" dirty="0">
-                <a:solidFill>
-                  <a:srgbClr val="66FFFF"/>
-                </a:solidFill>
-                <a:latin typeface="Arial" panose="020B0604020202020204" pitchFamily="34" charset="0"/>
-                <a:cs typeface="Arial" panose="020B0604020202020204" pitchFamily="34" charset="0"/>
-              </a:rPr>
-              <a:t> </a:t>
-            </a:r>
-            <a:r>
-              <a:rPr lang="en-US" sz="3950" b="1" dirty="0" err="1">
-                <a:solidFill>
-                  <a:srgbClr val="66FFFF"/>
-                </a:solidFill>
-                <a:latin typeface="Arial" panose="020B0604020202020204" pitchFamily="34" charset="0"/>
-                <a:cs typeface="Arial" panose="020B0604020202020204" pitchFamily="34" charset="0"/>
-              </a:rPr>
-              <a:t>bardaan</a:t>
-            </a:r>
-            <a:r>
-              <a:rPr lang="en-US" sz="3950" b="1" dirty="0">
-                <a:solidFill>
-                  <a:srgbClr val="66FFFF"/>
-                </a:solidFill>
-                <a:latin typeface="Arial" panose="020B0604020202020204" pitchFamily="34" charset="0"/>
-                <a:cs typeface="Arial" panose="020B0604020202020204" pitchFamily="34" charset="0"/>
-              </a:rPr>
-              <a:t> </a:t>
-            </a:r>
-            <a:r>
-              <a:rPr lang="en-US" sz="3950" b="1" dirty="0" err="1">
-                <a:solidFill>
-                  <a:srgbClr val="66FFFF"/>
-                </a:solidFill>
-                <a:latin typeface="Arial" panose="020B0604020202020204" pitchFamily="34" charset="0"/>
-                <a:cs typeface="Arial" panose="020B0604020202020204" pitchFamily="34" charset="0"/>
-              </a:rPr>
-              <a:t>katro</a:t>
-            </a:r>
-            <a:r>
-              <a:rPr lang="en-US" sz="3950" b="1" dirty="0">
-                <a:solidFill>
-                  <a:srgbClr val="66FFFF"/>
-                </a:solidFill>
-                <a:latin typeface="Arial" panose="020B0604020202020204" pitchFamily="34" charset="0"/>
-                <a:cs typeface="Arial" panose="020B0604020202020204" pitchFamily="34" charset="0"/>
-              </a:rPr>
-              <a:t>?</a:t>
-            </a:r>
-            <a:endParaRPr sz="3950" b="1" i="1" dirty="0">
-              <a:solidFill>
-                <a:srgbClr val="66FFFF"/>
-              </a:solidFill>
-              <a:latin typeface="Arial" panose="020B0604020202020204" pitchFamily="34" charset="0"/>
-              <a:ea typeface="Arial Narrow"/>
-              <a:cs typeface="Arial" panose="020B0604020202020204" pitchFamily="34" charset="0"/>
-              <a:sym typeface="Arial Narrow"/>
             </a:endParaRPr>
           </a:p>
         </p:txBody>
@@ -3607,7 +4582,7 @@
 </file>
 
 <file path=ppt/slides/slide3.xml><?xml version="1.0" encoding="utf-8"?>
-<p:sld xmlns:a="http://schemas.openxmlformats.org/drawingml/2006/main" xmlns:r="http://schemas.openxmlformats.org/officeDocument/2006/relationships" xmlns:p="http://schemas.openxmlformats.org/presentationml/2006/main">
+<p:sld xmlns:a="http://schemas.openxmlformats.org/drawingml/2006/main" xmlns:r="http://schemas.openxmlformats.org/officeDocument/2006/relationships" xmlns:p="http://schemas.openxmlformats.org/presentationml/2006/main" showMasterSp="0">
   <p:cSld>
     <p:spTree>
       <p:nvGrpSpPr>
@@ -3631,8 +4606,8 @@
         </p:nvSpPr>
         <p:spPr>
           <a:xfrm>
-            <a:off x="1670604" y="367099"/>
-            <a:ext cx="9311845" cy="5973751"/>
+            <a:off x="245039" y="1740208"/>
+            <a:ext cx="11701921" cy="3673121"/>
           </a:xfrm>
           <a:prstGeom prst="rect">
             <a:avLst/>
@@ -3642,7 +4617,7 @@
           </a:ln>
           <a:extLst>
             <a:ext uri="{C572A759-6A51-4108-AA02-DFA0A04FC94B}">
-              <ma14:wrappingTextBoxFlag xmlns:ma14="http://schemas.microsoft.com/office/mac/drawingml/2011/main" xmlns="" val="1"/>
+              <ma14:wrappingTextBoxFlag xmlns="" xmlns:ma14="http://schemas.microsoft.com/office/mac/drawingml/2011/main" val="1"/>
             </a:ext>
           </a:extLst>
         </p:spPr>
@@ -3654,134 +4629,70 @@
           <a:p>
             <a:pPr algn="ctr"/>
             <a:r>
-              <a:rPr lang="en-US" i="1" dirty="0"/>
-              <a:t>Verse 1:</a:t>
-            </a:r>
-          </a:p>
-          <a:p>
-            <a:pPr lvl="0" algn="ctr" defTabSz="914400" eaLnBrk="0" fontAlgn="base" hangingPunct="0">
-              <a:spcBef>
-                <a:spcPct val="0"/>
-              </a:spcBef>
-              <a:spcAft>
-                <a:spcPct val="0"/>
-              </a:spcAft>
-            </a:pPr>
-            <a:r>
-              <a:rPr lang="hi-IN" altLang="en-US" sz="4000" b="1" dirty="0">
-                <a:latin typeface="Arial Unicode MS"/>
-              </a:rPr>
-              <a:t>कति शान्ति</a:t>
-            </a:r>
-            <a:r>
-              <a:rPr lang="en-US" altLang="en-US" sz="4000" b="1" dirty="0">
-                <a:latin typeface="Arial Unicode MS"/>
+              <a:rPr lang="hi-IN" altLang="en-US" sz="5400" b="1" dirty="0">
+                <a:latin typeface="Mangal (body)"/>
+              </a:rPr>
+              <a:t>दुःख</a:t>
+            </a:r>
+            <a:r>
+              <a:rPr lang="en-US" altLang="en-US" sz="5400" b="1" dirty="0">
+                <a:latin typeface="Mangal (body)"/>
                 <a:cs typeface="Mangal" panose="02040503050203030202" pitchFamily="18" charset="0"/>
               </a:rPr>
               <a:t>-</a:t>
             </a:r>
             <a:r>
-              <a:rPr lang="hi-IN" altLang="en-US" sz="4000" b="1" dirty="0">
-                <a:latin typeface="Arial Unicode MS"/>
-              </a:rPr>
-              <a:t>सुख गुमाउँछौ</a:t>
-            </a:r>
-            <a:r>
-              <a:rPr lang="en-US" altLang="en-US" sz="4000" b="1" dirty="0">
-                <a:latin typeface="Arial Unicode MS"/>
+              <a:rPr lang="hi-IN" altLang="en-US" sz="5400" b="1" dirty="0">
+                <a:latin typeface="Mangal (body)"/>
+              </a:rPr>
+              <a:t>सुख ईश्वरकहाँ ल्याउनु </a:t>
+            </a:r>
+            <a:endParaRPr lang="en-US" altLang="en-US" sz="5400" b="1" dirty="0">
+              <a:latin typeface="Mangal (body)"/>
+            </a:endParaRPr>
+          </a:p>
+          <a:p>
+            <a:pPr algn="ctr"/>
+            <a:r>
+              <a:rPr lang="hi-IN" altLang="en-US" sz="5400" b="1" dirty="0">
+                <a:latin typeface="Mangal (body)"/>
+              </a:rPr>
+              <a:t>हामीलाई वरदान कत्रो </a:t>
+            </a:r>
+            <a:r>
+              <a:rPr lang="en-US" altLang="en-US" sz="5400" b="1" dirty="0">
+                <a:latin typeface="Mangal (body)"/>
                 <a:cs typeface="Mangal" panose="02040503050203030202" pitchFamily="18" charset="0"/>
               </a:rPr>
-              <a:t>, </a:t>
-            </a:r>
-          </a:p>
-          <a:p>
-            <a:pPr lvl="0" algn="ctr" defTabSz="914400" eaLnBrk="0" fontAlgn="base" hangingPunct="0">
-              <a:spcBef>
-                <a:spcPct val="0"/>
-              </a:spcBef>
-              <a:spcAft>
-                <a:spcPct val="0"/>
-              </a:spcAft>
-            </a:pPr>
-            <a:r>
-              <a:rPr lang="hi-IN" altLang="en-US" sz="4000" b="1" dirty="0">
-                <a:latin typeface="Arial Unicode MS"/>
-              </a:rPr>
-              <a:t>कति दुःख छ व्यर्थैमा </a:t>
-            </a:r>
-            <a:r>
-              <a:rPr lang="en-US" altLang="en-US" sz="4000" b="1" dirty="0">
-                <a:latin typeface="Arial Unicode MS"/>
-                <a:cs typeface="Mangal" panose="02040503050203030202" pitchFamily="18" charset="0"/>
-              </a:rPr>
               <a:t>?</a:t>
             </a:r>
-          </a:p>
-          <a:p>
-            <a:pPr lvl="0" algn="ctr" defTabSz="914400" eaLnBrk="0" fontAlgn="base" hangingPunct="0">
-              <a:spcBef>
-                <a:spcPct val="0"/>
-              </a:spcBef>
-              <a:spcAft>
-                <a:spcPct val="0"/>
-              </a:spcAft>
-            </a:pPr>
-            <a:r>
-              <a:rPr lang="hi-IN" altLang="en-US" sz="4000" b="1" dirty="0">
-                <a:latin typeface="Arial Unicode MS"/>
-              </a:rPr>
-              <a:t>कारण ईश्वरकहाँ हामी </a:t>
-            </a:r>
-            <a:endParaRPr lang="en-US" altLang="en-US" sz="4000" b="1" dirty="0">
-              <a:latin typeface="Arial Unicode MS"/>
-            </a:endParaRPr>
-          </a:p>
-          <a:p>
-            <a:pPr lvl="0" algn="ctr" defTabSz="914400" eaLnBrk="0" fontAlgn="base" hangingPunct="0">
-              <a:spcBef>
-                <a:spcPct val="0"/>
-              </a:spcBef>
-              <a:spcAft>
-                <a:spcPct val="0"/>
-              </a:spcAft>
-            </a:pPr>
-            <a:r>
-              <a:rPr lang="hi-IN" altLang="en-US" sz="4000" b="1" dirty="0">
-                <a:latin typeface="Arial Unicode MS"/>
-              </a:rPr>
-              <a:t>सब ल्याउँदैनौँ प्रार्थनामा ।</a:t>
-            </a:r>
-            <a:r>
-              <a:rPr lang="en-US" altLang="en-US" sz="4800" b="1" dirty="0"/>
+            <a:r>
+              <a:rPr lang="en-US" altLang="en-US" sz="5400" b="1" dirty="0">
+                <a:latin typeface="Mangal (body)"/>
+              </a:rPr>
               <a:t> </a:t>
             </a:r>
-            <a:endParaRPr lang="en-US" altLang="en-US" sz="7200" b="1" dirty="0">
-              <a:latin typeface="Arial" panose="020B0604020202020204" pitchFamily="34" charset="0"/>
-            </a:endParaRPr>
           </a:p>
           <a:p>
             <a:pPr algn="ctr"/>
-            <a:endParaRPr lang="en-US" sz="3950" b="1" i="1" dirty="0">
-              <a:latin typeface="Arial" panose="020B0604020202020204" pitchFamily="34" charset="0"/>
-              <a:cs typeface="Arial" panose="020B0604020202020204" pitchFamily="34" charset="0"/>
-            </a:endParaRPr>
+            <a:endParaRPr lang="en-US" i="1" dirty="0"/>
           </a:p>
           <a:p>
             <a:pPr algn="ctr"/>
             <a:r>
-              <a:rPr lang="en-US" sz="3950" b="1" dirty="0" err="1">
-                <a:solidFill>
-                  <a:srgbClr val="66FFFF"/>
-                </a:solidFill>
-                <a:latin typeface="Arial" panose="020B0604020202020204" pitchFamily="34" charset="0"/>
-                <a:cs typeface="Arial" panose="020B0604020202020204" pitchFamily="34" charset="0"/>
-              </a:rPr>
-              <a:t>kati</a:t>
-            </a:r>
-            <a:r>
-              <a:rPr lang="en-US" sz="3950" b="1" dirty="0">
-                <a:solidFill>
-                  <a:srgbClr val="66FFFF"/>
+              <a:rPr lang="en-US" sz="5400" b="1" dirty="0" err="1">
+                <a:solidFill>
+                  <a:srgbClr val="FFFF00"/>
+                </a:solidFill>
+                <a:latin typeface="Arial" panose="020B0604020202020204" pitchFamily="34" charset="0"/>
+                <a:cs typeface="Arial" panose="020B0604020202020204" pitchFamily="34" charset="0"/>
+              </a:rPr>
+              <a:t>dukha-sukha</a:t>
+            </a:r>
+            <a:r>
+              <a:rPr lang="en-US" sz="5400" b="1" dirty="0">
+                <a:solidFill>
+                  <a:srgbClr val="FFFF00"/>
                 </a:solidFill>
                 <a:latin typeface="Arial" panose="020B0604020202020204" pitchFamily="34" charset="0"/>
                 <a:cs typeface="Arial" panose="020B0604020202020204" pitchFamily="34" charset="0"/>
@@ -3789,19 +4700,19 @@
               <a:t> </a:t>
             </a:r>
             <a:r>
-              <a:rPr lang="en-US" sz="3950" b="1" dirty="0" err="1">
-                <a:solidFill>
-                  <a:srgbClr val="66FFFF"/>
-                </a:solidFill>
-                <a:latin typeface="Arial" panose="020B0604020202020204" pitchFamily="34" charset="0"/>
-                <a:cs typeface="Arial" panose="020B0604020202020204" pitchFamily="34" charset="0"/>
-              </a:rPr>
-              <a:t>shaanti-sukh</a:t>
-            </a:r>
-            <a:r>
-              <a:rPr lang="en-US" sz="3950" b="1" dirty="0">
-                <a:solidFill>
-                  <a:srgbClr val="66FFFF"/>
+              <a:rPr lang="en-US" sz="5400" b="1" dirty="0" err="1">
+                <a:solidFill>
+                  <a:srgbClr val="FFFF00"/>
+                </a:solidFill>
+                <a:latin typeface="Arial" panose="020B0604020202020204" pitchFamily="34" charset="0"/>
+                <a:cs typeface="Arial" panose="020B0604020202020204" pitchFamily="34" charset="0"/>
+              </a:rPr>
+              <a:t>ishwor-ka'aaň</a:t>
+            </a:r>
+            <a:r>
+              <a:rPr lang="en-US" sz="5400" b="1" dirty="0">
+                <a:solidFill>
+                  <a:srgbClr val="FFFF00"/>
                 </a:solidFill>
                 <a:latin typeface="Arial" panose="020B0604020202020204" pitchFamily="34" charset="0"/>
                 <a:cs typeface="Arial" panose="020B0604020202020204" pitchFamily="34" charset="0"/>
@@ -3809,62 +4720,19 @@
               <a:t> </a:t>
             </a:r>
             <a:r>
-              <a:rPr lang="en-US" sz="3950" b="1" dirty="0" err="1">
-                <a:solidFill>
-                  <a:srgbClr val="66FFFF"/>
-                </a:solidFill>
-                <a:latin typeface="Arial" panose="020B0604020202020204" pitchFamily="34" charset="0"/>
-                <a:cs typeface="Arial" panose="020B0604020202020204" pitchFamily="34" charset="0"/>
-              </a:rPr>
-              <a:t>gumaau</a:t>
-            </a:r>
-            <a:r>
-              <a:rPr lang="en-US" sz="3950" b="1" dirty="0">
-                <a:solidFill>
-                  <a:srgbClr val="66FFFF"/>
-                </a:solidFill>
-                <a:latin typeface="Arial" panose="020B0604020202020204" pitchFamily="34" charset="0"/>
-                <a:cs typeface="Arial" panose="020B0604020202020204" pitchFamily="34" charset="0"/>
-              </a:rPr>
-              <a:t> ň-</a:t>
-            </a:r>
-            <a:r>
-              <a:rPr lang="en-US" sz="3950" b="1" dirty="0" err="1">
-                <a:solidFill>
-                  <a:srgbClr val="66FFFF"/>
-                </a:solidFill>
-                <a:latin typeface="Arial" panose="020B0604020202020204" pitchFamily="34" charset="0"/>
-                <a:cs typeface="Arial" panose="020B0604020202020204" pitchFamily="34" charset="0"/>
-              </a:rPr>
-              <a:t>chauň</a:t>
-            </a:r>
-            <a:r>
-              <a:rPr lang="en-US" sz="3950" b="1" dirty="0">
-                <a:solidFill>
-                  <a:srgbClr val="66FFFF"/>
-                </a:solidFill>
-                <a:latin typeface="Arial" panose="020B0604020202020204" pitchFamily="34" charset="0"/>
-                <a:cs typeface="Arial" panose="020B0604020202020204" pitchFamily="34" charset="0"/>
-              </a:rPr>
-              <a:t>,</a:t>
-            </a:r>
-          </a:p>
-          <a:p>
-            <a:pPr algn="ctr"/>
-            <a:r>
-              <a:rPr lang="en-US" sz="3950" b="1" dirty="0" err="1">
-                <a:solidFill>
-                  <a:srgbClr val="66FFFF"/>
-                </a:solidFill>
-                <a:latin typeface="Arial" panose="020B0604020202020204" pitchFamily="34" charset="0"/>
-                <a:cs typeface="Arial" panose="020B0604020202020204" pitchFamily="34" charset="0"/>
-              </a:rPr>
-              <a:t>kati</a:t>
-            </a:r>
-            <a:r>
-              <a:rPr lang="en-US" sz="3950" b="1" dirty="0">
-                <a:solidFill>
-                  <a:srgbClr val="66FFFF"/>
+              <a:rPr lang="en-US" sz="5400" b="1" dirty="0" err="1">
+                <a:solidFill>
+                  <a:srgbClr val="FFFF00"/>
+                </a:solidFill>
+                <a:latin typeface="Arial" panose="020B0604020202020204" pitchFamily="34" charset="0"/>
+                <a:cs typeface="Arial" panose="020B0604020202020204" pitchFamily="34" charset="0"/>
+              </a:rPr>
+              <a:t>lya</a:t>
+            </a:r>
+            <a:r>
+              <a:rPr lang="en-US" sz="5400" b="1" dirty="0">
+                <a:solidFill>
+                  <a:srgbClr val="FFFF00"/>
                 </a:solidFill>
                 <a:latin typeface="Arial" panose="020B0604020202020204" pitchFamily="34" charset="0"/>
                 <a:cs typeface="Arial" panose="020B0604020202020204" pitchFamily="34" charset="0"/>
@@ -3872,121 +4740,18 @@
               <a:t> </a:t>
             </a:r>
             <a:r>
-              <a:rPr lang="en-US" sz="3950" b="1" dirty="0" err="1">
-                <a:solidFill>
-                  <a:srgbClr val="66FFFF"/>
-                </a:solidFill>
-                <a:latin typeface="Arial" panose="020B0604020202020204" pitchFamily="34" charset="0"/>
-                <a:cs typeface="Arial" panose="020B0604020202020204" pitchFamily="34" charset="0"/>
-              </a:rPr>
-              <a:t>dukh</a:t>
-            </a:r>
-            <a:r>
-              <a:rPr lang="en-US" sz="3950" b="1" dirty="0">
-                <a:solidFill>
-                  <a:srgbClr val="66FFFF"/>
-                </a:solidFill>
-                <a:latin typeface="Arial" panose="020B0604020202020204" pitchFamily="34" charset="0"/>
-                <a:cs typeface="Arial" panose="020B0604020202020204" pitchFamily="34" charset="0"/>
-              </a:rPr>
-              <a:t> cha </a:t>
-            </a:r>
-            <a:r>
-              <a:rPr lang="en-US" sz="3950" b="1" dirty="0" err="1">
-                <a:solidFill>
-                  <a:srgbClr val="66FFFF"/>
-                </a:solidFill>
-                <a:latin typeface="Arial" panose="020B0604020202020204" pitchFamily="34" charset="0"/>
-                <a:cs typeface="Arial" panose="020B0604020202020204" pitchFamily="34" charset="0"/>
-              </a:rPr>
-              <a:t>byerthai-maa</a:t>
-            </a:r>
-            <a:r>
-              <a:rPr lang="en-US" sz="3950" b="1" dirty="0">
-                <a:solidFill>
-                  <a:srgbClr val="66FFFF"/>
-                </a:solidFill>
-                <a:latin typeface="Arial" panose="020B0604020202020204" pitchFamily="34" charset="0"/>
-                <a:cs typeface="Arial" panose="020B0604020202020204" pitchFamily="34" charset="0"/>
-              </a:rPr>
-              <a:t>?</a:t>
-            </a:r>
-          </a:p>
-          <a:p>
-            <a:pPr algn="ctr"/>
-            <a:r>
-              <a:rPr lang="en-US" sz="3950" b="1" dirty="0" err="1">
-                <a:solidFill>
-                  <a:srgbClr val="66FFFF"/>
-                </a:solidFill>
-                <a:latin typeface="Arial" panose="020B0604020202020204" pitchFamily="34" charset="0"/>
-                <a:cs typeface="Arial" panose="020B0604020202020204" pitchFamily="34" charset="0"/>
-              </a:rPr>
-              <a:t>kaaraN</a:t>
-            </a:r>
-            <a:r>
-              <a:rPr lang="en-US" sz="3950" b="1" dirty="0">
-                <a:solidFill>
-                  <a:srgbClr val="66FFFF"/>
-                </a:solidFill>
-                <a:latin typeface="Arial" panose="020B0604020202020204" pitchFamily="34" charset="0"/>
-                <a:cs typeface="Arial" panose="020B0604020202020204" pitchFamily="34" charset="0"/>
-              </a:rPr>
-              <a:t> </a:t>
-            </a:r>
-            <a:r>
-              <a:rPr lang="en-US" sz="3950" b="1" dirty="0" err="1">
-                <a:solidFill>
-                  <a:srgbClr val="66FFFF"/>
-                </a:solidFill>
-                <a:latin typeface="Arial" panose="020B0604020202020204" pitchFamily="34" charset="0"/>
-                <a:cs typeface="Arial" panose="020B0604020202020204" pitchFamily="34" charset="0"/>
-              </a:rPr>
-              <a:t>ishwor-kahaaň</a:t>
-            </a:r>
-            <a:r>
-              <a:rPr lang="en-US" sz="3950" b="1" dirty="0">
-                <a:solidFill>
-                  <a:srgbClr val="66FFFF"/>
-                </a:solidFill>
-                <a:latin typeface="Arial" panose="020B0604020202020204" pitchFamily="34" charset="0"/>
-                <a:cs typeface="Arial" panose="020B0604020202020204" pitchFamily="34" charset="0"/>
-              </a:rPr>
-              <a:t> </a:t>
-            </a:r>
-            <a:r>
-              <a:rPr lang="en-US" sz="3950" b="1" dirty="0" err="1">
-                <a:solidFill>
-                  <a:srgbClr val="66FFFF"/>
-                </a:solidFill>
-                <a:latin typeface="Arial" panose="020B0604020202020204" pitchFamily="34" charset="0"/>
-                <a:cs typeface="Arial" panose="020B0604020202020204" pitchFamily="34" charset="0"/>
-              </a:rPr>
-              <a:t>haam</a:t>
-            </a:r>
-            <a:r>
-              <a:rPr lang="en-US" sz="3950" b="1" dirty="0">
-                <a:solidFill>
-                  <a:srgbClr val="66FFFF"/>
-                </a:solidFill>
-                <a:latin typeface="Arial" panose="020B0604020202020204" pitchFamily="34" charset="0"/>
-                <a:cs typeface="Arial" panose="020B0604020202020204" pitchFamily="34" charset="0"/>
-              </a:rPr>
-              <a:t> </a:t>
-            </a:r>
-            <a:r>
-              <a:rPr lang="en-US" sz="3950" b="1" dirty="0" err="1">
-                <a:solidFill>
-                  <a:srgbClr val="66FFFF"/>
-                </a:solidFill>
-                <a:latin typeface="Arial" panose="020B0604020202020204" pitchFamily="34" charset="0"/>
-                <a:cs typeface="Arial" panose="020B0604020202020204" pitchFamily="34" charset="0"/>
-              </a:rPr>
-              <a:t>i</a:t>
-            </a:r>
-            <a:endParaRPr lang="en-US" sz="3950" b="1" dirty="0">
+              <a:rPr lang="en-US" sz="5400" b="1" dirty="0" err="1">
+                <a:solidFill>
+                  <a:srgbClr val="FFFF00"/>
+                </a:solidFill>
+                <a:latin typeface="Arial" panose="020B0604020202020204" pitchFamily="34" charset="0"/>
+                <a:cs typeface="Arial" panose="020B0604020202020204" pitchFamily="34" charset="0"/>
+              </a:rPr>
+              <a:t>aoň</a:t>
+            </a:r>
+            <a:endParaRPr lang="en-US" sz="5400" b="1" dirty="0">
               <a:solidFill>
-                <a:srgbClr val="66FFFF"/>
+                <a:srgbClr val="FFFF00"/>
               </a:solidFill>
               <a:latin typeface="Arial" panose="020B0604020202020204" pitchFamily="34" charset="0"/>
               <a:cs typeface="Arial" panose="020B0604020202020204" pitchFamily="34" charset="0"/>
@@ -3995,29 +4760,19 @@
           <a:p>
             <a:pPr algn="ctr"/>
             <a:r>
-              <a:rPr lang="en-US" sz="3950" b="1" dirty="0">
-                <a:solidFill>
-                  <a:srgbClr val="66FFFF"/>
-                </a:solidFill>
-                <a:latin typeface="Arial" panose="020B0604020202020204" pitchFamily="34" charset="0"/>
-                <a:cs typeface="Arial" panose="020B0604020202020204" pitchFamily="34" charset="0"/>
-              </a:rPr>
-              <a:t>sab </a:t>
-            </a:r>
-            <a:r>
-              <a:rPr lang="en-US" sz="3950" b="1" dirty="0" err="1">
-                <a:solidFill>
-                  <a:srgbClr val="66FFFF"/>
-                </a:solidFill>
-                <a:latin typeface="Arial" panose="020B0604020202020204" pitchFamily="34" charset="0"/>
-                <a:cs typeface="Arial" panose="020B0604020202020204" pitchFamily="34" charset="0"/>
-              </a:rPr>
-              <a:t>lyaauň-dainauň</a:t>
-            </a:r>
-            <a:r>
-              <a:rPr lang="en-US" sz="3950" b="1" dirty="0">
-                <a:solidFill>
-                  <a:srgbClr val="66FFFF"/>
+              <a:rPr lang="en-US" sz="5400" b="1" dirty="0" err="1">
+                <a:solidFill>
+                  <a:srgbClr val="FFFF00"/>
+                </a:solidFill>
+                <a:latin typeface="Arial" panose="020B0604020202020204" pitchFamily="34" charset="0"/>
+                <a:cs typeface="Arial" panose="020B0604020202020204" pitchFamily="34" charset="0"/>
+              </a:rPr>
+              <a:t>haami-laai</a:t>
+            </a:r>
+            <a:r>
+              <a:rPr lang="en-US" sz="5400" b="1" dirty="0">
+                <a:solidFill>
+                  <a:srgbClr val="FFFF00"/>
                 </a:solidFill>
                 <a:latin typeface="Arial" panose="020B0604020202020204" pitchFamily="34" charset="0"/>
                 <a:cs typeface="Arial" panose="020B0604020202020204" pitchFamily="34" charset="0"/>
@@ -4025,48 +4780,48 @@
               <a:t> </a:t>
             </a:r>
             <a:r>
-              <a:rPr lang="en-US" sz="3950" b="1" dirty="0" err="1">
-                <a:solidFill>
-                  <a:srgbClr val="66FFFF"/>
-                </a:solidFill>
-                <a:latin typeface="Arial" panose="020B0604020202020204" pitchFamily="34" charset="0"/>
-                <a:cs typeface="Arial" panose="020B0604020202020204" pitchFamily="34" charset="0"/>
-              </a:rPr>
-              <a:t>praarthan</a:t>
-            </a:r>
-            <a:r>
-              <a:rPr lang="en-US" sz="3950" b="1" dirty="0">
-                <a:solidFill>
-                  <a:srgbClr val="66FFFF"/>
-                </a:solidFill>
-                <a:latin typeface="Arial" panose="020B0604020202020204" pitchFamily="34" charset="0"/>
-                <a:cs typeface="Arial" panose="020B0604020202020204" pitchFamily="34" charset="0"/>
-              </a:rPr>
-              <a:t> aa-</a:t>
-            </a:r>
-            <a:r>
-              <a:rPr lang="en-US" sz="3950" b="1" dirty="0" err="1">
-                <a:solidFill>
-                  <a:srgbClr val="66FFFF"/>
-                </a:solidFill>
-                <a:latin typeface="Arial" panose="020B0604020202020204" pitchFamily="34" charset="0"/>
-                <a:cs typeface="Arial" panose="020B0604020202020204" pitchFamily="34" charset="0"/>
-              </a:rPr>
-              <a:t>maa</a:t>
-            </a:r>
-            <a:r>
-              <a:rPr lang="en-US" sz="3950" b="1" dirty="0">
-                <a:solidFill>
-                  <a:srgbClr val="66FFFF"/>
-                </a:solidFill>
-                <a:latin typeface="Arial" panose="020B0604020202020204" pitchFamily="34" charset="0"/>
-                <a:cs typeface="Arial" panose="020B0604020202020204" pitchFamily="34" charset="0"/>
-              </a:rPr>
-              <a:t>.</a:t>
-            </a:r>
-            <a:endParaRPr sz="3950" b="1" i="1" dirty="0">
+              <a:rPr lang="en-US" sz="5400" b="1" dirty="0" err="1">
+                <a:solidFill>
+                  <a:srgbClr val="FFFF00"/>
+                </a:solidFill>
+                <a:latin typeface="Arial" panose="020B0604020202020204" pitchFamily="34" charset="0"/>
+                <a:cs typeface="Arial" panose="020B0604020202020204" pitchFamily="34" charset="0"/>
+              </a:rPr>
+              <a:t>bardaan</a:t>
+            </a:r>
+            <a:r>
+              <a:rPr lang="en-US" sz="5400" b="1" dirty="0">
+                <a:solidFill>
+                  <a:srgbClr val="FFFF00"/>
+                </a:solidFill>
+                <a:latin typeface="Arial" panose="020B0604020202020204" pitchFamily="34" charset="0"/>
+                <a:cs typeface="Arial" panose="020B0604020202020204" pitchFamily="34" charset="0"/>
+              </a:rPr>
+              <a:t> </a:t>
+            </a:r>
+            <a:r>
+              <a:rPr lang="en-US" sz="5400" b="1" dirty="0" err="1">
+                <a:solidFill>
+                  <a:srgbClr val="FFFF00"/>
+                </a:solidFill>
+                <a:latin typeface="Arial" panose="020B0604020202020204" pitchFamily="34" charset="0"/>
+                <a:cs typeface="Arial" panose="020B0604020202020204" pitchFamily="34" charset="0"/>
+              </a:rPr>
+              <a:t>katro</a:t>
+            </a:r>
+            <a:r>
+              <a:rPr lang="en-US" sz="5400" b="1" dirty="0">
+                <a:solidFill>
+                  <a:srgbClr val="FFFF00"/>
+                </a:solidFill>
+                <a:latin typeface="Arial" panose="020B0604020202020204" pitchFamily="34" charset="0"/>
+                <a:cs typeface="Arial" panose="020B0604020202020204" pitchFamily="34" charset="0"/>
+              </a:rPr>
+              <a:t>?</a:t>
+            </a:r>
+            <a:endParaRPr sz="5400" b="1" i="1" dirty="0">
               <a:solidFill>
-                <a:srgbClr val="66FFFF"/>
+                <a:srgbClr val="FFFF00"/>
               </a:solidFill>
               <a:latin typeface="Arial" panose="020B0604020202020204" pitchFamily="34" charset="0"/>
               <a:ea typeface="Arial Narrow"/>
@@ -4079,7 +4834,7 @@
     </p:spTree>
     <p:extLst>
       <p:ext uri="{BB962C8B-B14F-4D97-AF65-F5344CB8AC3E}">
-        <p14:creationId xmlns:p14="http://schemas.microsoft.com/office/powerpoint/2010/main" val="1119493456"/>
+        <p14:creationId xmlns:p14="http://schemas.microsoft.com/office/powerpoint/2010/main" val="3216305082"/>
       </p:ext>
     </p:extLst>
   </p:cSld>
@@ -4126,8 +4881,8 @@
         </p:nvSpPr>
         <p:spPr>
           <a:xfrm>
-            <a:off x="1737481" y="367101"/>
-            <a:ext cx="9178090" cy="5973751"/>
+            <a:off x="269885" y="1592439"/>
+            <a:ext cx="11652229" cy="3673121"/>
           </a:xfrm>
           <a:prstGeom prst="rect">
             <a:avLst/>
@@ -4137,7 +4892,7 @@
           </a:ln>
           <a:extLst>
             <a:ext uri="{C572A759-6A51-4108-AA02-DFA0A04FC94B}">
-              <ma14:wrappingTextBoxFlag xmlns:ma14="http://schemas.microsoft.com/office/mac/drawingml/2011/main" xmlns="" val="1"/>
+              <ma14:wrappingTextBoxFlag xmlns="" xmlns:ma14="http://schemas.microsoft.com/office/mac/drawingml/2011/main" val="1"/>
             </a:ext>
           </a:extLst>
         </p:spPr>
@@ -4146,13 +4901,6 @@
             <a:spAutoFit/>
           </a:bodyPr>
           <a:lstStyle/>
-          <a:p>
-            <a:pPr algn="ctr"/>
-            <a:r>
-              <a:rPr lang="en-US" i="1" dirty="0"/>
-              <a:t>Verse 2:</a:t>
-            </a:r>
-          </a:p>
           <a:p>
             <a:pPr lvl="0" algn="ctr" defTabSz="914400" eaLnBrk="0" fontAlgn="base" hangingPunct="0">
               <a:spcBef>
@@ -4163,14 +4911,31 @@
               </a:spcAft>
             </a:pPr>
             <a:r>
-              <a:rPr lang="hi-IN" altLang="en-US" sz="4000" b="1" dirty="0">
+              <a:rPr lang="hi-IN" altLang="en-US" sz="5400" b="1" dirty="0">
                 <a:latin typeface="Arial Unicode MS"/>
               </a:rPr>
-              <a:t>चारैतिरबाट आउँछ </a:t>
-            </a:r>
-            <a:endParaRPr lang="en-US" altLang="en-US" sz="4000" b="1" dirty="0">
-              <a:latin typeface="Arial Unicode MS"/>
-            </a:endParaRPr>
+              <a:t>कति शान्ति</a:t>
+            </a:r>
+            <a:r>
+              <a:rPr lang="en-US" altLang="en-US" sz="5400" b="1" dirty="0">
+                <a:latin typeface="Arial Unicode MS"/>
+                <a:cs typeface="Mangal" panose="02040503050203030202" pitchFamily="18" charset="0"/>
+              </a:rPr>
+              <a:t>-</a:t>
+            </a:r>
+            <a:r>
+              <a:rPr lang="hi-IN" altLang="en-US" sz="5400" b="1" dirty="0">
+                <a:latin typeface="Arial Unicode MS"/>
+              </a:rPr>
+              <a:t>सुख गुमाउँछौ</a:t>
+            </a:r>
+            <a:r>
+              <a:rPr lang="en-US" altLang="en-US" sz="5400" b="1" dirty="0">
+                <a:latin typeface="Arial Unicode MS"/>
+                <a:cs typeface="Mangal" panose="02040503050203030202" pitchFamily="18" charset="0"/>
+              </a:rPr>
+              <a:t>, </a:t>
+            </a:r>
           </a:p>
           <a:p>
             <a:pPr lvl="0" algn="ctr" defTabSz="914400" eaLnBrk="0" fontAlgn="base" hangingPunct="0">
@@ -4182,93 +4947,22 @@
               </a:spcAft>
             </a:pPr>
             <a:r>
-              <a:rPr lang="hi-IN" altLang="en-US" sz="4000" b="1" dirty="0">
+              <a:rPr lang="hi-IN" altLang="en-US" sz="5400" b="1" dirty="0">
                 <a:latin typeface="Arial Unicode MS"/>
               </a:rPr>
-              <a:t>संकट</a:t>
-            </a:r>
-            <a:r>
-              <a:rPr lang="en-US" altLang="en-US" sz="4000" b="1" dirty="0">
+              <a:t>कति दुःख छ व्यर्थैमा </a:t>
+            </a:r>
+            <a:r>
+              <a:rPr lang="en-US" altLang="en-US" sz="5400" b="1" dirty="0">
                 <a:latin typeface="Arial Unicode MS"/>
                 <a:cs typeface="Mangal" panose="02040503050203030202" pitchFamily="18" charset="0"/>
               </a:rPr>
-              <a:t>, </a:t>
-            </a:r>
-            <a:r>
-              <a:rPr lang="hi-IN" altLang="en-US" sz="4000" b="1" dirty="0">
-                <a:latin typeface="Arial Unicode MS"/>
-              </a:rPr>
-              <a:t>क्लेश र परीक्षा </a:t>
-            </a:r>
-            <a:endParaRPr lang="en-US" altLang="en-US" sz="4000" b="1" dirty="0">
-              <a:latin typeface="Arial Unicode MS"/>
-            </a:endParaRPr>
-          </a:p>
-          <a:p>
-            <a:pPr lvl="0" algn="ctr" defTabSz="914400" eaLnBrk="0" fontAlgn="base" hangingPunct="0">
-              <a:spcBef>
-                <a:spcPct val="0"/>
-              </a:spcBef>
-              <a:spcAft>
-                <a:spcPct val="0"/>
-              </a:spcAft>
-            </a:pPr>
-            <a:r>
-              <a:rPr lang="hi-IN" altLang="en-US" sz="4000" b="1" dirty="0">
-                <a:latin typeface="Arial Unicode MS"/>
-              </a:rPr>
-              <a:t>लौ</a:t>
-            </a:r>
-            <a:r>
-              <a:rPr lang="en-US" altLang="en-US" sz="4000" b="1" dirty="0">
-                <a:latin typeface="Arial Unicode MS"/>
-                <a:cs typeface="Mangal" panose="02040503050203030202" pitchFamily="18" charset="0"/>
-              </a:rPr>
-              <a:t>, </a:t>
-            </a:r>
-            <a:r>
-              <a:rPr lang="hi-IN" altLang="en-US" sz="4000" b="1" dirty="0">
-                <a:latin typeface="Arial Unicode MS"/>
-              </a:rPr>
-              <a:t>हरेस खानुपर्दैन </a:t>
-            </a:r>
-            <a:endParaRPr lang="en-US" altLang="en-US" sz="4000" b="1" dirty="0">
-              <a:latin typeface="Arial Unicode MS"/>
-            </a:endParaRPr>
-          </a:p>
-          <a:p>
-            <a:pPr lvl="0" algn="ctr" defTabSz="914400" eaLnBrk="0" fontAlgn="base" hangingPunct="0">
-              <a:spcBef>
-                <a:spcPct val="0"/>
-              </a:spcBef>
-              <a:spcAft>
-                <a:spcPct val="0"/>
-              </a:spcAft>
-            </a:pPr>
-            <a:r>
-              <a:rPr lang="hi-IN" altLang="en-US" sz="4000" b="1" dirty="0">
-                <a:latin typeface="Arial Unicode MS"/>
-              </a:rPr>
-              <a:t>ख्रीष्टलाई भनौँ प्रार्थनामा</a:t>
-            </a:r>
-            <a:r>
-              <a:rPr lang="en-US" altLang="en-US" sz="4000" b="1" dirty="0">
-                <a:latin typeface="Arial Unicode MS"/>
-                <a:cs typeface="Mangal" panose="02040503050203030202" pitchFamily="18" charset="0"/>
-              </a:rPr>
-              <a:t>,</a:t>
-            </a:r>
-            <a:r>
-              <a:rPr lang="en-US" altLang="en-US" sz="4800" b="1" dirty="0"/>
-              <a:t> </a:t>
-            </a:r>
-            <a:endParaRPr lang="en-US" altLang="en-US" sz="7200" b="1" dirty="0">
-              <a:latin typeface="Arial" panose="020B0604020202020204" pitchFamily="34" charset="0"/>
-            </a:endParaRPr>
+              <a:t>?</a:t>
+            </a:r>
           </a:p>
           <a:p>
             <a:pPr algn="ctr"/>
-            <a:endParaRPr lang="en-US" sz="3950" b="1" i="1" dirty="0">
+            <a:endParaRPr lang="en-US" b="1" i="1" dirty="0">
               <a:latin typeface="Arial" panose="020B0604020202020204" pitchFamily="34" charset="0"/>
               <a:cs typeface="Arial" panose="020B0604020202020204" pitchFamily="34" charset="0"/>
             </a:endParaRPr>
@@ -4276,19 +4970,19 @@
           <a:p>
             <a:pPr algn="ctr"/>
             <a:r>
-              <a:rPr lang="en-US" sz="3950" b="1" dirty="0" err="1">
-                <a:solidFill>
-                  <a:srgbClr val="66FFFF"/>
-                </a:solidFill>
-                <a:latin typeface="Arial" panose="020B0604020202020204" pitchFamily="34" charset="0"/>
-                <a:cs typeface="Arial" panose="020B0604020202020204" pitchFamily="34" charset="0"/>
-              </a:rPr>
-              <a:t>caarai-tira-baaTa</a:t>
-            </a:r>
-            <a:r>
-              <a:rPr lang="en-US" sz="3950" b="1" dirty="0">
-                <a:solidFill>
-                  <a:srgbClr val="66FFFF"/>
+              <a:rPr lang="en-US" sz="5400" b="1" dirty="0" err="1">
+                <a:solidFill>
+                  <a:srgbClr val="FFFF00"/>
+                </a:solidFill>
+                <a:latin typeface="Arial" panose="020B0604020202020204" pitchFamily="34" charset="0"/>
+                <a:cs typeface="Arial" panose="020B0604020202020204" pitchFamily="34" charset="0"/>
+              </a:rPr>
+              <a:t>kati</a:t>
+            </a:r>
+            <a:r>
+              <a:rPr lang="en-US" sz="5400" b="1" dirty="0">
+                <a:solidFill>
+                  <a:srgbClr val="FFFF00"/>
                 </a:solidFill>
                 <a:latin typeface="Arial" panose="020B0604020202020204" pitchFamily="34" charset="0"/>
                 <a:cs typeface="Arial" panose="020B0604020202020204" pitchFamily="34" charset="0"/>
@@ -4296,145 +4990,82 @@
               <a:t> </a:t>
             </a:r>
             <a:r>
-              <a:rPr lang="en-US" sz="3950" b="1" dirty="0" err="1">
-                <a:solidFill>
-                  <a:srgbClr val="66FFFF"/>
-                </a:solidFill>
-                <a:latin typeface="Arial" panose="020B0604020202020204" pitchFamily="34" charset="0"/>
-                <a:cs typeface="Arial" panose="020B0604020202020204" pitchFamily="34" charset="0"/>
-              </a:rPr>
-              <a:t>aauňch</a:t>
-            </a:r>
-            <a:r>
-              <a:rPr lang="en-US" sz="3950" b="1" dirty="0">
-                <a:solidFill>
-                  <a:srgbClr val="66FFFF"/>
-                </a:solidFill>
-                <a:latin typeface="Arial" panose="020B0604020202020204" pitchFamily="34" charset="0"/>
-                <a:cs typeface="Arial" panose="020B0604020202020204" pitchFamily="34" charset="0"/>
-              </a:rPr>
-              <a:t> a</a:t>
+              <a:rPr lang="en-US" sz="5400" b="1" dirty="0" err="1">
+                <a:solidFill>
+                  <a:srgbClr val="FFFF00"/>
+                </a:solidFill>
+                <a:latin typeface="Arial" panose="020B0604020202020204" pitchFamily="34" charset="0"/>
+                <a:cs typeface="Arial" panose="020B0604020202020204" pitchFamily="34" charset="0"/>
+              </a:rPr>
+              <a:t>shaanti-sukh</a:t>
+            </a:r>
+            <a:r>
+              <a:rPr lang="en-US" sz="5400" b="1" dirty="0">
+                <a:solidFill>
+                  <a:srgbClr val="FFFF00"/>
+                </a:solidFill>
+                <a:latin typeface="Arial" panose="020B0604020202020204" pitchFamily="34" charset="0"/>
+                <a:cs typeface="Arial" panose="020B0604020202020204" pitchFamily="34" charset="0"/>
+              </a:rPr>
+              <a:t> </a:t>
+            </a:r>
+            <a:r>
+              <a:rPr lang="en-US" sz="5400" b="1" dirty="0" err="1">
+                <a:solidFill>
+                  <a:srgbClr val="FFFF00"/>
+                </a:solidFill>
+                <a:latin typeface="Arial" panose="020B0604020202020204" pitchFamily="34" charset="0"/>
+                <a:cs typeface="Arial" panose="020B0604020202020204" pitchFamily="34" charset="0"/>
+              </a:rPr>
+              <a:t>gumaau</a:t>
+            </a:r>
+            <a:r>
+              <a:rPr lang="en-US" sz="5400" b="1" dirty="0">
+                <a:solidFill>
+                  <a:srgbClr val="FFFF00"/>
+                </a:solidFill>
+                <a:latin typeface="Arial" panose="020B0604020202020204" pitchFamily="34" charset="0"/>
+                <a:cs typeface="Arial" panose="020B0604020202020204" pitchFamily="34" charset="0"/>
+              </a:rPr>
+              <a:t> ň-</a:t>
+            </a:r>
+            <a:r>
+              <a:rPr lang="en-US" sz="5400" b="1" dirty="0" err="1">
+                <a:solidFill>
+                  <a:srgbClr val="FFFF00"/>
+                </a:solidFill>
+                <a:latin typeface="Arial" panose="020B0604020202020204" pitchFamily="34" charset="0"/>
+                <a:cs typeface="Arial" panose="020B0604020202020204" pitchFamily="34" charset="0"/>
+              </a:rPr>
+              <a:t>chauň</a:t>
+            </a:r>
+            <a:r>
+              <a:rPr lang="en-US" sz="5400" b="1" dirty="0">
+                <a:solidFill>
+                  <a:srgbClr val="FFFF00"/>
+                </a:solidFill>
+                <a:latin typeface="Arial" panose="020B0604020202020204" pitchFamily="34" charset="0"/>
+                <a:cs typeface="Arial" panose="020B0604020202020204" pitchFamily="34" charset="0"/>
+              </a:rPr>
+              <a:t>,</a:t>
             </a:r>
           </a:p>
           <a:p>
             <a:pPr algn="ctr"/>
             <a:r>
-              <a:rPr lang="en-US" sz="3950" b="1" dirty="0" err="1">
-                <a:solidFill>
-                  <a:srgbClr val="66FFFF"/>
-                </a:solidFill>
-                <a:latin typeface="Arial" panose="020B0604020202020204" pitchFamily="34" charset="0"/>
-                <a:cs typeface="Arial" panose="020B0604020202020204" pitchFamily="34" charset="0"/>
-              </a:rPr>
-              <a:t>sangkat</a:t>
-            </a:r>
-            <a:r>
-              <a:rPr lang="en-US" sz="3950" b="1" dirty="0">
-                <a:solidFill>
-                  <a:srgbClr val="66FFFF"/>
-                </a:solidFill>
-                <a:latin typeface="Arial" panose="020B0604020202020204" pitchFamily="34" charset="0"/>
-                <a:cs typeface="Arial" panose="020B0604020202020204" pitchFamily="34" charset="0"/>
-              </a:rPr>
-              <a:t>, </a:t>
-            </a:r>
-            <a:r>
-              <a:rPr lang="en-US" sz="3950" b="1" dirty="0" err="1">
-                <a:solidFill>
-                  <a:srgbClr val="66FFFF"/>
-                </a:solidFill>
-                <a:latin typeface="Arial" panose="020B0604020202020204" pitchFamily="34" charset="0"/>
-                <a:cs typeface="Arial" panose="020B0604020202020204" pitchFamily="34" charset="0"/>
-              </a:rPr>
-              <a:t>klesh</a:t>
-            </a:r>
-            <a:r>
-              <a:rPr lang="en-US" sz="3950" b="1" dirty="0">
-                <a:solidFill>
-                  <a:srgbClr val="66FFFF"/>
-                </a:solidFill>
-                <a:latin typeface="Arial" panose="020B0604020202020204" pitchFamily="34" charset="0"/>
-                <a:cs typeface="Arial" panose="020B0604020202020204" pitchFamily="34" charset="0"/>
-              </a:rPr>
-              <a:t> ra </a:t>
-            </a:r>
-            <a:r>
-              <a:rPr lang="en-US" sz="3950" b="1" dirty="0" err="1">
-                <a:solidFill>
-                  <a:srgbClr val="66FFFF"/>
-                </a:solidFill>
-                <a:latin typeface="Arial" panose="020B0604020202020204" pitchFamily="34" charset="0"/>
-                <a:cs typeface="Arial" panose="020B0604020202020204" pitchFamily="34" charset="0"/>
-              </a:rPr>
-              <a:t>parikchya</a:t>
-            </a:r>
-            <a:r>
-              <a:rPr lang="en-US" sz="3950" b="1" dirty="0">
-                <a:solidFill>
-                  <a:srgbClr val="66FFFF"/>
-                </a:solidFill>
-                <a:latin typeface="Arial" panose="020B0604020202020204" pitchFamily="34" charset="0"/>
-                <a:cs typeface="Arial" panose="020B0604020202020204" pitchFamily="34" charset="0"/>
-              </a:rPr>
-              <a:t> a</a:t>
-            </a:r>
-          </a:p>
-          <a:p>
-            <a:pPr algn="ctr"/>
-            <a:r>
-              <a:rPr lang="en-US" sz="3950" b="1" dirty="0" err="1">
-                <a:solidFill>
-                  <a:srgbClr val="66FFFF"/>
-                </a:solidFill>
-                <a:latin typeface="Arial" panose="020B0604020202020204" pitchFamily="34" charset="0"/>
-                <a:cs typeface="Arial" panose="020B0604020202020204" pitchFamily="34" charset="0"/>
-              </a:rPr>
-              <a:t>lau</a:t>
-            </a:r>
-            <a:r>
-              <a:rPr lang="en-US" sz="3950" b="1" dirty="0">
-                <a:solidFill>
-                  <a:srgbClr val="66FFFF"/>
-                </a:solidFill>
-                <a:latin typeface="Arial" panose="020B0604020202020204" pitchFamily="34" charset="0"/>
-                <a:cs typeface="Arial" panose="020B0604020202020204" pitchFamily="34" charset="0"/>
-              </a:rPr>
-              <a:t>, hares </a:t>
-            </a:r>
-            <a:r>
-              <a:rPr lang="en-US" sz="3950" b="1" dirty="0" err="1">
-                <a:solidFill>
-                  <a:srgbClr val="66FFFF"/>
-                </a:solidFill>
-                <a:latin typeface="Arial" panose="020B0604020202020204" pitchFamily="34" charset="0"/>
-                <a:cs typeface="Arial" panose="020B0604020202020204" pitchFamily="34" charset="0"/>
-              </a:rPr>
-              <a:t>khaanu-pardaina</a:t>
-            </a:r>
-            <a:endParaRPr lang="en-US" sz="3950" b="1" dirty="0">
-              <a:solidFill>
-                <a:srgbClr val="66FFFF"/>
-              </a:solidFill>
-              <a:latin typeface="Arial" panose="020B0604020202020204" pitchFamily="34" charset="0"/>
-              <a:cs typeface="Arial" panose="020B0604020202020204" pitchFamily="34" charset="0"/>
-            </a:endParaRPr>
-          </a:p>
-          <a:p>
-            <a:pPr algn="ctr"/>
-            <a:r>
-              <a:rPr lang="en-US" sz="3950" b="1" dirty="0" err="1">
-                <a:solidFill>
-                  <a:srgbClr val="66FFFF"/>
-                </a:solidFill>
-                <a:latin typeface="Arial" panose="020B0604020202020204" pitchFamily="34" charset="0"/>
-                <a:cs typeface="Arial" panose="020B0604020202020204" pitchFamily="34" charset="0"/>
-              </a:rPr>
-              <a:t>khrisT-laai</a:t>
-            </a:r>
-            <a:r>
-              <a:rPr lang="en-US" sz="3950" b="1" dirty="0">
-                <a:solidFill>
-                  <a:srgbClr val="66FFFF"/>
+              <a:rPr lang="en-US" sz="5400" b="1" dirty="0" err="1">
+                <a:solidFill>
+                  <a:srgbClr val="FFFF00"/>
+                </a:solidFill>
+                <a:latin typeface="Arial" panose="020B0604020202020204" pitchFamily="34" charset="0"/>
+                <a:cs typeface="Arial" panose="020B0604020202020204" pitchFamily="34" charset="0"/>
+              </a:rPr>
+              <a:t>kati</a:t>
+            </a:r>
+            <a:r>
+              <a:rPr lang="en-US" sz="5400" b="1" dirty="0">
+                <a:solidFill>
+                  <a:srgbClr val="FFFF00"/>
                 </a:solidFill>
                 <a:latin typeface="Arial" panose="020B0604020202020204" pitchFamily="34" charset="0"/>
                 <a:cs typeface="Arial" panose="020B0604020202020204" pitchFamily="34" charset="0"/>
@@ -4442,81 +5073,52 @@
               <a:t> </a:t>
             </a:r>
             <a:r>
-              <a:rPr lang="en-US" sz="3950" b="1" dirty="0" err="1">
-                <a:solidFill>
-                  <a:srgbClr val="66FFFF"/>
-                </a:solidFill>
-                <a:latin typeface="Arial" panose="020B0604020202020204" pitchFamily="34" charset="0"/>
-                <a:cs typeface="Arial" panose="020B0604020202020204" pitchFamily="34" charset="0"/>
-              </a:rPr>
-              <a:t>bhanauň</a:t>
-            </a:r>
-            <a:r>
-              <a:rPr lang="en-US" sz="3950" b="1" dirty="0">
-                <a:solidFill>
-                  <a:srgbClr val="66FFFF"/>
-                </a:solidFill>
-                <a:latin typeface="Arial" panose="020B0604020202020204" pitchFamily="34" charset="0"/>
-                <a:cs typeface="Arial" panose="020B0604020202020204" pitchFamily="34" charset="0"/>
-              </a:rPr>
-              <a:t> </a:t>
-            </a:r>
-            <a:r>
-              <a:rPr lang="en-US" sz="3950" b="1" dirty="0" err="1">
-                <a:solidFill>
-                  <a:srgbClr val="66FFFF"/>
-                </a:solidFill>
-                <a:latin typeface="Arial" panose="020B0604020202020204" pitchFamily="34" charset="0"/>
-                <a:cs typeface="Arial" panose="020B0604020202020204" pitchFamily="34" charset="0"/>
-              </a:rPr>
-              <a:t>praarth</a:t>
-            </a:r>
-            <a:r>
-              <a:rPr lang="en-US" sz="3950" b="1" dirty="0">
-                <a:solidFill>
-                  <a:srgbClr val="66FFFF"/>
-                </a:solidFill>
-                <a:latin typeface="Arial" panose="020B0604020202020204" pitchFamily="34" charset="0"/>
-                <a:cs typeface="Arial" panose="020B0604020202020204" pitchFamily="34" charset="0"/>
-              </a:rPr>
-              <a:t>' </a:t>
-            </a:r>
-            <a:r>
-              <a:rPr lang="en-US" sz="3950" b="1" dirty="0" err="1">
-                <a:solidFill>
-                  <a:srgbClr val="66FFFF"/>
-                </a:solidFill>
-                <a:latin typeface="Arial" panose="020B0604020202020204" pitchFamily="34" charset="0"/>
-                <a:cs typeface="Arial" panose="020B0604020202020204" pitchFamily="34" charset="0"/>
-              </a:rPr>
-              <a:t>naa-maa</a:t>
-            </a:r>
-            <a:r>
-              <a:rPr lang="en-US" sz="3950" b="1" dirty="0">
-                <a:solidFill>
-                  <a:srgbClr val="66FFFF"/>
-                </a:solidFill>
-                <a:latin typeface="Arial" panose="020B0604020202020204" pitchFamily="34" charset="0"/>
-                <a:cs typeface="Arial" panose="020B0604020202020204" pitchFamily="34" charset="0"/>
-              </a:rPr>
-              <a:t>,</a:t>
-            </a:r>
-            <a:endParaRPr sz="3950" b="1" i="1" dirty="0">
-              <a:solidFill>
-                <a:srgbClr val="66FFFF"/>
-              </a:solidFill>
-              <a:latin typeface="Arial" panose="020B0604020202020204" pitchFamily="34" charset="0"/>
-              <a:ea typeface="Arial Narrow"/>
-              <a:cs typeface="Arial" panose="020B0604020202020204" pitchFamily="34" charset="0"/>
-              <a:sym typeface="Arial Narrow"/>
-            </a:endParaRPr>
+              <a:rPr lang="en-US" sz="5400" b="1" dirty="0" err="1">
+                <a:solidFill>
+                  <a:srgbClr val="FFFF00"/>
+                </a:solidFill>
+                <a:latin typeface="Arial" panose="020B0604020202020204" pitchFamily="34" charset="0"/>
+                <a:cs typeface="Arial" panose="020B0604020202020204" pitchFamily="34" charset="0"/>
+              </a:rPr>
+              <a:t>dukh</a:t>
+            </a:r>
+            <a:r>
+              <a:rPr lang="en-US" sz="5400" b="1" dirty="0">
+                <a:solidFill>
+                  <a:srgbClr val="FFFF00"/>
+                </a:solidFill>
+                <a:latin typeface="Arial" panose="020B0604020202020204" pitchFamily="34" charset="0"/>
+                <a:cs typeface="Arial" panose="020B0604020202020204" pitchFamily="34" charset="0"/>
+              </a:rPr>
+              <a:t> cha </a:t>
+            </a:r>
+            <a:r>
+              <a:rPr lang="en-US" sz="5400" b="1" dirty="0" err="1">
+                <a:solidFill>
+                  <a:srgbClr val="FFFF00"/>
+                </a:solidFill>
+                <a:latin typeface="Arial" panose="020B0604020202020204" pitchFamily="34" charset="0"/>
+                <a:cs typeface="Arial" panose="020B0604020202020204" pitchFamily="34" charset="0"/>
+              </a:rPr>
+              <a:t>byerthai-maa</a:t>
+            </a:r>
+            <a:r>
+              <a:rPr lang="en-US" sz="5400" b="1" dirty="0">
+                <a:solidFill>
+                  <a:srgbClr val="FFFF00"/>
+                </a:solidFill>
+                <a:latin typeface="Arial" panose="020B0604020202020204" pitchFamily="34" charset="0"/>
+                <a:cs typeface="Arial" panose="020B0604020202020204" pitchFamily="34" charset="0"/>
+              </a:rPr>
+              <a:t>?</a:t>
+            </a:r>
           </a:p>
         </p:txBody>
       </p:sp>
     </p:spTree>
     <p:extLst>
       <p:ext uri="{BB962C8B-B14F-4D97-AF65-F5344CB8AC3E}">
-        <p14:creationId xmlns:p14="http://schemas.microsoft.com/office/powerpoint/2010/main" val="3462955852"/>
+        <p14:creationId xmlns:p14="http://schemas.microsoft.com/office/powerpoint/2010/main" val="1119493456"/>
       </p:ext>
     </p:extLst>
   </p:cSld>
@@ -4563,8 +5165,8 @@
         </p:nvSpPr>
         <p:spPr>
           <a:xfrm>
-            <a:off x="1574999" y="367104"/>
-            <a:ext cx="9503051" cy="5973751"/>
+            <a:off x="635370" y="1592439"/>
+            <a:ext cx="10921259" cy="3673121"/>
           </a:xfrm>
           <a:prstGeom prst="rect">
             <a:avLst/>
@@ -4574,7 +5176,7 @@
           </a:ln>
           <a:extLst>
             <a:ext uri="{C572A759-6A51-4108-AA02-DFA0A04FC94B}">
-              <ma14:wrappingTextBoxFlag xmlns:ma14="http://schemas.microsoft.com/office/mac/drawingml/2011/main" xmlns="" val="1"/>
+              <ma14:wrappingTextBoxFlag xmlns="" xmlns:ma14="http://schemas.microsoft.com/office/mac/drawingml/2011/main" val="1"/>
             </a:ext>
           </a:extLst>
         </p:spPr>
@@ -4583,13 +5185,6 @@
             <a:spAutoFit/>
           </a:bodyPr>
           <a:lstStyle/>
-          <a:p>
-            <a:pPr algn="ctr"/>
-            <a:r>
-              <a:rPr lang="en-US" i="1" dirty="0"/>
-              <a:t>Verse 2:</a:t>
-            </a:r>
-          </a:p>
           <a:p>
             <a:pPr lvl="0" algn="ctr" defTabSz="914400" eaLnBrk="0" fontAlgn="base" hangingPunct="0">
               <a:spcBef>
@@ -4600,18 +5195,14 @@
               </a:spcAft>
             </a:pPr>
             <a:r>
-              <a:rPr lang="hi-IN" altLang="en-US" sz="4000" b="1" dirty="0">
+              <a:rPr lang="hi-IN" altLang="en-US" sz="5400" b="1" dirty="0">
                 <a:latin typeface="Arial Unicode MS"/>
               </a:rPr>
-              <a:t>हाम्रो सबै दुःखका भागी</a:t>
-            </a:r>
-            <a:r>
-              <a:rPr lang="en-US" altLang="en-US" sz="4000" b="1" dirty="0">
-                <a:latin typeface="Arial Unicode MS"/>
-                <a:cs typeface="Mangal" panose="02040503050203030202" pitchFamily="18" charset="0"/>
-              </a:rPr>
-              <a:t>, </a:t>
-            </a:r>
+              <a:t>कारण ईश्वरकहाँ हामी </a:t>
+            </a:r>
+            <a:endParaRPr lang="en-US" altLang="en-US" sz="5400" b="1" dirty="0">
+              <a:latin typeface="Arial Unicode MS"/>
+            </a:endParaRPr>
           </a:p>
           <a:p>
             <a:pPr lvl="0" algn="ctr" defTabSz="914400" eaLnBrk="0" fontAlgn="base" hangingPunct="0">
@@ -4623,68 +5214,22 @@
               </a:spcAft>
             </a:pPr>
             <a:r>
-              <a:rPr lang="hi-IN" altLang="en-US" sz="4000" b="1" dirty="0">
+              <a:rPr lang="hi-IN" altLang="en-US" sz="5400" b="1" dirty="0">
                 <a:latin typeface="Arial Unicode MS"/>
               </a:rPr>
-              <a:t>यस्तो मित्र कहाँ पाऔला </a:t>
-            </a:r>
-            <a:r>
-              <a:rPr lang="en-US" altLang="en-US" sz="4000" b="1" dirty="0">
-                <a:latin typeface="Arial Unicode MS"/>
-                <a:cs typeface="Mangal" panose="02040503050203030202" pitchFamily="18" charset="0"/>
-              </a:rPr>
-              <a:t>?</a:t>
-            </a:r>
-          </a:p>
-          <a:p>
-            <a:pPr lvl="0" algn="ctr" defTabSz="914400" eaLnBrk="0" fontAlgn="base" hangingPunct="0">
-              <a:spcBef>
-                <a:spcPct val="0"/>
-              </a:spcBef>
-              <a:spcAft>
-                <a:spcPct val="0"/>
-              </a:spcAft>
-            </a:pPr>
-            <a:r>
-              <a:rPr lang="hi-IN" altLang="en-US" sz="4000" b="1" dirty="0">
-                <a:latin typeface="Arial Unicode MS"/>
-              </a:rPr>
-              <a:t>हर कमजोरी येशू बुझ्छन्‌</a:t>
-            </a:r>
-            <a:r>
-              <a:rPr lang="en-US" altLang="en-US" sz="4000" b="1" dirty="0">
-                <a:latin typeface="Arial Unicode MS"/>
-                <a:cs typeface="Mangal" panose="02040503050203030202" pitchFamily="18" charset="0"/>
-              </a:rPr>
-              <a:t>, </a:t>
-            </a:r>
-          </a:p>
-          <a:p>
-            <a:pPr lvl="0" algn="ctr" defTabSz="914400" eaLnBrk="0" fontAlgn="base" hangingPunct="0">
-              <a:spcBef>
-                <a:spcPct val="0"/>
-              </a:spcBef>
-              <a:spcAft>
-                <a:spcPct val="0"/>
-              </a:spcAft>
-            </a:pPr>
-            <a:r>
-              <a:rPr lang="hi-IN" altLang="en-US" sz="4000" b="1" dirty="0">
-                <a:latin typeface="Arial Unicode MS"/>
-              </a:rPr>
-              <a:t>ख्रीष्टलाई भनौँ प्रार्थनामा ।</a:t>
-            </a:r>
-            <a:r>
-              <a:rPr lang="en-US" altLang="en-US" sz="4800" b="1" dirty="0"/>
+              <a:t>सब ल्याउँदैनौँ प्रार्थनामा ।</a:t>
+            </a:r>
+            <a:r>
+              <a:rPr lang="en-US" altLang="en-US" sz="5400" b="1" dirty="0"/>
               <a:t> </a:t>
             </a:r>
-            <a:endParaRPr lang="en-US" altLang="en-US" sz="7200" b="1" dirty="0">
+            <a:endParaRPr lang="en-US" altLang="en-US" sz="5400" b="1" dirty="0">
               <a:latin typeface="Arial" panose="020B0604020202020204" pitchFamily="34" charset="0"/>
             </a:endParaRPr>
           </a:p>
           <a:p>
             <a:pPr algn="ctr"/>
-            <a:endParaRPr lang="en-US" sz="3950" b="1" i="1" dirty="0">
+            <a:endParaRPr lang="en-US" b="1" i="1" dirty="0">
               <a:latin typeface="Arial" panose="020B0604020202020204" pitchFamily="34" charset="0"/>
               <a:cs typeface="Arial" panose="020B0604020202020204" pitchFamily="34" charset="0"/>
             </a:endParaRPr>
@@ -4692,19 +5237,19 @@
           <a:p>
             <a:pPr algn="ctr"/>
             <a:r>
-              <a:rPr lang="en-US" sz="3950" b="1" dirty="0" err="1">
-                <a:solidFill>
-                  <a:srgbClr val="66FFFF"/>
-                </a:solidFill>
-                <a:latin typeface="Arial" panose="020B0604020202020204" pitchFamily="34" charset="0"/>
-                <a:cs typeface="Arial" panose="020B0604020202020204" pitchFamily="34" charset="0"/>
-              </a:rPr>
-              <a:t>haamro</a:t>
-            </a:r>
-            <a:r>
-              <a:rPr lang="en-US" sz="3950" b="1" dirty="0">
-                <a:solidFill>
-                  <a:srgbClr val="66FFFF"/>
+              <a:rPr lang="en-US" sz="5400" b="1" dirty="0" err="1">
+                <a:solidFill>
+                  <a:srgbClr val="FFFF00"/>
+                </a:solidFill>
+                <a:latin typeface="Arial" panose="020B0604020202020204" pitchFamily="34" charset="0"/>
+                <a:cs typeface="Arial" panose="020B0604020202020204" pitchFamily="34" charset="0"/>
+              </a:rPr>
+              <a:t>kaaraN</a:t>
+            </a:r>
+            <a:r>
+              <a:rPr lang="en-US" sz="5400" b="1" dirty="0">
+                <a:solidFill>
+                  <a:srgbClr val="FFFF00"/>
                 </a:solidFill>
                 <a:latin typeface="Arial" panose="020B0604020202020204" pitchFamily="34" charset="0"/>
                 <a:cs typeface="Arial" panose="020B0604020202020204" pitchFamily="34" charset="0"/>
@@ -4712,19 +5257,19 @@
               <a:t> </a:t>
             </a:r>
             <a:r>
-              <a:rPr lang="en-US" sz="3950" b="1" dirty="0" err="1">
-                <a:solidFill>
-                  <a:srgbClr val="66FFFF"/>
-                </a:solidFill>
-                <a:latin typeface="Arial" panose="020B0604020202020204" pitchFamily="34" charset="0"/>
-                <a:cs typeface="Arial" panose="020B0604020202020204" pitchFamily="34" charset="0"/>
-              </a:rPr>
-              <a:t>sabai</a:t>
-            </a:r>
-            <a:r>
-              <a:rPr lang="en-US" sz="3950" b="1" dirty="0">
-                <a:solidFill>
-                  <a:srgbClr val="66FFFF"/>
+              <a:rPr lang="en-US" sz="5400" b="1" dirty="0" err="1">
+                <a:solidFill>
+                  <a:srgbClr val="FFFF00"/>
+                </a:solidFill>
+                <a:latin typeface="Arial" panose="020B0604020202020204" pitchFamily="34" charset="0"/>
+                <a:cs typeface="Arial" panose="020B0604020202020204" pitchFamily="34" charset="0"/>
+              </a:rPr>
+              <a:t>ishwor-kahaaň</a:t>
+            </a:r>
+            <a:r>
+              <a:rPr lang="en-US" sz="5400" b="1" dirty="0">
+                <a:solidFill>
+                  <a:srgbClr val="FFFF00"/>
                 </a:solidFill>
                 <a:latin typeface="Arial" panose="020B0604020202020204" pitchFamily="34" charset="0"/>
                 <a:cs typeface="Arial" panose="020B0604020202020204" pitchFamily="34" charset="0"/>
@@ -4732,62 +5277,69 @@
               <a:t> </a:t>
             </a:r>
             <a:r>
-              <a:rPr lang="en-US" sz="3950" b="1" dirty="0" err="1">
-                <a:solidFill>
-                  <a:srgbClr val="66FFFF"/>
-                </a:solidFill>
-                <a:latin typeface="Arial" panose="020B0604020202020204" pitchFamily="34" charset="0"/>
-                <a:cs typeface="Arial" panose="020B0604020202020204" pitchFamily="34" charset="0"/>
-              </a:rPr>
-              <a:t>dukh-kaa</a:t>
-            </a:r>
-            <a:r>
-              <a:rPr lang="en-US" sz="3950" b="1" dirty="0">
-                <a:solidFill>
-                  <a:srgbClr val="66FFFF"/>
-                </a:solidFill>
-                <a:latin typeface="Arial" panose="020B0604020202020204" pitchFamily="34" charset="0"/>
-                <a:cs typeface="Arial" panose="020B0604020202020204" pitchFamily="34" charset="0"/>
-              </a:rPr>
-              <a:t> b </a:t>
-            </a:r>
-            <a:r>
-              <a:rPr lang="en-US" sz="3950" b="1" dirty="0" err="1">
-                <a:solidFill>
-                  <a:srgbClr val="66FFFF"/>
-                </a:solidFill>
-                <a:latin typeface="Arial" panose="020B0604020202020204" pitchFamily="34" charset="0"/>
-                <a:cs typeface="Arial" panose="020B0604020202020204" pitchFamily="34" charset="0"/>
-              </a:rPr>
-              <a:t>haagi</a:t>
-            </a:r>
-            <a:r>
-              <a:rPr lang="en-US" sz="3950" b="1" dirty="0">
-                <a:solidFill>
-                  <a:srgbClr val="66FFFF"/>
-                </a:solidFill>
-                <a:latin typeface="Arial" panose="020B0604020202020204" pitchFamily="34" charset="0"/>
-                <a:cs typeface="Arial" panose="020B0604020202020204" pitchFamily="34" charset="0"/>
-              </a:rPr>
-              <a:t>,</a:t>
-            </a:r>
+              <a:rPr lang="en-US" sz="5400" b="1" dirty="0" err="1">
+                <a:solidFill>
+                  <a:srgbClr val="FFFF00"/>
+                </a:solidFill>
+                <a:latin typeface="Arial" panose="020B0604020202020204" pitchFamily="34" charset="0"/>
+                <a:cs typeface="Arial" panose="020B0604020202020204" pitchFamily="34" charset="0"/>
+              </a:rPr>
+              <a:t>haam</a:t>
+            </a:r>
+            <a:r>
+              <a:rPr lang="en-US" sz="5400" b="1" dirty="0">
+                <a:solidFill>
+                  <a:srgbClr val="FFFF00"/>
+                </a:solidFill>
+                <a:latin typeface="Arial" panose="020B0604020202020204" pitchFamily="34" charset="0"/>
+                <a:cs typeface="Arial" panose="020B0604020202020204" pitchFamily="34" charset="0"/>
+              </a:rPr>
+              <a:t> </a:t>
+            </a:r>
+            <a:r>
+              <a:rPr lang="en-US" sz="5400" b="1" dirty="0" err="1">
+                <a:solidFill>
+                  <a:srgbClr val="FFFF00"/>
+                </a:solidFill>
+                <a:latin typeface="Arial" panose="020B0604020202020204" pitchFamily="34" charset="0"/>
+                <a:cs typeface="Arial" panose="020B0604020202020204" pitchFamily="34" charset="0"/>
+              </a:rPr>
+              <a:t>i</a:t>
+            </a:r>
+            <a:endParaRPr lang="en-US" sz="5400" b="1" dirty="0">
+              <a:solidFill>
+                <a:srgbClr val="FFFF00"/>
+              </a:solidFill>
+              <a:latin typeface="Arial" panose="020B0604020202020204" pitchFamily="34" charset="0"/>
+              <a:cs typeface="Arial" panose="020B0604020202020204" pitchFamily="34" charset="0"/>
+            </a:endParaRPr>
           </a:p>
           <a:p>
             <a:pPr algn="ctr"/>
             <a:r>
-              <a:rPr lang="en-US" sz="3950" b="1" dirty="0" err="1">
-                <a:solidFill>
-                  <a:srgbClr val="66FFFF"/>
-                </a:solidFill>
-                <a:latin typeface="Arial" panose="020B0604020202020204" pitchFamily="34" charset="0"/>
-                <a:cs typeface="Arial" panose="020B0604020202020204" pitchFamily="34" charset="0"/>
-              </a:rPr>
-              <a:t>yesto</a:t>
-            </a:r>
-            <a:r>
-              <a:rPr lang="en-US" sz="3950" b="1" dirty="0">
-                <a:solidFill>
-                  <a:srgbClr val="66FFFF"/>
+              <a:rPr lang="en-US" sz="5400" b="1" dirty="0">
+                <a:solidFill>
+                  <a:srgbClr val="FFFF00"/>
+                </a:solidFill>
+                <a:latin typeface="Arial" panose="020B0604020202020204" pitchFamily="34" charset="0"/>
+                <a:cs typeface="Arial" panose="020B0604020202020204" pitchFamily="34" charset="0"/>
+              </a:rPr>
+              <a:t>sab </a:t>
+            </a:r>
+            <a:r>
+              <a:rPr lang="en-US" sz="5400" b="1" dirty="0" err="1">
+                <a:solidFill>
+                  <a:srgbClr val="FFFF00"/>
+                </a:solidFill>
+                <a:latin typeface="Arial" panose="020B0604020202020204" pitchFamily="34" charset="0"/>
+                <a:cs typeface="Arial" panose="020B0604020202020204" pitchFamily="34" charset="0"/>
+              </a:rPr>
+              <a:t>lyauň-dainauň</a:t>
+            </a:r>
+            <a:r>
+              <a:rPr lang="en-US" sz="5400" b="1" dirty="0">
+                <a:solidFill>
+                  <a:srgbClr val="FFFF00"/>
                 </a:solidFill>
                 <a:latin typeface="Arial" panose="020B0604020202020204" pitchFamily="34" charset="0"/>
                 <a:cs typeface="Arial" panose="020B0604020202020204" pitchFamily="34" charset="0"/>
@@ -4795,224 +5347,28 @@
               <a:t> </a:t>
             </a:r>
             <a:r>
-              <a:rPr lang="en-US" sz="3950" b="1" dirty="0" err="1">
-                <a:solidFill>
-                  <a:srgbClr val="66FFFF"/>
-                </a:solidFill>
-                <a:latin typeface="Arial" panose="020B0604020202020204" pitchFamily="34" charset="0"/>
-                <a:cs typeface="Arial" panose="020B0604020202020204" pitchFamily="34" charset="0"/>
-              </a:rPr>
-              <a:t>mitra</a:t>
-            </a:r>
-            <a:r>
-              <a:rPr lang="en-US" sz="3950" b="1" dirty="0">
-                <a:solidFill>
-                  <a:srgbClr val="66FFFF"/>
-                </a:solidFill>
-                <a:latin typeface="Arial" panose="020B0604020202020204" pitchFamily="34" charset="0"/>
-                <a:cs typeface="Arial" panose="020B0604020202020204" pitchFamily="34" charset="0"/>
-              </a:rPr>
-              <a:t> </a:t>
-            </a:r>
-            <a:r>
-              <a:rPr lang="en-US" sz="3950" b="1" dirty="0" err="1">
-                <a:solidFill>
-                  <a:srgbClr val="66FFFF"/>
-                </a:solidFill>
-                <a:latin typeface="Arial" panose="020B0604020202020204" pitchFamily="34" charset="0"/>
-                <a:cs typeface="Arial" panose="020B0604020202020204" pitchFamily="34" charset="0"/>
-              </a:rPr>
-              <a:t>ka'aaň</a:t>
-            </a:r>
-            <a:r>
-              <a:rPr lang="en-US" sz="3950" b="1" dirty="0">
-                <a:solidFill>
-                  <a:srgbClr val="66FFFF"/>
-                </a:solidFill>
-                <a:latin typeface="Arial" panose="020B0604020202020204" pitchFamily="34" charset="0"/>
-                <a:cs typeface="Arial" panose="020B0604020202020204" pitchFamily="34" charset="0"/>
-              </a:rPr>
-              <a:t> </a:t>
-            </a:r>
-            <a:r>
-              <a:rPr lang="en-US" sz="3950" b="1" dirty="0" err="1">
-                <a:solidFill>
-                  <a:srgbClr val="66FFFF"/>
-                </a:solidFill>
-                <a:latin typeface="Arial" panose="020B0604020202020204" pitchFamily="34" charset="0"/>
-                <a:cs typeface="Arial" panose="020B0604020202020204" pitchFamily="34" charset="0"/>
-              </a:rPr>
-              <a:t>paauňlaa</a:t>
-            </a:r>
-            <a:r>
-              <a:rPr lang="en-US" sz="3950" b="1" dirty="0">
-                <a:solidFill>
-                  <a:srgbClr val="66FFFF"/>
-                </a:solidFill>
-                <a:latin typeface="Arial" panose="020B0604020202020204" pitchFamily="34" charset="0"/>
-                <a:cs typeface="Arial" panose="020B0604020202020204" pitchFamily="34" charset="0"/>
-              </a:rPr>
-              <a:t>? </a:t>
-            </a:r>
-          </a:p>
-          <a:p>
-            <a:pPr algn="ctr"/>
-            <a:r>
-              <a:rPr lang="en-US" sz="3950" b="1" dirty="0">
-                <a:solidFill>
-                  <a:srgbClr val="66FFFF"/>
-                </a:solidFill>
-                <a:latin typeface="Arial" panose="020B0604020202020204" pitchFamily="34" charset="0"/>
-                <a:cs typeface="Arial" panose="020B0604020202020204" pitchFamily="34" charset="0"/>
-              </a:rPr>
-              <a:t>har-</a:t>
-            </a:r>
-            <a:r>
-              <a:rPr lang="en-US" sz="3950" b="1" dirty="0" err="1">
-                <a:solidFill>
-                  <a:srgbClr val="66FFFF"/>
-                </a:solidFill>
-                <a:latin typeface="Arial" panose="020B0604020202020204" pitchFamily="34" charset="0"/>
-                <a:cs typeface="Arial" panose="020B0604020202020204" pitchFamily="34" charset="0"/>
-              </a:rPr>
-              <a:t>kamjori</a:t>
-            </a:r>
-            <a:r>
-              <a:rPr lang="en-US" sz="3950" b="1" dirty="0">
-                <a:solidFill>
-                  <a:srgbClr val="66FFFF"/>
-                </a:solidFill>
-                <a:latin typeface="Arial" panose="020B0604020202020204" pitchFamily="34" charset="0"/>
-                <a:cs typeface="Arial" panose="020B0604020202020204" pitchFamily="34" charset="0"/>
-              </a:rPr>
-              <a:t> </a:t>
-            </a:r>
-            <a:r>
-              <a:rPr lang="en-US" sz="3950" b="1" dirty="0" err="1">
-                <a:solidFill>
-                  <a:srgbClr val="66FFFF"/>
-                </a:solidFill>
-                <a:latin typeface="Arial" panose="020B0604020202020204" pitchFamily="34" charset="0"/>
-                <a:cs typeface="Arial" panose="020B0604020202020204" pitchFamily="34" charset="0"/>
-              </a:rPr>
-              <a:t>yeshu</a:t>
-            </a:r>
-            <a:r>
-              <a:rPr lang="en-US" sz="3950" b="1" dirty="0">
-                <a:solidFill>
-                  <a:srgbClr val="66FFFF"/>
-                </a:solidFill>
-                <a:latin typeface="Arial" panose="020B0604020202020204" pitchFamily="34" charset="0"/>
-                <a:cs typeface="Arial" panose="020B0604020202020204" pitchFamily="34" charset="0"/>
-              </a:rPr>
-              <a:t> </a:t>
-            </a:r>
-            <a:r>
-              <a:rPr lang="en-US" sz="3950" b="1" dirty="0" err="1">
-                <a:solidFill>
-                  <a:srgbClr val="66FFFF"/>
-                </a:solidFill>
-                <a:latin typeface="Arial" panose="020B0604020202020204" pitchFamily="34" charset="0"/>
-                <a:cs typeface="Arial" panose="020B0604020202020204" pitchFamily="34" charset="0"/>
-              </a:rPr>
-              <a:t>bujh-chan</a:t>
-            </a:r>
-            <a:r>
-              <a:rPr lang="en-US" sz="3950" b="1" dirty="0">
-                <a:solidFill>
-                  <a:srgbClr val="66FFFF"/>
-                </a:solidFill>
-                <a:latin typeface="Arial" panose="020B0604020202020204" pitchFamily="34" charset="0"/>
-                <a:cs typeface="Arial" panose="020B0604020202020204" pitchFamily="34" charset="0"/>
-              </a:rPr>
-              <a:t>,</a:t>
-            </a:r>
-          </a:p>
-          <a:p>
-            <a:pPr algn="ctr"/>
-            <a:r>
-              <a:rPr lang="en-US" sz="3950" b="1" dirty="0" err="1">
-                <a:solidFill>
-                  <a:srgbClr val="66FFFF"/>
-                </a:solidFill>
-                <a:latin typeface="Arial" panose="020B0604020202020204" pitchFamily="34" charset="0"/>
-                <a:cs typeface="Arial" panose="020B0604020202020204" pitchFamily="34" charset="0"/>
-              </a:rPr>
-              <a:t>khrisT-laai</a:t>
-            </a:r>
-            <a:r>
-              <a:rPr lang="en-US" sz="3950" b="1" dirty="0">
-                <a:solidFill>
-                  <a:srgbClr val="66FFFF"/>
-                </a:solidFill>
-                <a:latin typeface="Arial" panose="020B0604020202020204" pitchFamily="34" charset="0"/>
-                <a:cs typeface="Arial" panose="020B0604020202020204" pitchFamily="34" charset="0"/>
-              </a:rPr>
-              <a:t> </a:t>
-            </a:r>
-            <a:r>
-              <a:rPr lang="en-US" sz="3950" b="1" dirty="0" err="1">
-                <a:solidFill>
-                  <a:srgbClr val="66FFFF"/>
-                </a:solidFill>
-                <a:latin typeface="Arial" panose="020B0604020202020204" pitchFamily="34" charset="0"/>
-                <a:cs typeface="Arial" panose="020B0604020202020204" pitchFamily="34" charset="0"/>
-              </a:rPr>
-              <a:t>bhanauň</a:t>
-            </a:r>
-            <a:r>
-              <a:rPr lang="en-US" sz="3950" b="1" dirty="0">
-                <a:solidFill>
-                  <a:srgbClr val="66FFFF"/>
-                </a:solidFill>
-                <a:latin typeface="Arial" panose="020B0604020202020204" pitchFamily="34" charset="0"/>
-                <a:cs typeface="Arial" panose="020B0604020202020204" pitchFamily="34" charset="0"/>
-              </a:rPr>
-              <a:t> </a:t>
-            </a:r>
-            <a:r>
-              <a:rPr lang="en-US" sz="3950" b="1" dirty="0" err="1">
-                <a:solidFill>
-                  <a:srgbClr val="66FFFF"/>
-                </a:solidFill>
-                <a:latin typeface="Arial" panose="020B0604020202020204" pitchFamily="34" charset="0"/>
-                <a:cs typeface="Arial" panose="020B0604020202020204" pitchFamily="34" charset="0"/>
-              </a:rPr>
-              <a:t>praarth'n</a:t>
-            </a:r>
-            <a:r>
-              <a:rPr lang="en-US" sz="3950" b="1" dirty="0">
-                <a:solidFill>
-                  <a:srgbClr val="66FFFF"/>
-                </a:solidFill>
-                <a:latin typeface="Arial" panose="020B0604020202020204" pitchFamily="34" charset="0"/>
-                <a:cs typeface="Arial" panose="020B0604020202020204" pitchFamily="34" charset="0"/>
-              </a:rPr>
-              <a:t> aa-</a:t>
-            </a:r>
-            <a:r>
-              <a:rPr lang="en-US" sz="3950" b="1" dirty="0" err="1">
-                <a:solidFill>
-                  <a:srgbClr val="66FFFF"/>
-                </a:solidFill>
-                <a:latin typeface="Arial" panose="020B0604020202020204" pitchFamily="34" charset="0"/>
-                <a:cs typeface="Arial" panose="020B0604020202020204" pitchFamily="34" charset="0"/>
-              </a:rPr>
-              <a:t>maa</a:t>
-            </a:r>
-            <a:r>
-              <a:rPr lang="en-US" sz="3950" b="1" dirty="0">
-                <a:solidFill>
-                  <a:srgbClr val="66FFFF"/>
-                </a:solidFill>
-                <a:latin typeface="Arial" panose="020B0604020202020204" pitchFamily="34" charset="0"/>
-                <a:cs typeface="Arial" panose="020B0604020202020204" pitchFamily="34" charset="0"/>
-              </a:rPr>
-              <a:t>.</a:t>
-            </a:r>
-            <a:endParaRPr sz="3950" b="1" i="1" dirty="0">
+              <a:rPr lang="en-US" sz="5400" b="1" dirty="0" err="1">
+                <a:solidFill>
+                  <a:srgbClr val="FFFF00"/>
+                </a:solidFill>
+                <a:latin typeface="Arial" panose="020B0604020202020204" pitchFamily="34" charset="0"/>
+                <a:cs typeface="Arial" panose="020B0604020202020204" pitchFamily="34" charset="0"/>
+              </a:rPr>
+              <a:t>prarthana</a:t>
+            </a:r>
+            <a:r>
+              <a:rPr lang="en-US" sz="5400" b="1" dirty="0">
+                <a:solidFill>
+                  <a:srgbClr val="FFFF00"/>
+                </a:solidFill>
+                <a:latin typeface="Arial" panose="020B0604020202020204" pitchFamily="34" charset="0"/>
+                <a:cs typeface="Arial" panose="020B0604020202020204" pitchFamily="34" charset="0"/>
+              </a:rPr>
+              <a:t> ma.</a:t>
+            </a:r>
+            <a:endParaRPr sz="5400" b="1" i="1" dirty="0">
               <a:solidFill>
-                <a:srgbClr val="66FFFF"/>
+                <a:srgbClr val="FFFF00"/>
               </a:solidFill>
               <a:latin typeface="Arial" panose="020B0604020202020204" pitchFamily="34" charset="0"/>
               <a:ea typeface="Arial Narrow"/>
@@ -5025,7 +5381,7 @@
     </p:spTree>
     <p:extLst>
       <p:ext uri="{BB962C8B-B14F-4D97-AF65-F5344CB8AC3E}">
-        <p14:creationId xmlns:p14="http://schemas.microsoft.com/office/powerpoint/2010/main" val="3749937806"/>
+        <p14:creationId xmlns:p14="http://schemas.microsoft.com/office/powerpoint/2010/main" val="212655530"/>
       </p:ext>
     </p:extLst>
   </p:cSld>
@@ -5072,8 +5428,8 @@
         </p:nvSpPr>
         <p:spPr>
           <a:xfrm>
-            <a:off x="1737478" y="367106"/>
-            <a:ext cx="9178090" cy="5973751"/>
+            <a:off x="1250923" y="1592439"/>
+            <a:ext cx="9690153" cy="3673121"/>
           </a:xfrm>
           <a:prstGeom prst="rect">
             <a:avLst/>
@@ -5083,7 +5439,7 @@
           </a:ln>
           <a:extLst>
             <a:ext uri="{C572A759-6A51-4108-AA02-DFA0A04FC94B}">
-              <ma14:wrappingTextBoxFlag xmlns:ma14="http://schemas.microsoft.com/office/mac/drawingml/2011/main" xmlns="" val="1"/>
+              <ma14:wrappingTextBoxFlag xmlns="" xmlns:ma14="http://schemas.microsoft.com/office/mac/drawingml/2011/main" val="1"/>
             </a:ext>
           </a:extLst>
         </p:spPr>
@@ -5092,13 +5448,6 @@
             <a:spAutoFit/>
           </a:bodyPr>
           <a:lstStyle/>
-          <a:p>
-            <a:pPr algn="ctr"/>
-            <a:r>
-              <a:rPr lang="en-US" i="1" dirty="0"/>
-              <a:t>Verse 3:</a:t>
-            </a:r>
-          </a:p>
           <a:p>
             <a:pPr lvl="0" algn="ctr" defTabSz="914400" eaLnBrk="0" fontAlgn="base" hangingPunct="0">
               <a:spcBef>
@@ -5109,33 +5458,14 @@
               </a:spcAft>
             </a:pPr>
             <a:r>
-              <a:rPr lang="hi-IN" altLang="en-US" sz="4000" b="1" dirty="0">
+              <a:rPr lang="hi-IN" altLang="en-US" sz="5400" b="1" dirty="0">
                 <a:latin typeface="Arial Unicode MS"/>
-                <a:cs typeface="+mj-cs"/>
-              </a:rPr>
-              <a:t>हामी छौँ कि निर्बल</a:t>
-            </a:r>
-            <a:r>
-              <a:rPr lang="en-US" altLang="en-US" sz="4000" b="1" dirty="0">
-                <a:latin typeface="Arial Unicode MS"/>
-                <a:cs typeface="+mj-cs"/>
-              </a:rPr>
-              <a:t>, </a:t>
-            </a:r>
-            <a:r>
-              <a:rPr lang="hi-IN" altLang="en-US" sz="4000" b="1" dirty="0">
-                <a:latin typeface="Arial Unicode MS"/>
-                <a:cs typeface="+mj-cs"/>
-              </a:rPr>
-              <a:t>दुःखित</a:t>
-            </a:r>
-            <a:r>
-              <a:rPr lang="en-US" altLang="en-US" sz="4000" b="1" dirty="0">
-                <a:latin typeface="Arial Unicode MS"/>
-                <a:cs typeface="+mj-cs"/>
-              </a:rPr>
-              <a:t>, </a:t>
-            </a:r>
+              </a:rPr>
+              <a:t>चारैतिरबाट आउँछ </a:t>
+            </a:r>
+            <a:endParaRPr lang="en-US" altLang="en-US" sz="5400" b="1" dirty="0">
+              <a:latin typeface="Arial Unicode MS"/>
+            </a:endParaRPr>
           </a:p>
           <a:p>
             <a:pPr lvl="0" algn="ctr" defTabSz="914400" eaLnBrk="0" fontAlgn="base" hangingPunct="0">
@@ -5147,92 +5477,31 @@
               </a:spcAft>
             </a:pPr>
             <a:r>
-              <a:rPr lang="hi-IN" altLang="en-US" sz="4000" b="1" dirty="0">
+              <a:rPr lang="hi-IN" altLang="en-US" sz="5400" b="1" dirty="0">
                 <a:latin typeface="Arial Unicode MS"/>
-                <a:cs typeface="+mj-cs"/>
-              </a:rPr>
-              <a:t>चिन्ता</a:t>
-            </a:r>
-            <a:r>
-              <a:rPr lang="en-US" altLang="en-US" sz="4000" b="1" dirty="0">
+              </a:rPr>
+              <a:t>संकट</a:t>
+            </a:r>
+            <a:r>
+              <a:rPr lang="en-US" altLang="en-US" sz="5400" b="1" dirty="0">
                 <a:latin typeface="Arial Unicode MS"/>
-                <a:cs typeface="+mj-cs"/>
+                <a:cs typeface="Mangal" panose="02040503050203030202" pitchFamily="18" charset="0"/>
               </a:rPr>
               <a:t>, </a:t>
             </a:r>
             <a:r>
-              <a:rPr lang="hi-IN" altLang="en-US" sz="4000" b="1" dirty="0">
+              <a:rPr lang="hi-IN" altLang="en-US" sz="5400" b="1" dirty="0">
                 <a:latin typeface="Arial Unicode MS"/>
-                <a:cs typeface="+mj-cs"/>
-              </a:rPr>
-              <a:t>बोझले लादिएका </a:t>
-            </a:r>
-            <a:r>
-              <a:rPr lang="en-US" altLang="en-US" sz="4000" b="1" dirty="0">
-                <a:latin typeface="Arial Unicode MS"/>
-                <a:cs typeface="+mj-cs"/>
-              </a:rPr>
-              <a:t>? </a:t>
-            </a:r>
-          </a:p>
-          <a:p>
-            <a:pPr lvl="0" algn="ctr" defTabSz="914400" eaLnBrk="0" fontAlgn="base" hangingPunct="0">
-              <a:spcBef>
-                <a:spcPct val="0"/>
-              </a:spcBef>
-              <a:spcAft>
-                <a:spcPct val="0"/>
-              </a:spcAft>
-            </a:pPr>
-            <a:r>
-              <a:rPr lang="hi-IN" altLang="en-US" sz="4000" b="1" dirty="0">
-                <a:latin typeface="Arial Unicode MS"/>
-                <a:cs typeface="+mj-cs"/>
-              </a:rPr>
-              <a:t>हाम्रो आश्रय खालि येशू </a:t>
-            </a:r>
-            <a:endParaRPr lang="en-US" altLang="en-US" sz="4000" b="1" dirty="0">
+              </a:rPr>
+              <a:t>क्लेश र परीक्षा </a:t>
+            </a:r>
+            <a:endParaRPr lang="en-US" altLang="en-US" sz="5400" b="1" dirty="0">
               <a:latin typeface="Arial Unicode MS"/>
-              <a:cs typeface="+mj-cs"/>
             </a:endParaRPr>
           </a:p>
           <a:p>
-            <a:pPr lvl="0" algn="ctr" defTabSz="914400" eaLnBrk="0" fontAlgn="base" hangingPunct="0">
-              <a:spcBef>
-                <a:spcPct val="0"/>
-              </a:spcBef>
-              <a:spcAft>
-                <a:spcPct val="0"/>
-              </a:spcAft>
-            </a:pPr>
-            <a:r>
-              <a:rPr lang="hi-IN" altLang="en-US" sz="4000" b="1" dirty="0">
-                <a:latin typeface="Arial Unicode MS"/>
-                <a:cs typeface="+mj-cs"/>
-              </a:rPr>
-              <a:t>ख्रीष्टलाई भनौँ प्रार्थनामा</a:t>
-            </a:r>
-            <a:r>
-              <a:rPr lang="en-US" altLang="en-US" sz="4000" b="1" dirty="0">
-                <a:latin typeface="Arial Unicode MS"/>
-                <a:cs typeface="+mj-cs"/>
-              </a:rPr>
-              <a:t>,</a:t>
-            </a:r>
-            <a:r>
-              <a:rPr lang="en-US" altLang="en-US" sz="4800" b="1" dirty="0">
-                <a:cs typeface="+mj-cs"/>
-              </a:rPr>
-              <a:t> </a:t>
-            </a:r>
-            <a:endParaRPr lang="en-US" altLang="en-US" sz="7200" b="1" dirty="0">
-              <a:latin typeface="Arial" panose="020B0604020202020204" pitchFamily="34" charset="0"/>
-              <a:cs typeface="+mj-cs"/>
-            </a:endParaRPr>
-          </a:p>
-          <a:p>
             <a:pPr algn="ctr"/>
-            <a:endParaRPr lang="en-US" sz="3950" b="1" i="1" dirty="0">
+            <a:endParaRPr lang="en-US" b="1" i="1" dirty="0">
               <a:latin typeface="Arial" panose="020B0604020202020204" pitchFamily="34" charset="0"/>
               <a:cs typeface="Arial" panose="020B0604020202020204" pitchFamily="34" charset="0"/>
             </a:endParaRPr>
@@ -5240,19 +5509,19 @@
           <a:p>
             <a:pPr algn="ctr"/>
             <a:r>
-              <a:rPr lang="en-US" sz="3950" b="1" dirty="0" err="1">
-                <a:solidFill>
-                  <a:srgbClr val="66FFFF"/>
-                </a:solidFill>
-                <a:latin typeface="Arial" panose="020B0604020202020204" pitchFamily="34" charset="0"/>
-                <a:cs typeface="Arial" panose="020B0604020202020204" pitchFamily="34" charset="0"/>
-              </a:rPr>
-              <a:t>haamro</a:t>
-            </a:r>
-            <a:r>
-              <a:rPr lang="en-US" sz="3950" b="1" dirty="0">
-                <a:solidFill>
-                  <a:srgbClr val="66FFFF"/>
+              <a:rPr lang="en-US" sz="5400" b="1" dirty="0" err="1">
+                <a:solidFill>
+                  <a:srgbClr val="FFFF00"/>
+                </a:solidFill>
+                <a:latin typeface="Arial" panose="020B0604020202020204" pitchFamily="34" charset="0"/>
+                <a:cs typeface="Arial" panose="020B0604020202020204" pitchFamily="34" charset="0"/>
+              </a:rPr>
+              <a:t>caarai-tira-baaTa</a:t>
+            </a:r>
+            <a:r>
+              <a:rPr lang="en-US" sz="5400" b="1" dirty="0">
+                <a:solidFill>
+                  <a:srgbClr val="FFFF00"/>
                 </a:solidFill>
                 <a:latin typeface="Arial" panose="020B0604020202020204" pitchFamily="34" charset="0"/>
                 <a:cs typeface="Arial" panose="020B0604020202020204" pitchFamily="34" charset="0"/>
@@ -5260,320 +5529,95 @@
               <a:t> </a:t>
             </a:r>
             <a:r>
-              <a:rPr lang="en-US" sz="3950" b="1" dirty="0" err="1">
-                <a:solidFill>
-                  <a:srgbClr val="66FFFF"/>
-                </a:solidFill>
-                <a:latin typeface="Arial" panose="020B0604020202020204" pitchFamily="34" charset="0"/>
-                <a:cs typeface="Arial" panose="020B0604020202020204" pitchFamily="34" charset="0"/>
-              </a:rPr>
-              <a:t>sabai</a:t>
-            </a:r>
-            <a:r>
-              <a:rPr lang="en-US" sz="3950" b="1" dirty="0">
-                <a:solidFill>
-                  <a:srgbClr val="66FFFF"/>
-                </a:solidFill>
-                <a:latin typeface="Arial" panose="020B0604020202020204" pitchFamily="34" charset="0"/>
-                <a:cs typeface="Arial" panose="020B0604020202020204" pitchFamily="34" charset="0"/>
-              </a:rPr>
-              <a:t> </a:t>
-            </a:r>
-            <a:r>
-              <a:rPr lang="en-US" sz="3950" b="1" dirty="0" err="1">
-                <a:solidFill>
-                  <a:srgbClr val="66FFFF"/>
-                </a:solidFill>
-                <a:latin typeface="Arial" panose="020B0604020202020204" pitchFamily="34" charset="0"/>
-                <a:cs typeface="Arial" panose="020B0604020202020204" pitchFamily="34" charset="0"/>
-              </a:rPr>
-              <a:t>dukh-kaa</a:t>
-            </a:r>
-            <a:r>
-              <a:rPr lang="en-US" sz="3950" b="1" dirty="0">
-                <a:solidFill>
-                  <a:srgbClr val="66FFFF"/>
-                </a:solidFill>
-                <a:latin typeface="Arial" panose="020B0604020202020204" pitchFamily="34" charset="0"/>
-                <a:cs typeface="Arial" panose="020B0604020202020204" pitchFamily="34" charset="0"/>
-              </a:rPr>
-              <a:t> b </a:t>
-            </a:r>
-            <a:r>
-              <a:rPr lang="en-US" sz="3950" b="1" dirty="0" err="1">
-                <a:solidFill>
-                  <a:srgbClr val="66FFFF"/>
-                </a:solidFill>
-                <a:latin typeface="Arial" panose="020B0604020202020204" pitchFamily="34" charset="0"/>
-                <a:cs typeface="Arial" panose="020B0604020202020204" pitchFamily="34" charset="0"/>
-              </a:rPr>
-              <a:t>haagi</a:t>
-            </a:r>
-            <a:r>
-              <a:rPr lang="en-US" sz="3950" b="1" dirty="0">
-                <a:solidFill>
-                  <a:srgbClr val="66FFFF"/>
-                </a:solidFill>
-                <a:latin typeface="Arial" panose="020B0604020202020204" pitchFamily="34" charset="0"/>
-                <a:cs typeface="Arial" panose="020B0604020202020204" pitchFamily="34" charset="0"/>
-              </a:rPr>
-              <a:t>,</a:t>
+              <a:rPr lang="en-US" sz="5400" b="1" dirty="0" err="1">
+                <a:solidFill>
+                  <a:srgbClr val="FFFF00"/>
+                </a:solidFill>
+                <a:latin typeface="Arial" panose="020B0604020202020204" pitchFamily="34" charset="0"/>
+                <a:cs typeface="Arial" panose="020B0604020202020204" pitchFamily="34" charset="0"/>
+              </a:rPr>
+              <a:t>aauňch</a:t>
+            </a:r>
+            <a:r>
+              <a:rPr lang="en-US" sz="5400" b="1" dirty="0">
+                <a:solidFill>
+                  <a:srgbClr val="FFFF00"/>
+                </a:solidFill>
+                <a:latin typeface="Arial" panose="020B0604020202020204" pitchFamily="34" charset="0"/>
+                <a:cs typeface="Arial" panose="020B0604020202020204" pitchFamily="34" charset="0"/>
+              </a:rPr>
+              <a:t> a</a:t>
             </a:r>
           </a:p>
           <a:p>
             <a:pPr algn="ctr"/>
             <a:r>
-              <a:rPr lang="en-US" sz="3950" b="1" dirty="0" err="1">
-                <a:solidFill>
-                  <a:srgbClr val="66FFFF"/>
-                </a:solidFill>
-                <a:latin typeface="Arial" panose="020B0604020202020204" pitchFamily="34" charset="0"/>
-                <a:cs typeface="Arial" panose="020B0604020202020204" pitchFamily="34" charset="0"/>
-              </a:rPr>
-              <a:t>yesto</a:t>
-            </a:r>
-            <a:r>
-              <a:rPr lang="en-US" sz="3950" b="1" dirty="0">
-                <a:solidFill>
-                  <a:srgbClr val="66FFFF"/>
-                </a:solidFill>
-                <a:latin typeface="Arial" panose="020B0604020202020204" pitchFamily="34" charset="0"/>
-                <a:cs typeface="Arial" panose="020B0604020202020204" pitchFamily="34" charset="0"/>
-              </a:rPr>
-              <a:t> </a:t>
-            </a:r>
-            <a:r>
-              <a:rPr lang="en-US" sz="3950" b="1" dirty="0" err="1">
-                <a:solidFill>
-                  <a:srgbClr val="66FFFF"/>
-                </a:solidFill>
-                <a:latin typeface="Arial" panose="020B0604020202020204" pitchFamily="34" charset="0"/>
-                <a:cs typeface="Arial" panose="020B0604020202020204" pitchFamily="34" charset="0"/>
-              </a:rPr>
-              <a:t>mitra</a:t>
-            </a:r>
-            <a:r>
-              <a:rPr lang="en-US" sz="3950" b="1" dirty="0">
-                <a:solidFill>
-                  <a:srgbClr val="66FFFF"/>
-                </a:solidFill>
-                <a:latin typeface="Arial" panose="020B0604020202020204" pitchFamily="34" charset="0"/>
-                <a:cs typeface="Arial" panose="020B0604020202020204" pitchFamily="34" charset="0"/>
-              </a:rPr>
-              <a:t> </a:t>
-            </a:r>
-            <a:r>
-              <a:rPr lang="en-US" sz="3950" b="1" dirty="0" err="1">
-                <a:solidFill>
-                  <a:srgbClr val="66FFFF"/>
-                </a:solidFill>
-                <a:latin typeface="Arial" panose="020B0604020202020204" pitchFamily="34" charset="0"/>
-                <a:cs typeface="Arial" panose="020B0604020202020204" pitchFamily="34" charset="0"/>
-              </a:rPr>
-              <a:t>ka'aaň</a:t>
-            </a:r>
-            <a:r>
-              <a:rPr lang="en-US" sz="3950" b="1" dirty="0">
-                <a:solidFill>
-                  <a:srgbClr val="66FFFF"/>
-                </a:solidFill>
-                <a:latin typeface="Arial" panose="020B0604020202020204" pitchFamily="34" charset="0"/>
-                <a:cs typeface="Arial" panose="020B0604020202020204" pitchFamily="34" charset="0"/>
-              </a:rPr>
-              <a:t> </a:t>
-            </a:r>
-            <a:r>
-              <a:rPr lang="en-US" sz="3950" b="1" dirty="0" err="1">
-                <a:solidFill>
-                  <a:srgbClr val="66FFFF"/>
-                </a:solidFill>
-                <a:latin typeface="Arial" panose="020B0604020202020204" pitchFamily="34" charset="0"/>
-                <a:cs typeface="Arial" panose="020B0604020202020204" pitchFamily="34" charset="0"/>
-              </a:rPr>
-              <a:t>paauňlaa</a:t>
-            </a:r>
-            <a:r>
-              <a:rPr lang="en-US" sz="3950" b="1" dirty="0">
-                <a:solidFill>
-                  <a:srgbClr val="66FFFF"/>
-                </a:solidFill>
-                <a:latin typeface="Arial" panose="020B0604020202020204" pitchFamily="34" charset="0"/>
-                <a:cs typeface="Arial" panose="020B0604020202020204" pitchFamily="34" charset="0"/>
-              </a:rPr>
-              <a:t>? </a:t>
-            </a:r>
-          </a:p>
-          <a:p>
-            <a:pPr algn="ctr"/>
-            <a:r>
-              <a:rPr lang="en-US" sz="3950" b="1" dirty="0">
-                <a:solidFill>
-                  <a:srgbClr val="66FFFF"/>
-                </a:solidFill>
-                <a:latin typeface="Arial" panose="020B0604020202020204" pitchFamily="34" charset="0"/>
-                <a:cs typeface="Arial" panose="020B0604020202020204" pitchFamily="34" charset="0"/>
-              </a:rPr>
-              <a:t>har-</a:t>
-            </a:r>
-            <a:r>
-              <a:rPr lang="en-US" sz="3950" b="1" dirty="0" err="1">
-                <a:solidFill>
-                  <a:srgbClr val="66FFFF"/>
-                </a:solidFill>
-                <a:latin typeface="Arial" panose="020B0604020202020204" pitchFamily="34" charset="0"/>
-                <a:cs typeface="Arial" panose="020B0604020202020204" pitchFamily="34" charset="0"/>
-              </a:rPr>
-              <a:t>kamjori</a:t>
-            </a:r>
-            <a:r>
-              <a:rPr lang="en-US" sz="3950" b="1" dirty="0">
-                <a:solidFill>
-                  <a:srgbClr val="66FFFF"/>
-                </a:solidFill>
-                <a:latin typeface="Arial" panose="020B0604020202020204" pitchFamily="34" charset="0"/>
-                <a:cs typeface="Arial" panose="020B0604020202020204" pitchFamily="34" charset="0"/>
-              </a:rPr>
-              <a:t> </a:t>
-            </a:r>
-            <a:r>
-              <a:rPr lang="en-US" sz="3950" b="1" dirty="0" err="1">
-                <a:solidFill>
-                  <a:srgbClr val="66FFFF"/>
-                </a:solidFill>
-                <a:latin typeface="Arial" panose="020B0604020202020204" pitchFamily="34" charset="0"/>
-                <a:cs typeface="Arial" panose="020B0604020202020204" pitchFamily="34" charset="0"/>
-              </a:rPr>
-              <a:t>yeshu</a:t>
-            </a:r>
-            <a:r>
-              <a:rPr lang="en-US" sz="3950" b="1" dirty="0">
-                <a:solidFill>
-                  <a:srgbClr val="66FFFF"/>
-                </a:solidFill>
-                <a:latin typeface="Arial" panose="020B0604020202020204" pitchFamily="34" charset="0"/>
-                <a:cs typeface="Arial" panose="020B0604020202020204" pitchFamily="34" charset="0"/>
-              </a:rPr>
-              <a:t> </a:t>
-            </a:r>
-            <a:r>
-              <a:rPr lang="en-US" sz="3950" b="1" dirty="0" err="1">
-                <a:solidFill>
-                  <a:srgbClr val="66FFFF"/>
-                </a:solidFill>
-                <a:latin typeface="Arial" panose="020B0604020202020204" pitchFamily="34" charset="0"/>
-                <a:cs typeface="Arial" panose="020B0604020202020204" pitchFamily="34" charset="0"/>
-              </a:rPr>
-              <a:t>bujh-chan</a:t>
-            </a:r>
-            <a:r>
-              <a:rPr lang="en-US" sz="3950" b="1" dirty="0">
-                <a:solidFill>
-                  <a:srgbClr val="66FFFF"/>
-                </a:solidFill>
-                <a:latin typeface="Arial" panose="020B0604020202020204" pitchFamily="34" charset="0"/>
-                <a:cs typeface="Arial" panose="020B0604020202020204" pitchFamily="34" charset="0"/>
-              </a:rPr>
-              <a:t>,</a:t>
-            </a:r>
-          </a:p>
-          <a:p>
-            <a:pPr algn="ctr"/>
-            <a:r>
-              <a:rPr lang="en-US" sz="3950" b="1" dirty="0" err="1">
-                <a:solidFill>
-                  <a:srgbClr val="66FFFF"/>
-                </a:solidFill>
-                <a:latin typeface="Arial" panose="020B0604020202020204" pitchFamily="34" charset="0"/>
-                <a:cs typeface="Arial" panose="020B0604020202020204" pitchFamily="34" charset="0"/>
-              </a:rPr>
-              <a:t>khrisT-laai</a:t>
-            </a:r>
-            <a:r>
-              <a:rPr lang="en-US" sz="3950" b="1" dirty="0">
-                <a:solidFill>
-                  <a:srgbClr val="66FFFF"/>
-                </a:solidFill>
-                <a:latin typeface="Arial" panose="020B0604020202020204" pitchFamily="34" charset="0"/>
-                <a:cs typeface="Arial" panose="020B0604020202020204" pitchFamily="34" charset="0"/>
-              </a:rPr>
-              <a:t> </a:t>
-            </a:r>
-            <a:r>
-              <a:rPr lang="en-US" sz="3950" b="1" dirty="0" err="1">
-                <a:solidFill>
-                  <a:srgbClr val="66FFFF"/>
-                </a:solidFill>
-                <a:latin typeface="Arial" panose="020B0604020202020204" pitchFamily="34" charset="0"/>
-                <a:cs typeface="Arial" panose="020B0604020202020204" pitchFamily="34" charset="0"/>
-              </a:rPr>
-              <a:t>bhanauň</a:t>
-            </a:r>
-            <a:r>
-              <a:rPr lang="en-US" sz="3950" b="1" dirty="0">
-                <a:solidFill>
-                  <a:srgbClr val="66FFFF"/>
-                </a:solidFill>
-                <a:latin typeface="Arial" panose="020B0604020202020204" pitchFamily="34" charset="0"/>
-                <a:cs typeface="Arial" panose="020B0604020202020204" pitchFamily="34" charset="0"/>
-              </a:rPr>
-              <a:t> </a:t>
-            </a:r>
-            <a:r>
-              <a:rPr lang="en-US" sz="3950" b="1" dirty="0" err="1">
-                <a:solidFill>
-                  <a:srgbClr val="66FFFF"/>
-                </a:solidFill>
-                <a:latin typeface="Arial" panose="020B0604020202020204" pitchFamily="34" charset="0"/>
-                <a:cs typeface="Arial" panose="020B0604020202020204" pitchFamily="34" charset="0"/>
-              </a:rPr>
-              <a:t>praarth'n</a:t>
-            </a:r>
-            <a:r>
-              <a:rPr lang="en-US" sz="3950" b="1" dirty="0">
-                <a:solidFill>
-                  <a:srgbClr val="66FFFF"/>
-                </a:solidFill>
-                <a:latin typeface="Arial" panose="020B0604020202020204" pitchFamily="34" charset="0"/>
-                <a:cs typeface="Arial" panose="020B0604020202020204" pitchFamily="34" charset="0"/>
-              </a:rPr>
-              <a:t> aa-</a:t>
-            </a:r>
-            <a:r>
-              <a:rPr lang="en-US" sz="3950" b="1" dirty="0" err="1">
-                <a:solidFill>
-                  <a:srgbClr val="66FFFF"/>
-                </a:solidFill>
-                <a:latin typeface="Arial" panose="020B0604020202020204" pitchFamily="34" charset="0"/>
-                <a:cs typeface="Arial" panose="020B0604020202020204" pitchFamily="34" charset="0"/>
-              </a:rPr>
-              <a:t>maa</a:t>
-            </a:r>
-            <a:r>
-              <a:rPr lang="en-US" sz="3950" b="1" dirty="0">
-                <a:solidFill>
-                  <a:srgbClr val="66FFFF"/>
-                </a:solidFill>
-                <a:latin typeface="Arial" panose="020B0604020202020204" pitchFamily="34" charset="0"/>
-                <a:cs typeface="Arial" panose="020B0604020202020204" pitchFamily="34" charset="0"/>
-              </a:rPr>
-              <a:t>.</a:t>
-            </a:r>
-            <a:endParaRPr sz="3950" b="1" i="1" dirty="0">
-              <a:solidFill>
-                <a:srgbClr val="66FFFF"/>
-              </a:solidFill>
-              <a:latin typeface="Arial" panose="020B0604020202020204" pitchFamily="34" charset="0"/>
-              <a:ea typeface="Arial Narrow"/>
-              <a:cs typeface="Arial" panose="020B0604020202020204" pitchFamily="34" charset="0"/>
-              <a:sym typeface="Arial Narrow"/>
-            </a:endParaRPr>
+              <a:rPr lang="en-US" sz="5400" b="1" dirty="0" err="1">
+                <a:solidFill>
+                  <a:srgbClr val="FFFF00"/>
+                </a:solidFill>
+                <a:latin typeface="Arial" panose="020B0604020202020204" pitchFamily="34" charset="0"/>
+                <a:cs typeface="Arial" panose="020B0604020202020204" pitchFamily="34" charset="0"/>
+              </a:rPr>
+              <a:t>sangkat</a:t>
+            </a:r>
+            <a:r>
+              <a:rPr lang="en-US" sz="5400" b="1" dirty="0">
+                <a:solidFill>
+                  <a:srgbClr val="FFFF00"/>
+                </a:solidFill>
+                <a:latin typeface="Arial" panose="020B0604020202020204" pitchFamily="34" charset="0"/>
+                <a:cs typeface="Arial" panose="020B0604020202020204" pitchFamily="34" charset="0"/>
+              </a:rPr>
+              <a:t>, </a:t>
+            </a:r>
+            <a:r>
+              <a:rPr lang="en-US" sz="5400" b="1" dirty="0" err="1">
+                <a:solidFill>
+                  <a:srgbClr val="FFFF00"/>
+                </a:solidFill>
+                <a:latin typeface="Arial" panose="020B0604020202020204" pitchFamily="34" charset="0"/>
+                <a:cs typeface="Arial" panose="020B0604020202020204" pitchFamily="34" charset="0"/>
+              </a:rPr>
+              <a:t>klesh</a:t>
+            </a:r>
+            <a:r>
+              <a:rPr lang="en-US" sz="5400" b="1" dirty="0">
+                <a:solidFill>
+                  <a:srgbClr val="FFFF00"/>
+                </a:solidFill>
+                <a:latin typeface="Arial" panose="020B0604020202020204" pitchFamily="34" charset="0"/>
+                <a:cs typeface="Arial" panose="020B0604020202020204" pitchFamily="34" charset="0"/>
+              </a:rPr>
+              <a:t> ra </a:t>
+            </a:r>
+            <a:r>
+              <a:rPr lang="en-US" sz="5400" b="1" dirty="0" err="1">
+                <a:solidFill>
+                  <a:srgbClr val="FFFF00"/>
+                </a:solidFill>
+                <a:latin typeface="Arial" panose="020B0604020202020204" pitchFamily="34" charset="0"/>
+                <a:cs typeface="Arial" panose="020B0604020202020204" pitchFamily="34" charset="0"/>
+              </a:rPr>
+              <a:t>parikchya</a:t>
+            </a:r>
+            <a:r>
+              <a:rPr lang="en-US" sz="5400" b="1" dirty="0">
+                <a:solidFill>
+                  <a:srgbClr val="FFFF00"/>
+                </a:solidFill>
+                <a:latin typeface="Arial" panose="020B0604020202020204" pitchFamily="34" charset="0"/>
+                <a:cs typeface="Arial" panose="020B0604020202020204" pitchFamily="34" charset="0"/>
+              </a:rPr>
+              <a:t> a</a:t>
+            </a:r>
           </a:p>
         </p:txBody>
       </p:sp>
     </p:spTree>
     <p:extLst>
       <p:ext uri="{BB962C8B-B14F-4D97-AF65-F5344CB8AC3E}">
-        <p14:creationId xmlns:p14="http://schemas.microsoft.com/office/powerpoint/2010/main" val="3679296511"/>
+        <p14:creationId xmlns:p14="http://schemas.microsoft.com/office/powerpoint/2010/main" val="3462955852"/>
       </p:ext>
     </p:extLst>
   </p:cSld>
@@ -5620,8 +5664,8 @@
         </p:nvSpPr>
         <p:spPr>
           <a:xfrm>
-            <a:off x="1737477" y="367108"/>
-            <a:ext cx="9178090" cy="5973751"/>
+            <a:off x="418035" y="1592439"/>
+            <a:ext cx="11355930" cy="3673121"/>
           </a:xfrm>
           <a:prstGeom prst="rect">
             <a:avLst/>
@@ -5631,7 +5675,7 @@
           </a:ln>
           <a:extLst>
             <a:ext uri="{C572A759-6A51-4108-AA02-DFA0A04FC94B}">
-              <ma14:wrappingTextBoxFlag xmlns:ma14="http://schemas.microsoft.com/office/mac/drawingml/2011/main" xmlns="" val="1"/>
+              <ma14:wrappingTextBoxFlag xmlns="" xmlns:ma14="http://schemas.microsoft.com/office/mac/drawingml/2011/main" val="1"/>
             </a:ext>
           </a:extLst>
         </p:spPr>
@@ -5640,13 +5684,6 @@
             <a:spAutoFit/>
           </a:bodyPr>
           <a:lstStyle/>
-          <a:p>
-            <a:pPr algn="ctr"/>
-            <a:r>
-              <a:rPr lang="en-US" i="1" dirty="0"/>
-              <a:t>Verse 3:</a:t>
-            </a:r>
-          </a:p>
           <a:p>
             <a:pPr lvl="0" algn="ctr" defTabSz="914400" eaLnBrk="0" fontAlgn="base" hangingPunct="0">
               <a:spcBef>
@@ -5657,18 +5694,27 @@
               </a:spcAft>
             </a:pPr>
             <a:r>
-              <a:rPr lang="hi-IN" altLang="en-US" sz="4000" b="1" dirty="0">
+              <a:rPr lang="hi-IN" altLang="en-US" sz="5400" b="1" dirty="0">
                 <a:latin typeface="Arial Unicode MS"/>
               </a:rPr>
-              <a:t>साथीले के गर्छन्‌ हेला </a:t>
-            </a:r>
-            <a:r>
-              <a:rPr lang="en-US" altLang="en-US" sz="4000" b="1" dirty="0">
+              <a:t>लौ</a:t>
+            </a:r>
+            <a:r>
+              <a:rPr lang="en-US" altLang="en-US" sz="5400" b="1" dirty="0">
                 <a:latin typeface="Arial Unicode MS"/>
                 <a:cs typeface="Mangal" panose="02040503050203030202" pitchFamily="18" charset="0"/>
               </a:rPr>
-              <a:t>? </a:t>
-            </a:r>
+              <a:t>, </a:t>
+            </a:r>
+            <a:r>
+              <a:rPr lang="hi-IN" altLang="en-US" sz="5400" b="1" dirty="0">
+                <a:latin typeface="Arial Unicode MS"/>
+              </a:rPr>
+              <a:t>हरेस खानुपर्दैन </a:t>
+            </a:r>
+            <a:endParaRPr lang="en-US" altLang="en-US" sz="5400" b="1" dirty="0">
+              <a:latin typeface="Arial Unicode MS"/>
+            </a:endParaRPr>
           </a:p>
           <a:p>
             <a:pPr lvl="0" algn="ctr" defTabSz="914400" eaLnBrk="0" fontAlgn="base" hangingPunct="0">
@@ -5680,13 +5726,24 @@
               </a:spcAft>
             </a:pPr>
             <a:r>
-              <a:rPr lang="hi-IN" altLang="en-US" sz="4000" b="1" dirty="0">
+              <a:rPr lang="hi-IN" altLang="en-US" sz="5400" b="1" dirty="0">
                 <a:latin typeface="Arial Unicode MS"/>
               </a:rPr>
-              <a:t>ख्रीष्टलाई भनौँ प्रार्थनामा </a:t>
-            </a:r>
-            <a:endParaRPr lang="en-US" altLang="en-US" sz="4000" b="1" dirty="0">
-              <a:latin typeface="Arial Unicode MS"/>
+              <a:t>ख्रीष्टलाई भनौँ प्रार्थनामा</a:t>
+            </a:r>
+            <a:r>
+              <a:rPr lang="en-US" altLang="en-US" sz="5400" b="1" dirty="0">
+                <a:latin typeface="Arial Unicode MS"/>
+                <a:cs typeface="Mangal" panose="02040503050203030202" pitchFamily="18" charset="0"/>
+              </a:rPr>
+              <a:t>,</a:t>
+            </a:r>
+            <a:r>
+              <a:rPr lang="en-US" altLang="en-US" sz="5400" b="1" dirty="0"/>
+              <a:t> </a:t>
+            </a:r>
+            <a:endParaRPr lang="en-US" altLang="en-US" sz="5400" b="1" dirty="0">
+              <a:latin typeface="Arial" panose="020B0604020202020204" pitchFamily="34" charset="0"/>
             </a:endParaRPr>
           </a:p>
           <a:p>
@@ -5698,20 +5755,218 @@
                 <a:spcPct val="0"/>
               </a:spcAft>
             </a:pPr>
-            <a:r>
-              <a:rPr lang="hi-IN" altLang="en-US" sz="4000" b="1" dirty="0">
-                <a:latin typeface="Arial Unicode MS"/>
-              </a:rPr>
-              <a:t>उनले रक्षा गर्छन्‌ हाम्रो</a:t>
-            </a:r>
-            <a:r>
-              <a:rPr lang="en-US" altLang="en-US" sz="4000" b="1" dirty="0">
-                <a:latin typeface="Arial Unicode MS"/>
-                <a:cs typeface="Mangal" panose="02040503050203030202" pitchFamily="18" charset="0"/>
-              </a:rPr>
-              <a:t>, </a:t>
-            </a:r>
-          </a:p>
+            <a:endParaRPr lang="en-US" b="1" dirty="0">
+              <a:solidFill>
+                <a:srgbClr val="FFFF00"/>
+              </a:solidFill>
+              <a:latin typeface="Arial" panose="020B0604020202020204" pitchFamily="34" charset="0"/>
+              <a:cs typeface="Arial" panose="020B0604020202020204" pitchFamily="34" charset="0"/>
+            </a:endParaRPr>
+          </a:p>
+          <a:p>
+            <a:pPr algn="ctr"/>
+            <a:r>
+              <a:rPr lang="en-US" sz="5400" b="1" dirty="0" err="1">
+                <a:solidFill>
+                  <a:srgbClr val="FFFF00"/>
+                </a:solidFill>
+                <a:latin typeface="Arial" panose="020B0604020202020204" pitchFamily="34" charset="0"/>
+                <a:cs typeface="Arial" panose="020B0604020202020204" pitchFamily="34" charset="0"/>
+              </a:rPr>
+              <a:t>lau</a:t>
+            </a:r>
+            <a:r>
+              <a:rPr lang="en-US" sz="5400" b="1" dirty="0">
+                <a:solidFill>
+                  <a:srgbClr val="FFFF00"/>
+                </a:solidFill>
+                <a:latin typeface="Arial" panose="020B0604020202020204" pitchFamily="34" charset="0"/>
+                <a:cs typeface="Arial" panose="020B0604020202020204" pitchFamily="34" charset="0"/>
+              </a:rPr>
+              <a:t>, hares </a:t>
+            </a:r>
+            <a:r>
+              <a:rPr lang="en-US" sz="5400" b="1" dirty="0" err="1">
+                <a:solidFill>
+                  <a:srgbClr val="FFFF00"/>
+                </a:solidFill>
+                <a:latin typeface="Arial" panose="020B0604020202020204" pitchFamily="34" charset="0"/>
+                <a:cs typeface="Arial" panose="020B0604020202020204" pitchFamily="34" charset="0"/>
+              </a:rPr>
+              <a:t>khaanu-pardaina</a:t>
+            </a:r>
+            <a:endParaRPr lang="en-US" sz="5400" b="1" dirty="0">
+              <a:solidFill>
+                <a:srgbClr val="FFFF00"/>
+              </a:solidFill>
+              <a:latin typeface="Arial" panose="020B0604020202020204" pitchFamily="34" charset="0"/>
+              <a:cs typeface="Arial" panose="020B0604020202020204" pitchFamily="34" charset="0"/>
+            </a:endParaRPr>
+          </a:p>
+          <a:p>
+            <a:pPr algn="ctr"/>
+            <a:r>
+              <a:rPr lang="en-US" sz="5400" b="1" dirty="0" err="1">
+                <a:solidFill>
+                  <a:srgbClr val="FFFF00"/>
+                </a:solidFill>
+                <a:latin typeface="Arial" panose="020B0604020202020204" pitchFamily="34" charset="0"/>
+                <a:cs typeface="Arial" panose="020B0604020202020204" pitchFamily="34" charset="0"/>
+              </a:rPr>
+              <a:t>khrisT-lai</a:t>
+            </a:r>
+            <a:r>
+              <a:rPr lang="en-US" sz="5400" b="1" dirty="0">
+                <a:solidFill>
+                  <a:srgbClr val="FFFF00"/>
+                </a:solidFill>
+                <a:latin typeface="Arial" panose="020B0604020202020204" pitchFamily="34" charset="0"/>
+                <a:cs typeface="Arial" panose="020B0604020202020204" pitchFamily="34" charset="0"/>
+              </a:rPr>
+              <a:t> </a:t>
+            </a:r>
+            <a:r>
+              <a:rPr lang="en-US" sz="5400" b="1" dirty="0" err="1">
+                <a:solidFill>
+                  <a:srgbClr val="FFFF00"/>
+                </a:solidFill>
+                <a:latin typeface="Arial" panose="020B0604020202020204" pitchFamily="34" charset="0"/>
+                <a:cs typeface="Arial" panose="020B0604020202020204" pitchFamily="34" charset="0"/>
+              </a:rPr>
+              <a:t>bhanauň</a:t>
+            </a:r>
+            <a:r>
+              <a:rPr lang="en-US" sz="5400" b="1" dirty="0">
+                <a:solidFill>
+                  <a:srgbClr val="FFFF00"/>
+                </a:solidFill>
+                <a:latin typeface="Arial" panose="020B0604020202020204" pitchFamily="34" charset="0"/>
+                <a:cs typeface="Arial" panose="020B0604020202020204" pitchFamily="34" charset="0"/>
+              </a:rPr>
+              <a:t> </a:t>
+            </a:r>
+            <a:r>
+              <a:rPr lang="en-US" sz="5400" b="1" dirty="0" err="1">
+                <a:solidFill>
+                  <a:srgbClr val="FFFF00"/>
+                </a:solidFill>
+                <a:latin typeface="Arial" panose="020B0604020202020204" pitchFamily="34" charset="0"/>
+                <a:cs typeface="Arial" panose="020B0604020202020204" pitchFamily="34" charset="0"/>
+              </a:rPr>
+              <a:t>praarth</a:t>
+            </a:r>
+            <a:r>
+              <a:rPr lang="en-US" sz="5400" b="1" dirty="0">
+                <a:solidFill>
+                  <a:srgbClr val="FFFF00"/>
+                </a:solidFill>
+                <a:latin typeface="Arial" panose="020B0604020202020204" pitchFamily="34" charset="0"/>
+                <a:cs typeface="Arial" panose="020B0604020202020204" pitchFamily="34" charset="0"/>
+              </a:rPr>
+              <a:t>' </a:t>
+            </a:r>
+            <a:r>
+              <a:rPr lang="en-US" sz="5400" b="1" dirty="0" err="1">
+                <a:solidFill>
+                  <a:srgbClr val="FFFF00"/>
+                </a:solidFill>
+                <a:latin typeface="Arial" panose="020B0604020202020204" pitchFamily="34" charset="0"/>
+                <a:cs typeface="Arial" panose="020B0604020202020204" pitchFamily="34" charset="0"/>
+              </a:rPr>
+              <a:t>na</a:t>
+            </a:r>
+            <a:r>
+              <a:rPr lang="en-US" sz="5400" b="1" dirty="0">
+                <a:solidFill>
+                  <a:srgbClr val="FFFF00"/>
+                </a:solidFill>
+                <a:latin typeface="Arial" panose="020B0604020202020204" pitchFamily="34" charset="0"/>
+                <a:cs typeface="Arial" panose="020B0604020202020204" pitchFamily="34" charset="0"/>
+              </a:rPr>
+              <a:t>-ma,</a:t>
+            </a:r>
+            <a:endParaRPr sz="5400" b="1" i="1" dirty="0">
+              <a:solidFill>
+                <a:srgbClr val="FFFF00"/>
+              </a:solidFill>
+              <a:latin typeface="Arial" panose="020B0604020202020204" pitchFamily="34" charset="0"/>
+              <a:ea typeface="Arial Narrow"/>
+              <a:cs typeface="Arial" panose="020B0604020202020204" pitchFamily="34" charset="0"/>
+              <a:sym typeface="Arial Narrow"/>
+            </a:endParaRPr>
+          </a:p>
+        </p:txBody>
+      </p:sp>
+    </p:spTree>
+    <p:extLst>
+      <p:ext uri="{BB962C8B-B14F-4D97-AF65-F5344CB8AC3E}">
+        <p14:creationId xmlns:p14="http://schemas.microsoft.com/office/powerpoint/2010/main" val="62992733"/>
+      </p:ext>
+    </p:extLst>
+  </p:cSld>
+  <p:clrMapOvr>
+    <a:masterClrMapping/>
+  </p:clrMapOvr>
+  <mc:AlternateContent xmlns:mc="http://schemas.openxmlformats.org/markup-compatibility/2006" xmlns:p14="http://schemas.microsoft.com/office/powerpoint/2010/main">
+    <mc:Choice Requires="p14">
+      <p:transition>
+        <p:wipe dir="d"/>
+      </p:transition>
+    </mc:Choice>
+    <mc:Fallback xmlns="">
+      <p:transition spd="fast">
+        <p:fade/>
+      </p:transition>
+    </mc:Fallback>
+  </mc:AlternateContent>
+</p:sld>
+</file>
+
+<file path=ppt/slides/slide8.xml><?xml version="1.0" encoding="utf-8"?>
+<p:sld xmlns:a="http://schemas.openxmlformats.org/drawingml/2006/main" xmlns:r="http://schemas.openxmlformats.org/officeDocument/2006/relationships" xmlns:p="http://schemas.openxmlformats.org/presentationml/2006/main">
+  <p:cSld>
+    <p:spTree>
+      <p:nvGrpSpPr>
+        <p:cNvPr id="1" name=""/>
+        <p:cNvGrpSpPr/>
+        <p:nvPr/>
+      </p:nvGrpSpPr>
+      <p:grpSpPr>
+        <a:xfrm>
+          <a:off x="0" y="0"/>
+          <a:ext cx="0" cy="0"/>
+          <a:chOff x="0" y="0"/>
+          <a:chExt cx="0" cy="0"/>
+        </a:xfrm>
+      </p:grpSpPr>
+      <p:sp>
+        <p:nvSpPr>
+          <p:cNvPr id="290" name="Shape 290"/>
+          <p:cNvSpPr/>
+          <p:nvPr/>
+        </p:nvSpPr>
+        <p:spPr>
+          <a:xfrm>
+            <a:off x="808494" y="1592439"/>
+            <a:ext cx="10575011" cy="3673121"/>
+          </a:xfrm>
+          <a:prstGeom prst="rect">
+            <a:avLst/>
+          </a:prstGeom>
+          <a:ln w="12700">
+            <a:miter lim="400000"/>
+          </a:ln>
+          <a:extLst>
+            <a:ext uri="{C572A759-6A51-4108-AA02-DFA0A04FC94B}">
+              <ma14:wrappingTextBoxFlag xmlns="" xmlns:ma14="http://schemas.microsoft.com/office/mac/drawingml/2011/main" val="1"/>
+            </a:ext>
+          </a:extLst>
+        </p:spPr>
+        <p:txBody>
+          <a:bodyPr wrap="none" lIns="35719" tIns="35719" rIns="35719" bIns="35719" anchor="ctr">
+            <a:spAutoFit/>
+          </a:bodyPr>
+          <a:lstStyle/>
           <a:p>
             <a:pPr lvl="0" algn="ctr" defTabSz="914400" eaLnBrk="0" fontAlgn="base" hangingPunct="0">
               <a:spcBef>
@@ -5722,22 +5977,45 @@
               </a:spcAft>
             </a:pPr>
             <a:r>
-              <a:rPr lang="hi-IN" altLang="en-US" sz="4000" b="1" dirty="0">
+              <a:rPr lang="hi-IN" altLang="en-US" sz="5400" b="1" dirty="0">
                 <a:latin typeface="Arial Unicode MS"/>
               </a:rPr>
-              <a:t>उनमा पाउँछौँ सान्त्वना ।</a:t>
-            </a:r>
-            <a:r>
-              <a:rPr lang="en-US" altLang="en-US" sz="4800" b="1" dirty="0"/>
-              <a:t> </a:t>
-            </a:r>
-            <a:endParaRPr lang="en-US" altLang="en-US" sz="7200" b="1" dirty="0">
-              <a:latin typeface="Arial" panose="020B0604020202020204" pitchFamily="34" charset="0"/>
-            </a:endParaRPr>
+              <a:t>हाम्रो सबै दुःखका भागी</a:t>
+            </a:r>
+            <a:r>
+              <a:rPr lang="en-US" altLang="en-US" sz="5400" b="1" dirty="0">
+                <a:latin typeface="Arial Unicode MS"/>
+                <a:cs typeface="Mangal" panose="02040503050203030202" pitchFamily="18" charset="0"/>
+              </a:rPr>
+              <a:t>, </a:t>
+            </a:r>
+          </a:p>
+          <a:p>
+            <a:pPr lvl="0" algn="ctr" defTabSz="914400" eaLnBrk="0" fontAlgn="base" hangingPunct="0">
+              <a:spcBef>
+                <a:spcPct val="0"/>
+              </a:spcBef>
+              <a:spcAft>
+                <a:spcPct val="0"/>
+              </a:spcAft>
+            </a:pPr>
+            <a:r>
+              <a:rPr lang="hi-IN" altLang="en-US" sz="5400" b="1" dirty="0">
+                <a:latin typeface="Arial Unicode MS"/>
+              </a:rPr>
+              <a:t>यस्तो मित्र कहाँ पाऔला </a:t>
+            </a:r>
+            <a:r>
+              <a:rPr lang="en-US" altLang="en-US" sz="5400" b="1" dirty="0">
+                <a:latin typeface="Arial Unicode MS"/>
+                <a:cs typeface="Mangal" panose="02040503050203030202" pitchFamily="18" charset="0"/>
+              </a:rPr>
+              <a:t>?</a:t>
+            </a:r>
           </a:p>
           <a:p>
             <a:pPr algn="ctr"/>
-            <a:endParaRPr lang="en-US" sz="3950" b="1" i="1" dirty="0">
+            <a:endParaRPr lang="en-US" b="1" i="1" dirty="0">
               <a:latin typeface="Arial" panose="020B0604020202020204" pitchFamily="34" charset="0"/>
               <a:cs typeface="Arial" panose="020B0604020202020204" pitchFamily="34" charset="0"/>
             </a:endParaRPr>
@@ -5745,9 +6023,9 @@
           <a:p>
             <a:pPr algn="ctr"/>
             <a:r>
-              <a:rPr lang="en-US" sz="3950" b="1" dirty="0" err="1">
-                <a:solidFill>
-                  <a:srgbClr val="66FFFF"/>
+              <a:rPr lang="en-US" sz="5400" b="1" dirty="0" err="1">
+                <a:solidFill>
+                  <a:srgbClr val="FFFF00"/>
                 </a:solidFill>
                 <a:latin typeface="Arial" panose="020B0604020202020204" pitchFamily="34" charset="0"/>
                 <a:cs typeface="Arial" panose="020B0604020202020204" pitchFamily="34" charset="0"/>
@@ -5755,9 +6033,9 @@
               <a:t>haamro</a:t>
             </a:r>
             <a:r>
-              <a:rPr lang="en-US" sz="3950" b="1" dirty="0">
-                <a:solidFill>
-                  <a:srgbClr val="66FFFF"/>
+              <a:rPr lang="en-US" sz="5400" b="1" dirty="0">
+                <a:solidFill>
+                  <a:srgbClr val="FFFF00"/>
                 </a:solidFill>
                 <a:latin typeface="Arial" panose="020B0604020202020204" pitchFamily="34" charset="0"/>
                 <a:cs typeface="Arial" panose="020B0604020202020204" pitchFamily="34" charset="0"/>
@@ -5765,9 +6043,9 @@
               <a:t> </a:t>
             </a:r>
             <a:r>
-              <a:rPr lang="en-US" sz="3950" b="1" dirty="0" err="1">
-                <a:solidFill>
-                  <a:srgbClr val="66FFFF"/>
+              <a:rPr lang="en-US" sz="5400" b="1" dirty="0" err="1">
+                <a:solidFill>
+                  <a:srgbClr val="FFFF00"/>
                 </a:solidFill>
                 <a:latin typeface="Arial" panose="020B0604020202020204" pitchFamily="34" charset="0"/>
                 <a:cs typeface="Arial" panose="020B0604020202020204" pitchFamily="34" charset="0"/>
@@ -5775,9 +6053,9 @@
               <a:t>sabai</a:t>
             </a:r>
             <a:r>
-              <a:rPr lang="en-US" sz="3950" b="1" dirty="0">
-                <a:solidFill>
-                  <a:srgbClr val="66FFFF"/>
+              <a:rPr lang="en-US" sz="5400" b="1" dirty="0">
+                <a:solidFill>
+                  <a:srgbClr val="FFFF00"/>
                 </a:solidFill>
                 <a:latin typeface="Arial" panose="020B0604020202020204" pitchFamily="34" charset="0"/>
                 <a:cs typeface="Arial" panose="020B0604020202020204" pitchFamily="34" charset="0"/>
@@ -5785,9 +6063,9 @@
               <a:t> </a:t>
             </a:r>
             <a:r>
-              <a:rPr lang="en-US" sz="3950" b="1" dirty="0" err="1">
-                <a:solidFill>
-                  <a:srgbClr val="66FFFF"/>
+              <a:rPr lang="en-US" sz="5400" b="1" dirty="0" err="1">
+                <a:solidFill>
+                  <a:srgbClr val="FFFF00"/>
                 </a:solidFill>
                 <a:latin typeface="Arial" panose="020B0604020202020204" pitchFamily="34" charset="0"/>
                 <a:cs typeface="Arial" panose="020B0604020202020204" pitchFamily="34" charset="0"/>
@@ -5795,9 +6073,9 @@
               <a:t>dukh-kaa</a:t>
             </a:r>
             <a:r>
-              <a:rPr lang="en-US" sz="3950" b="1" dirty="0">
-                <a:solidFill>
-                  <a:srgbClr val="66FFFF"/>
+              <a:rPr lang="en-US" sz="5400" b="1" dirty="0">
+                <a:solidFill>
+                  <a:srgbClr val="FFFF00"/>
                 </a:solidFill>
                 <a:latin typeface="Arial" panose="020B0604020202020204" pitchFamily="34" charset="0"/>
                 <a:cs typeface="Arial" panose="020B0604020202020204" pitchFamily="34" charset="0"/>
@@ -5805,9 +6083,9 @@
               <a:t> b </a:t>
             </a:r>
             <a:r>
-              <a:rPr lang="en-US" sz="3950" b="1" dirty="0" err="1">
-                <a:solidFill>
-                  <a:srgbClr val="66FFFF"/>
+              <a:rPr lang="en-US" sz="5400" b="1" dirty="0" err="1">
+                <a:solidFill>
+                  <a:srgbClr val="FFFF00"/>
                 </a:solidFill>
                 <a:latin typeface="Arial" panose="020B0604020202020204" pitchFamily="34" charset="0"/>
                 <a:cs typeface="Arial" panose="020B0604020202020204" pitchFamily="34" charset="0"/>
@@ -5815,9 +6093,9 @@
               <a:t>haagi</a:t>
             </a:r>
             <a:r>
-              <a:rPr lang="en-US" sz="3950" b="1" dirty="0">
-                <a:solidFill>
-                  <a:srgbClr val="66FFFF"/>
+              <a:rPr lang="en-US" sz="5400" b="1" dirty="0">
+                <a:solidFill>
+                  <a:srgbClr val="FFFF00"/>
                 </a:solidFill>
                 <a:latin typeface="Arial" panose="020B0604020202020204" pitchFamily="34" charset="0"/>
                 <a:cs typeface="Arial" panose="020B0604020202020204" pitchFamily="34" charset="0"/>
@@ -5828,9 +6106,9 @@
           <a:p>
             <a:pPr algn="ctr"/>
             <a:r>
-              <a:rPr lang="en-US" sz="3950" b="1" dirty="0" err="1">
-                <a:solidFill>
-                  <a:srgbClr val="66FFFF"/>
+              <a:rPr lang="en-US" sz="5400" b="1" dirty="0" err="1">
+                <a:solidFill>
+                  <a:srgbClr val="FFFF00"/>
                 </a:solidFill>
                 <a:latin typeface="Arial" panose="020B0604020202020204" pitchFamily="34" charset="0"/>
                 <a:cs typeface="Arial" panose="020B0604020202020204" pitchFamily="34" charset="0"/>
@@ -5838,9 +6116,9 @@
               <a:t>yesto</a:t>
             </a:r>
             <a:r>
-              <a:rPr lang="en-US" sz="3950" b="1" dirty="0">
-                <a:solidFill>
-                  <a:srgbClr val="66FFFF"/>
+              <a:rPr lang="en-US" sz="5400" b="1" dirty="0">
+                <a:solidFill>
+                  <a:srgbClr val="FFFF00"/>
                 </a:solidFill>
                 <a:latin typeface="Arial" panose="020B0604020202020204" pitchFamily="34" charset="0"/>
                 <a:cs typeface="Arial" panose="020B0604020202020204" pitchFamily="34" charset="0"/>
@@ -5848,9 +6126,9 @@
               <a:t> </a:t>
             </a:r>
             <a:r>
-              <a:rPr lang="en-US" sz="3950" b="1" dirty="0" err="1">
-                <a:solidFill>
-                  <a:srgbClr val="66FFFF"/>
+              <a:rPr lang="en-US" sz="5400" b="1" dirty="0" err="1">
+                <a:solidFill>
+                  <a:srgbClr val="FFFF00"/>
                 </a:solidFill>
                 <a:latin typeface="Arial" panose="020B0604020202020204" pitchFamily="34" charset="0"/>
                 <a:cs typeface="Arial" panose="020B0604020202020204" pitchFamily="34" charset="0"/>
@@ -5858,9 +6136,9 @@
               <a:t>mitra</a:t>
             </a:r>
             <a:r>
-              <a:rPr lang="en-US" sz="3950" b="1" dirty="0">
-                <a:solidFill>
-                  <a:srgbClr val="66FFFF"/>
+              <a:rPr lang="en-US" sz="5400" b="1" dirty="0">
+                <a:solidFill>
+                  <a:srgbClr val="FFFF00"/>
                 </a:solidFill>
                 <a:latin typeface="Arial" panose="020B0604020202020204" pitchFamily="34" charset="0"/>
                 <a:cs typeface="Arial" panose="020B0604020202020204" pitchFamily="34" charset="0"/>
@@ -5868,9 +6146,9 @@
               <a:t> </a:t>
             </a:r>
             <a:r>
-              <a:rPr lang="en-US" sz="3950" b="1" dirty="0" err="1">
-                <a:solidFill>
-                  <a:srgbClr val="66FFFF"/>
+              <a:rPr lang="en-US" sz="5400" b="1" dirty="0" err="1">
+                <a:solidFill>
+                  <a:srgbClr val="FFFF00"/>
                 </a:solidFill>
                 <a:latin typeface="Arial" panose="020B0604020202020204" pitchFamily="34" charset="0"/>
                 <a:cs typeface="Arial" panose="020B0604020202020204" pitchFamily="34" charset="0"/>
@@ -5878,9 +6156,9 @@
               <a:t>ka'aaň</a:t>
             </a:r>
             <a:r>
-              <a:rPr lang="en-US" sz="3950" b="1" dirty="0">
-                <a:solidFill>
-                  <a:srgbClr val="66FFFF"/>
+              <a:rPr lang="en-US" sz="5400" b="1" dirty="0">
+                <a:solidFill>
+                  <a:srgbClr val="FFFF00"/>
                 </a:solidFill>
                 <a:latin typeface="Arial" panose="020B0604020202020204" pitchFamily="34" charset="0"/>
                 <a:cs typeface="Arial" panose="020B0604020202020204" pitchFamily="34" charset="0"/>
@@ -5888,9 +6166,9 @@
               <a:t> </a:t>
             </a:r>
             <a:r>
-              <a:rPr lang="en-US" sz="3950" b="1" dirty="0" err="1">
-                <a:solidFill>
-                  <a:srgbClr val="66FFFF"/>
+              <a:rPr lang="en-US" sz="5400" b="1" dirty="0" err="1">
+                <a:solidFill>
+                  <a:srgbClr val="FFFF00"/>
                 </a:solidFill>
                 <a:latin typeface="Arial" panose="020B0604020202020204" pitchFamily="34" charset="0"/>
                 <a:cs typeface="Arial" panose="020B0604020202020204" pitchFamily="34" charset="0"/>
@@ -5898,9 +6176,9 @@
               <a:t>paauňlaa</a:t>
             </a:r>
             <a:r>
-              <a:rPr lang="en-US" sz="3950" b="1" dirty="0">
-                <a:solidFill>
-                  <a:srgbClr val="66FFFF"/>
+              <a:rPr lang="en-US" sz="5400" b="1" dirty="0">
+                <a:solidFill>
+                  <a:srgbClr val="FFFF00"/>
                 </a:solidFill>
                 <a:latin typeface="Arial" panose="020B0604020202020204" pitchFamily="34" charset="0"/>
                 <a:cs typeface="Arial" panose="020B0604020202020204" pitchFamily="34" charset="0"/>
@@ -5908,12 +6186,137 @@
               <a:t>? </a:t>
             </a:r>
           </a:p>
+        </p:txBody>
+      </p:sp>
+    </p:spTree>
+    <p:extLst>
+      <p:ext uri="{BB962C8B-B14F-4D97-AF65-F5344CB8AC3E}">
+        <p14:creationId xmlns:p14="http://schemas.microsoft.com/office/powerpoint/2010/main" val="3749937806"/>
+      </p:ext>
+    </p:extLst>
+  </p:cSld>
+  <p:clrMapOvr>
+    <a:masterClrMapping/>
+  </p:clrMapOvr>
+  <mc:AlternateContent xmlns:mc="http://schemas.openxmlformats.org/markup-compatibility/2006" xmlns:p14="http://schemas.microsoft.com/office/powerpoint/2010/main">
+    <mc:Choice Requires="p14">
+      <p:transition>
+        <p:wipe dir="d"/>
+      </p:transition>
+    </mc:Choice>
+    <mc:Fallback xmlns="">
+      <p:transition spd="fast">
+        <p:fade/>
+      </p:transition>
+    </mc:Fallback>
+  </mc:AlternateContent>
+</p:sld>
+</file>
+
+<file path=ppt/slides/slide9.xml><?xml version="1.0" encoding="utf-8"?>
+<p:sld xmlns:a="http://schemas.openxmlformats.org/drawingml/2006/main" xmlns:r="http://schemas.openxmlformats.org/officeDocument/2006/relationships" xmlns:p="http://schemas.openxmlformats.org/presentationml/2006/main">
+  <p:cSld>
+    <p:spTree>
+      <p:nvGrpSpPr>
+        <p:cNvPr id="1" name=""/>
+        <p:cNvGrpSpPr/>
+        <p:nvPr/>
+      </p:nvGrpSpPr>
+      <p:grpSpPr>
+        <a:xfrm>
+          <a:off x="0" y="0"/>
+          <a:ext cx="0" cy="0"/>
+          <a:chOff x="0" y="0"/>
+          <a:chExt cx="0" cy="0"/>
+        </a:xfrm>
+      </p:grpSpPr>
+      <p:sp>
+        <p:nvSpPr>
+          <p:cNvPr id="290" name="Shape 290"/>
+          <p:cNvSpPr/>
+          <p:nvPr/>
+        </p:nvSpPr>
+        <p:spPr>
+          <a:xfrm>
+            <a:off x="514215" y="1592439"/>
+            <a:ext cx="11163570" cy="3673121"/>
+          </a:xfrm>
+          <a:prstGeom prst="rect">
+            <a:avLst/>
+          </a:prstGeom>
+          <a:ln w="12700">
+            <a:miter lim="400000"/>
+          </a:ln>
+          <a:extLst>
+            <a:ext uri="{C572A759-6A51-4108-AA02-DFA0A04FC94B}">
+              <ma14:wrappingTextBoxFlag xmlns="" xmlns:ma14="http://schemas.microsoft.com/office/mac/drawingml/2011/main" val="1"/>
+            </a:ext>
+          </a:extLst>
+        </p:spPr>
+        <p:txBody>
+          <a:bodyPr wrap="none" lIns="35719" tIns="35719" rIns="35719" bIns="35719" anchor="ctr">
+            <a:spAutoFit/>
+          </a:bodyPr>
+          <a:lstStyle/>
+          <a:p>
+            <a:pPr lvl="0" algn="ctr" defTabSz="914400" eaLnBrk="0" fontAlgn="base" hangingPunct="0">
+              <a:spcBef>
+                <a:spcPct val="0"/>
+              </a:spcBef>
+              <a:spcAft>
+                <a:spcPct val="0"/>
+              </a:spcAft>
+            </a:pPr>
+            <a:r>
+              <a:rPr lang="hi-IN" altLang="en-US" sz="5400" b="1" dirty="0">
+                <a:latin typeface="Arial Unicode MS"/>
+              </a:rPr>
+              <a:t>हर कमजोरी येशू बुझ्छन्‌</a:t>
+            </a:r>
+            <a:r>
+              <a:rPr lang="en-US" altLang="en-US" sz="5400" b="1" dirty="0">
+                <a:latin typeface="Arial Unicode MS"/>
+                <a:cs typeface="Mangal" panose="02040503050203030202" pitchFamily="18" charset="0"/>
+              </a:rPr>
+              <a:t>, </a:t>
+            </a:r>
+          </a:p>
+          <a:p>
+            <a:pPr lvl="0" algn="ctr" defTabSz="914400" eaLnBrk="0" fontAlgn="base" hangingPunct="0">
+              <a:spcBef>
+                <a:spcPct val="0"/>
+              </a:spcBef>
+              <a:spcAft>
+                <a:spcPct val="0"/>
+              </a:spcAft>
+            </a:pPr>
+            <a:r>
+              <a:rPr lang="hi-IN" altLang="en-US" sz="5400" b="1" dirty="0">
+                <a:latin typeface="Arial Unicode MS"/>
+              </a:rPr>
+              <a:t>ख्रीष्टलाई भनौँ प्रार्थनामा ।</a:t>
+            </a:r>
+            <a:r>
+              <a:rPr lang="en-US" altLang="en-US" sz="5400" b="1" dirty="0"/>
+              <a:t> </a:t>
+            </a:r>
+            <a:endParaRPr lang="en-US" altLang="en-US" sz="5400" b="1" dirty="0">
+              <a:latin typeface="Arial" panose="020B0604020202020204" pitchFamily="34" charset="0"/>
+            </a:endParaRPr>
+          </a:p>
           <a:p>
             <a:pPr algn="ctr"/>
-            <a:r>
-              <a:rPr lang="en-US" sz="3950" b="1" dirty="0">
-                <a:solidFill>
-                  <a:srgbClr val="66FFFF"/>
+            <a:endParaRPr lang="en-US" b="1" i="1" dirty="0">
+              <a:latin typeface="Arial" panose="020B0604020202020204" pitchFamily="34" charset="0"/>
+              <a:cs typeface="Arial" panose="020B0604020202020204" pitchFamily="34" charset="0"/>
+            </a:endParaRPr>
+          </a:p>
+          <a:p>
+            <a:pPr algn="ctr"/>
+            <a:r>
+              <a:rPr lang="en-US" sz="5400" b="1" dirty="0">
+                <a:solidFill>
+                  <a:srgbClr val="FFFF00"/>
                 </a:solidFill>
                 <a:latin typeface="Arial" panose="020B0604020202020204" pitchFamily="34" charset="0"/>
                 <a:cs typeface="Arial" panose="020B0604020202020204" pitchFamily="34" charset="0"/>
@@ -5921,9 +6324,9 @@
               <a:t>har-</a:t>
             </a:r>
             <a:r>
-              <a:rPr lang="en-US" sz="3950" b="1" dirty="0" err="1">
-                <a:solidFill>
-                  <a:srgbClr val="66FFFF"/>
+              <a:rPr lang="en-US" sz="5400" b="1" dirty="0" err="1">
+                <a:solidFill>
+                  <a:srgbClr val="FFFF00"/>
                 </a:solidFill>
                 <a:latin typeface="Arial" panose="020B0604020202020204" pitchFamily="34" charset="0"/>
                 <a:cs typeface="Arial" panose="020B0604020202020204" pitchFamily="34" charset="0"/>
@@ -5931,9 +6334,9 @@
               <a:t>kamjori</a:t>
             </a:r>
             <a:r>
-              <a:rPr lang="en-US" sz="3950" b="1" dirty="0">
-                <a:solidFill>
-                  <a:srgbClr val="66FFFF"/>
+              <a:rPr lang="en-US" sz="5400" b="1" dirty="0">
+                <a:solidFill>
+                  <a:srgbClr val="FFFF00"/>
                 </a:solidFill>
                 <a:latin typeface="Arial" panose="020B0604020202020204" pitchFamily="34" charset="0"/>
                 <a:cs typeface="Arial" panose="020B0604020202020204" pitchFamily="34" charset="0"/>
@@ -5941,9 +6344,9 @@
               <a:t> </a:t>
             </a:r>
             <a:r>
-              <a:rPr lang="en-US" sz="3950" b="1" dirty="0" err="1">
-                <a:solidFill>
-                  <a:srgbClr val="66FFFF"/>
+              <a:rPr lang="en-US" sz="5400" b="1" dirty="0" err="1">
+                <a:solidFill>
+                  <a:srgbClr val="FFFF00"/>
                 </a:solidFill>
                 <a:latin typeface="Arial" panose="020B0604020202020204" pitchFamily="34" charset="0"/>
                 <a:cs typeface="Arial" panose="020B0604020202020204" pitchFamily="34" charset="0"/>
@@ -5951,9 +6354,9 @@
               <a:t>yeshu</a:t>
             </a:r>
             <a:r>
-              <a:rPr lang="en-US" sz="3950" b="1" dirty="0">
-                <a:solidFill>
-                  <a:srgbClr val="66FFFF"/>
+              <a:rPr lang="en-US" sz="5400" b="1" dirty="0">
+                <a:solidFill>
+                  <a:srgbClr val="FFFF00"/>
                 </a:solidFill>
                 <a:latin typeface="Arial" panose="020B0604020202020204" pitchFamily="34" charset="0"/>
                 <a:cs typeface="Arial" panose="020B0604020202020204" pitchFamily="34" charset="0"/>
@@ -5961,9 +6364,9 @@
               <a:t> </a:t>
             </a:r>
             <a:r>
-              <a:rPr lang="en-US" sz="3950" b="1" dirty="0" err="1">
-                <a:solidFill>
-                  <a:srgbClr val="66FFFF"/>
+              <a:rPr lang="en-US" sz="5400" b="1" dirty="0" err="1">
+                <a:solidFill>
+                  <a:srgbClr val="FFFF00"/>
                 </a:solidFill>
                 <a:latin typeface="Arial" panose="020B0604020202020204" pitchFamily="34" charset="0"/>
                 <a:cs typeface="Arial" panose="020B0604020202020204" pitchFamily="34" charset="0"/>
@@ -5971,9 +6374,9 @@
               <a:t>bujh-chan</a:t>
             </a:r>
             <a:r>
-              <a:rPr lang="en-US" sz="3950" b="1" dirty="0">
-                <a:solidFill>
-                  <a:srgbClr val="66FFFF"/>
+              <a:rPr lang="en-US" sz="5400" b="1" dirty="0">
+                <a:solidFill>
+                  <a:srgbClr val="FFFF00"/>
                 </a:solidFill>
                 <a:latin typeface="Arial" panose="020B0604020202020204" pitchFamily="34" charset="0"/>
                 <a:cs typeface="Arial" panose="020B0604020202020204" pitchFamily="34" charset="0"/>
@@ -5984,9 +6387,9 @@
           <a:p>
             <a:pPr algn="ctr"/>
             <a:r>
-              <a:rPr lang="en-US" sz="3950" b="1" dirty="0" err="1">
-                <a:solidFill>
-                  <a:srgbClr val="66FFFF"/>
+              <a:rPr lang="en-US" sz="5400" b="1" dirty="0" err="1">
+                <a:solidFill>
+                  <a:srgbClr val="FFFF00"/>
                 </a:solidFill>
                 <a:latin typeface="Arial" panose="020B0604020202020204" pitchFamily="34" charset="0"/>
                 <a:cs typeface="Arial" panose="020B0604020202020204" pitchFamily="34" charset="0"/>
@@ -5994,9 +6397,9 @@
               <a:t>khrisT-laai</a:t>
             </a:r>
             <a:r>
-              <a:rPr lang="en-US" sz="3950" b="1" dirty="0">
-                <a:solidFill>
-                  <a:srgbClr val="66FFFF"/>
+              <a:rPr lang="en-US" sz="5400" b="1" dirty="0">
+                <a:solidFill>
+                  <a:srgbClr val="FFFF00"/>
                 </a:solidFill>
                 <a:latin typeface="Arial" panose="020B0604020202020204" pitchFamily="34" charset="0"/>
                 <a:cs typeface="Arial" panose="020B0604020202020204" pitchFamily="34" charset="0"/>
@@ -6004,9 +6407,9 @@
               <a:t> </a:t>
             </a:r>
             <a:r>
-              <a:rPr lang="en-US" sz="3950" b="1" dirty="0" err="1">
-                <a:solidFill>
-                  <a:srgbClr val="66FFFF"/>
+              <a:rPr lang="en-US" sz="5400" b="1" dirty="0" err="1">
+                <a:solidFill>
+                  <a:srgbClr val="FFFF00"/>
                 </a:solidFill>
                 <a:latin typeface="Arial" panose="020B0604020202020204" pitchFamily="34" charset="0"/>
                 <a:cs typeface="Arial" panose="020B0604020202020204" pitchFamily="34" charset="0"/>
@@ -6014,9 +6417,9 @@
               <a:t>bhanauň</a:t>
             </a:r>
             <a:r>
-              <a:rPr lang="en-US" sz="3950" b="1" dirty="0">
-                <a:solidFill>
-                  <a:srgbClr val="66FFFF"/>
+              <a:rPr lang="en-US" sz="5400" b="1" dirty="0">
+                <a:solidFill>
+                  <a:srgbClr val="FFFF00"/>
                 </a:solidFill>
                 <a:latin typeface="Arial" panose="020B0604020202020204" pitchFamily="34" charset="0"/>
                 <a:cs typeface="Arial" panose="020B0604020202020204" pitchFamily="34" charset="0"/>
@@ -6024,48 +6427,28 @@
               <a:t> </a:t>
             </a:r>
             <a:r>
-              <a:rPr lang="en-US" sz="3950" b="1" dirty="0" err="1">
-                <a:solidFill>
-                  <a:srgbClr val="66FFFF"/>
-                </a:solidFill>
-                <a:latin typeface="Arial" panose="020B0604020202020204" pitchFamily="34" charset="0"/>
-                <a:cs typeface="Arial" panose="020B0604020202020204" pitchFamily="34" charset="0"/>
-              </a:rPr>
-              <a:t>praarth'n</a:t>
-            </a:r>
-            <a:r>
-              <a:rPr lang="en-US" sz="3950" b="1" dirty="0">
-                <a:solidFill>
-                  <a:srgbClr val="66FFFF"/>
-                </a:solidFill>
-                <a:latin typeface="Arial" panose="020B0604020202020204" pitchFamily="34" charset="0"/>
-                <a:cs typeface="Arial" panose="020B0604020202020204" pitchFamily="34" charset="0"/>
-              </a:rPr>
-              <a:t> aa-</a:t>
-            </a:r>
-            <a:r>
-              <a:rPr lang="en-US" sz="3950" b="1" dirty="0" err="1">
-                <a:solidFill>
-                  <a:srgbClr val="66FFFF"/>
-                </a:solidFill>
-                <a:latin typeface="Arial" panose="020B0604020202020204" pitchFamily="34" charset="0"/>
-                <a:cs typeface="Arial" panose="020B0604020202020204" pitchFamily="34" charset="0"/>
-              </a:rPr>
-              <a:t>maa</a:t>
-            </a:r>
-            <a:r>
-              <a:rPr lang="en-US" sz="3950" b="1" dirty="0">
-                <a:solidFill>
-                  <a:srgbClr val="66FFFF"/>
-                </a:solidFill>
-                <a:latin typeface="Arial" panose="020B0604020202020204" pitchFamily="34" charset="0"/>
-                <a:cs typeface="Arial" panose="020B0604020202020204" pitchFamily="34" charset="0"/>
-              </a:rPr>
-              <a:t>.</a:t>
-            </a:r>
-            <a:endParaRPr sz="3950" b="1" i="1" dirty="0">
+              <a:rPr lang="en-US" sz="5400" b="1" dirty="0" err="1">
+                <a:solidFill>
+                  <a:srgbClr val="FFFF00"/>
+                </a:solidFill>
+                <a:latin typeface="Arial" panose="020B0604020202020204" pitchFamily="34" charset="0"/>
+                <a:cs typeface="Arial" panose="020B0604020202020204" pitchFamily="34" charset="0"/>
+              </a:rPr>
+              <a:t>prarth'na</a:t>
+            </a:r>
+            <a:r>
+              <a:rPr lang="en-US" sz="5400" b="1" dirty="0">
+                <a:solidFill>
+                  <a:srgbClr val="FFFF00"/>
+                </a:solidFill>
+                <a:latin typeface="Arial" panose="020B0604020202020204" pitchFamily="34" charset="0"/>
+                <a:cs typeface="Arial" panose="020B0604020202020204" pitchFamily="34" charset="0"/>
+              </a:rPr>
+              <a:t>-ma.</a:t>
+            </a:r>
+            <a:endParaRPr sz="5400" b="1" i="1" dirty="0">
               <a:solidFill>
-                <a:srgbClr val="66FFFF"/>
+                <a:srgbClr val="FFFF00"/>
               </a:solidFill>
               <a:latin typeface="Arial" panose="020B0604020202020204" pitchFamily="34" charset="0"/>
               <a:ea typeface="Arial Narrow"/>
@@ -6078,7 +6461,7 @@
     </p:spTree>
     <p:extLst>
       <p:ext uri="{BB962C8B-B14F-4D97-AF65-F5344CB8AC3E}">
-        <p14:creationId xmlns:p14="http://schemas.microsoft.com/office/powerpoint/2010/main" val="3840373887"/>
+        <p14:creationId xmlns:p14="http://schemas.microsoft.com/office/powerpoint/2010/main" val="609888482"/>
       </p:ext>
     </p:extLst>
   </p:cSld>
